--- a/GameDesign/팀펄_UI기획.pptx
+++ b/GameDesign/팀펄_UI기획.pptx
@@ -275,7 +275,7 @@
       </p15:sldGuideLst>
     </p:ext>
     <p:ext uri="http://customooxmlschemas.google.com/">
-      <go:slidesCustomData xmlns:go="http://customooxmlschemas.google.com/" xmlns:ahyp="http://schemas.microsoft.com/office/drawing/2018/hyperlinkcolor" xmlns:p15="http://schemas.microsoft.com/office/powerpoint/2012/main" xmlns:p14="http://schemas.microsoft.com/office/powerpoint/2010/main" xmlns:com="http://schemas.openxmlformats.org/drawingml/2006/compatibility" xmlns:pvml="urn:schemas-microsoft-com:office:powerpoint" xmlns:v="urn:schemas-microsoft-com:vml" xmlns:o="urn:schemas-microsoft-com:office:office" xmlns:dgm="http://schemas.openxmlformats.org/drawingml/2006/diagram" xmlns:c="http://schemas.openxmlformats.org/drawingml/2006/chart" xmlns:mv="urn:schemas-microsoft-com:mac:vml" xmlns:mc="http://schemas.openxmlformats.org/markup-compatibility/2006" xmlns="" r:id="rId30" roundtripDataSignature="AMtx7miiSHJ3XJ4MW2M590OQDNRXdaDwBQ=="/>
+      <go:slidesCustomData xmlns="" xmlns:mc="http://schemas.openxmlformats.org/markup-compatibility/2006" xmlns:mv="urn:schemas-microsoft-com:mac:vml" xmlns:c="http://schemas.openxmlformats.org/drawingml/2006/chart" xmlns:dgm="http://schemas.openxmlformats.org/drawingml/2006/diagram" xmlns:o="urn:schemas-microsoft-com:office:office" xmlns:v="urn:schemas-microsoft-com:vml" xmlns:pvml="urn:schemas-microsoft-com:office:powerpoint" xmlns:com="http://schemas.openxmlformats.org/drawingml/2006/compatibility" xmlns:p14="http://schemas.microsoft.com/office/powerpoint/2010/main" xmlns:p15="http://schemas.microsoft.com/office/powerpoint/2012/main" xmlns:ahyp="http://schemas.microsoft.com/office/drawing/2018/hyperlinkcolor" xmlns:go="http://customooxmlschemas.google.com/" r:id="rId30" roundtripDataSignature="AMtx7miiSHJ3XJ4MW2M590OQDNRXdaDwBQ=="/>
     </p:ext>
   </p:extLst>
 </p:presentation>
@@ -10603,6 +10603,240 @@
 </file>
 
 <file path=ppt/notesSlides/notesSlide2.xml><?xml version="1.0" encoding="utf-8"?>
+<p:notes xmlns:a="http://schemas.openxmlformats.org/drawingml/2006/main" xmlns:r="http://schemas.openxmlformats.org/officeDocument/2006/relationships" xmlns:p="http://schemas.openxmlformats.org/presentationml/2006/main">
+  <p:cSld>
+    <p:spTree>
+      <p:nvGrpSpPr>
+        <p:cNvPr id="1" name=""/>
+        <p:cNvGrpSpPr/>
+        <p:nvPr/>
+      </p:nvGrpSpPr>
+      <p:grpSpPr>
+        <a:xfrm>
+          <a:off x="0" y="0"/>
+          <a:ext cx="0" cy="0"/>
+          <a:chOff x="0" y="0"/>
+          <a:chExt cx="0" cy="0"/>
+        </a:xfrm>
+      </p:grpSpPr>
+      <p:sp>
+        <p:nvSpPr>
+          <p:cNvPr id="2" name="슬라이드 이미지 개체 틀 1"/>
+          <p:cNvSpPr>
+            <a:spLocks noGrp="1" noRot="1" noChangeAspect="1"/>
+          </p:cNvSpPr>
+          <p:nvPr>
+            <p:ph type="sldImg"/>
+          </p:nvPr>
+        </p:nvSpPr>
+        <p:spPr/>
+      </p:sp>
+      <p:sp>
+        <p:nvSpPr>
+          <p:cNvPr id="3" name="슬라이드 노트 개체 틀 2"/>
+          <p:cNvSpPr>
+            <a:spLocks noGrp="1"/>
+          </p:cNvSpPr>
+          <p:nvPr>
+            <p:ph type="body" idx="1"/>
+          </p:nvPr>
+        </p:nvSpPr>
+        <p:spPr/>
+        <p:txBody>
+          <a:bodyPr/>
+          <a:lstStyle/>
+          <a:p>
+            <a:endParaRPr lang="ko-KR" altLang="en-US" dirty="0"/>
+          </a:p>
+        </p:txBody>
+      </p:sp>
+      <p:sp>
+        <p:nvSpPr>
+          <p:cNvPr id="4" name="슬라이드 번호 개체 틀 3"/>
+          <p:cNvSpPr>
+            <a:spLocks noGrp="1"/>
+          </p:cNvSpPr>
+          <p:nvPr>
+            <p:ph type="sldNum" idx="12"/>
+          </p:nvPr>
+        </p:nvSpPr>
+        <p:spPr/>
+        <p:txBody>
+          <a:bodyPr/>
+          <a:lstStyle/>
+          <a:p>
+            <a:pPr marL="0" marR="0" lvl="0" indent="0" algn="r" rtl="0">
+              <a:lnSpc>
+                <a:spcPct val="100000"/>
+              </a:lnSpc>
+              <a:spcBef>
+                <a:spcPts val="0"/>
+              </a:spcBef>
+              <a:spcAft>
+                <a:spcPts val="0"/>
+              </a:spcAft>
+              <a:buClr>
+                <a:srgbClr val="000000"/>
+              </a:buClr>
+              <a:buSzPts val="1200"/>
+              <a:buFont typeface="Arial"/>
+              <a:buNone/>
+            </a:pPr>
+            <a:fld id="{00000000-1234-1234-1234-123412341234}" type="slidenum">
+              <a:rPr lang="en-US" sz="1200" b="0" i="0" u="none" strike="noStrike" cap="none" smtClean="0">
+                <a:solidFill>
+                  <a:schemeClr val="dk1"/>
+                </a:solidFill>
+                <a:latin typeface="Malgun Gothic"/>
+                <a:ea typeface="Malgun Gothic"/>
+                <a:cs typeface="Malgun Gothic"/>
+                <a:sym typeface="Malgun Gothic"/>
+              </a:rPr>
+              <a:t>4</a:t>
+            </a:fld>
+            <a:endParaRPr lang="en-US" sz="1200" b="0" i="0" u="none" strike="noStrike" cap="none">
+              <a:solidFill>
+                <a:schemeClr val="dk1"/>
+              </a:solidFill>
+              <a:latin typeface="Malgun Gothic"/>
+              <a:ea typeface="Malgun Gothic"/>
+              <a:cs typeface="Malgun Gothic"/>
+              <a:sym typeface="Malgun Gothic"/>
+            </a:endParaRPr>
+          </a:p>
+        </p:txBody>
+      </p:sp>
+    </p:spTree>
+    <p:extLst>
+      <p:ext uri="{BB962C8B-B14F-4D97-AF65-F5344CB8AC3E}">
+        <p14:creationId xmlns:p14="http://schemas.microsoft.com/office/powerpoint/2010/main" val="1537045968"/>
+      </p:ext>
+    </p:extLst>
+  </p:cSld>
+  <p:clrMapOvr>
+    <a:masterClrMapping/>
+  </p:clrMapOvr>
+</p:notes>
+</file>
+
+<file path=ppt/notesSlides/notesSlide3.xml><?xml version="1.0" encoding="utf-8"?>
+<p:notes xmlns:a="http://schemas.openxmlformats.org/drawingml/2006/main" xmlns:r="http://schemas.openxmlformats.org/officeDocument/2006/relationships" xmlns:p="http://schemas.openxmlformats.org/presentationml/2006/main">
+  <p:cSld>
+    <p:spTree>
+      <p:nvGrpSpPr>
+        <p:cNvPr id="1" name=""/>
+        <p:cNvGrpSpPr/>
+        <p:nvPr/>
+      </p:nvGrpSpPr>
+      <p:grpSpPr>
+        <a:xfrm>
+          <a:off x="0" y="0"/>
+          <a:ext cx="0" cy="0"/>
+          <a:chOff x="0" y="0"/>
+          <a:chExt cx="0" cy="0"/>
+        </a:xfrm>
+      </p:grpSpPr>
+      <p:sp>
+        <p:nvSpPr>
+          <p:cNvPr id="2" name="슬라이드 이미지 개체 틀 1"/>
+          <p:cNvSpPr>
+            <a:spLocks noGrp="1" noRot="1" noChangeAspect="1"/>
+          </p:cNvSpPr>
+          <p:nvPr>
+            <p:ph type="sldImg"/>
+          </p:nvPr>
+        </p:nvSpPr>
+        <p:spPr/>
+      </p:sp>
+      <p:sp>
+        <p:nvSpPr>
+          <p:cNvPr id="3" name="슬라이드 노트 개체 틀 2"/>
+          <p:cNvSpPr>
+            <a:spLocks noGrp="1"/>
+          </p:cNvSpPr>
+          <p:nvPr>
+            <p:ph type="body" idx="1"/>
+          </p:nvPr>
+        </p:nvSpPr>
+        <p:spPr/>
+        <p:txBody>
+          <a:bodyPr/>
+          <a:lstStyle/>
+          <a:p>
+            <a:endParaRPr lang="ko-KR" altLang="en-US" dirty="0"/>
+          </a:p>
+        </p:txBody>
+      </p:sp>
+      <p:sp>
+        <p:nvSpPr>
+          <p:cNvPr id="4" name="슬라이드 번호 개체 틀 3"/>
+          <p:cNvSpPr>
+            <a:spLocks noGrp="1"/>
+          </p:cNvSpPr>
+          <p:nvPr>
+            <p:ph type="sldNum" idx="12"/>
+          </p:nvPr>
+        </p:nvSpPr>
+        <p:spPr/>
+        <p:txBody>
+          <a:bodyPr/>
+          <a:lstStyle/>
+          <a:p>
+            <a:pPr marL="0" marR="0" lvl="0" indent="0" algn="r" rtl="0">
+              <a:lnSpc>
+                <a:spcPct val="100000"/>
+              </a:lnSpc>
+              <a:spcBef>
+                <a:spcPts val="0"/>
+              </a:spcBef>
+              <a:spcAft>
+                <a:spcPts val="0"/>
+              </a:spcAft>
+              <a:buClr>
+                <a:srgbClr val="000000"/>
+              </a:buClr>
+              <a:buSzPts val="1200"/>
+              <a:buFont typeface="Arial"/>
+              <a:buNone/>
+            </a:pPr>
+            <a:fld id="{00000000-1234-1234-1234-123412341234}" type="slidenum">
+              <a:rPr lang="en-US" sz="1200" b="0" i="0" u="none" strike="noStrike" cap="none" smtClean="0">
+                <a:solidFill>
+                  <a:schemeClr val="dk1"/>
+                </a:solidFill>
+                <a:latin typeface="Malgun Gothic"/>
+                <a:ea typeface="Malgun Gothic"/>
+                <a:cs typeface="Malgun Gothic"/>
+                <a:sym typeface="Malgun Gothic"/>
+              </a:rPr>
+              <a:t>5</a:t>
+            </a:fld>
+            <a:endParaRPr lang="en-US" sz="1200" b="0" i="0" u="none" strike="noStrike" cap="none">
+              <a:solidFill>
+                <a:schemeClr val="dk1"/>
+              </a:solidFill>
+              <a:latin typeface="Malgun Gothic"/>
+              <a:ea typeface="Malgun Gothic"/>
+              <a:cs typeface="Malgun Gothic"/>
+              <a:sym typeface="Malgun Gothic"/>
+            </a:endParaRPr>
+          </a:p>
+        </p:txBody>
+      </p:sp>
+    </p:spTree>
+    <p:extLst>
+      <p:ext uri="{BB962C8B-B14F-4D97-AF65-F5344CB8AC3E}">
+        <p14:creationId xmlns:p14="http://schemas.microsoft.com/office/powerpoint/2010/main" val="642752486"/>
+      </p:ext>
+    </p:extLst>
+  </p:cSld>
+  <p:clrMapOvr>
+    <a:masterClrMapping/>
+  </p:clrMapOvr>
+</p:notes>
+</file>
+
+<file path=ppt/notesSlides/notesSlide4.xml><?xml version="1.0" encoding="utf-8"?>
 <p:notes xmlns:a="http://schemas.openxmlformats.org/drawingml/2006/main" xmlns:r="http://schemas.openxmlformats.org/officeDocument/2006/relationships" xmlns:p="http://schemas.openxmlformats.org/presentationml/2006/main">
   <p:cSld>
     <p:spTree>
@@ -38921,6 +39155,22 @@
                       <a:schemeClr val="tx1"/>
                     </a:solidFill>
                   </a:rPr>
+                  <a:t>일괄</a:t>
+                </a:r>
+                <a:endParaRPr lang="en-US" altLang="ko-KR" dirty="0">
+                  <a:solidFill>
+                    <a:schemeClr val="tx1"/>
+                  </a:solidFill>
+                </a:endParaRPr>
+              </a:p>
+              <a:p>
+                <a:pPr algn="ctr"/>
+                <a:r>
+                  <a:rPr lang="ko-KR" altLang="en-US" dirty="0">
+                    <a:solidFill>
+                      <a:schemeClr val="tx1"/>
+                    </a:solidFill>
+                  </a:rPr>
                   <a:t>합성</a:t>
                 </a:r>
               </a:p>
@@ -42960,7 +43210,7 @@
           <p:nvPr/>
         </p:nvPicPr>
         <p:blipFill>
-          <a:blip r:embed="rId2"/>
+          <a:blip r:embed="rId3"/>
           <a:stretch>
             <a:fillRect/>
           </a:stretch>
@@ -43140,7 +43390,7 @@
               <p:nvPr/>
             </p:nvPicPr>
             <p:blipFill>
-              <a:blip r:embed="rId2"/>
+              <a:blip r:embed="rId3"/>
               <a:stretch>
                 <a:fillRect/>
               </a:stretch>
@@ -43190,7 +43440,7 @@
                 <p:nvPr/>
               </p:nvPicPr>
               <p:blipFill>
-                <a:blip r:embed="rId3"/>
+                <a:blip r:embed="rId4"/>
                 <a:stretch>
                   <a:fillRect/>
                 </a:stretch>
@@ -43267,7 +43517,7 @@
                 <p:nvPr/>
               </p:nvPicPr>
               <p:blipFill>
-                <a:blip r:embed="rId4"/>
+                <a:blip r:embed="rId5"/>
                 <a:stretch>
                   <a:fillRect/>
                 </a:stretch>
@@ -43779,13 +44029,34 @@
               <a:p>
                 <a:pPr algn="ctr"/>
                 <a:r>
-                  <a:rPr lang="ko-KR" altLang="en-US" sz="1200" dirty="0">
+                  <a:rPr lang="ko-KR" altLang="en-US" sz="600" dirty="0">
                     <a:solidFill>
                       <a:schemeClr val="tx1"/>
                     </a:solidFill>
                   </a:rPr>
                   <a:t>레벨</a:t>
                 </a:r>
+                <a:r>
+                  <a:rPr lang="en-US" altLang="ko-KR" sz="600" dirty="0">
+                    <a:solidFill>
+                      <a:schemeClr val="tx1"/>
+                    </a:solidFill>
+                  </a:rPr>
+                  <a:t>. </a:t>
+                </a:r>
+                <a:r>
+                  <a:rPr lang="ko-KR" altLang="en-US" sz="600" dirty="0">
+                    <a:solidFill>
+                      <a:schemeClr val="tx1"/>
+                    </a:solidFill>
+                  </a:rPr>
+                  <a:t>닉네임</a:t>
+                </a:r>
+                <a:endParaRPr lang="ko-KR" altLang="en-US" sz="1000" dirty="0">
+                  <a:solidFill>
+                    <a:schemeClr val="tx1"/>
+                  </a:solidFill>
+                </a:endParaRPr>
               </a:p>
             </p:txBody>
           </p:sp>
@@ -43834,10 +44105,10 @@
       </p:grpSp>
       <p:grpSp>
         <p:nvGrpSpPr>
-          <p:cNvPr id="68" name="그룹 67">
+          <p:cNvPr id="7" name="그룹 6">
             <a:extLst>
               <a:ext uri="{FF2B5EF4-FFF2-40B4-BE49-F238E27FC236}">
-                <a16:creationId xmlns:a16="http://schemas.microsoft.com/office/drawing/2014/main" id="{24609038-2ACF-7A0E-2E3B-BEBB4198B8A0}"/>
+                <a16:creationId xmlns:a16="http://schemas.microsoft.com/office/drawing/2014/main" id="{B1B5D038-1023-824F-F87B-F417E0691ECC}"/>
               </a:ext>
             </a:extLst>
           </p:cNvPr>
@@ -43846,18 +44117,48 @@
         </p:nvGrpSpPr>
         <p:grpSpPr>
           <a:xfrm>
-            <a:off x="5097414" y="1482872"/>
-            <a:ext cx="6141604" cy="4074666"/>
-            <a:chOff x="5778429" y="1795077"/>
-            <a:chExt cx="5131969" cy="3404820"/>
+            <a:off x="5097414" y="1716573"/>
+            <a:ext cx="6141604" cy="3405071"/>
+            <a:chOff x="1457536" y="2701214"/>
+            <a:chExt cx="3902903" cy="2195385"/>
           </a:xfrm>
         </p:grpSpPr>
+        <p:pic>
+          <p:nvPicPr>
+            <p:cNvPr id="30" name="그림 29" descr="상자, 용기, 목재이(가) 표시된 사진&#10;&#10;자동 생성된 설명">
+              <a:extLst>
+                <a:ext uri="{FF2B5EF4-FFF2-40B4-BE49-F238E27FC236}">
+                  <a16:creationId xmlns:a16="http://schemas.microsoft.com/office/drawing/2014/main" id="{0B93C60A-E7AB-399B-ED89-6B86511F32C5}"/>
+                </a:ext>
+              </a:extLst>
+            </p:cNvPr>
+            <p:cNvPicPr>
+              <a:picLocks noChangeAspect="1"/>
+            </p:cNvPicPr>
+            <p:nvPr/>
+          </p:nvPicPr>
+          <p:blipFill>
+            <a:blip r:embed="rId3"/>
+            <a:stretch>
+              <a:fillRect/>
+            </a:stretch>
+          </p:blipFill>
+          <p:spPr>
+            <a:xfrm>
+              <a:off x="2978223" y="3712525"/>
+              <a:ext cx="836474" cy="810537"/>
+            </a:xfrm>
+            <a:prstGeom prst="rect">
+              <a:avLst/>
+            </a:prstGeom>
+          </p:spPr>
+        </p:pic>
         <p:grpSp>
           <p:nvGrpSpPr>
-            <p:cNvPr id="7" name="그룹 6">
+            <p:cNvPr id="31" name="그룹 30">
               <a:extLst>
                 <a:ext uri="{FF2B5EF4-FFF2-40B4-BE49-F238E27FC236}">
-                  <a16:creationId xmlns:a16="http://schemas.microsoft.com/office/drawing/2014/main" id="{B1B5D038-1023-824F-F87B-F417E0691ECC}"/>
+                  <a16:creationId xmlns:a16="http://schemas.microsoft.com/office/drawing/2014/main" id="{C7F938B6-3A19-019F-9059-F99C07F25413}"/>
                 </a:ext>
               </a:extLst>
             </p:cNvPr>
@@ -43866,18 +44167,18 @@
           </p:nvGrpSpPr>
           <p:grpSpPr>
             <a:xfrm>
-              <a:off x="5778429" y="1990359"/>
-              <a:ext cx="5131969" cy="2845302"/>
-              <a:chOff x="1457536" y="2701214"/>
+              <a:off x="1457536" y="2701214"/>
+              <a:ext cx="3902903" cy="2195385"/>
+              <a:chOff x="1089236" y="2701214"/>
               <a:chExt cx="3902903" cy="2195385"/>
             </a:xfrm>
           </p:grpSpPr>
           <p:pic>
             <p:nvPicPr>
-              <p:cNvPr id="30" name="그림 29" descr="상자, 용기, 목재이(가) 표시된 사진&#10;&#10;자동 생성된 설명">
+              <p:cNvPr id="34" name="그림 33" descr="픽셀, 패턴이(가) 표시된 사진&#10;&#10;자동 생성된 설명">
                 <a:extLst>
                   <a:ext uri="{FF2B5EF4-FFF2-40B4-BE49-F238E27FC236}">
-                    <a16:creationId xmlns:a16="http://schemas.microsoft.com/office/drawing/2014/main" id="{0B93C60A-E7AB-399B-ED89-6B86511F32C5}"/>
+                    <a16:creationId xmlns:a16="http://schemas.microsoft.com/office/drawing/2014/main" id="{D55C1D02-E17C-8AC2-CB21-A68CF9A8B082}"/>
                   </a:ext>
                 </a:extLst>
               </p:cNvPr>
@@ -43887,539 +44188,27 @@
               <p:nvPr/>
             </p:nvPicPr>
             <p:blipFill>
-              <a:blip r:embed="rId2"/>
+              <a:blip r:embed="rId4"/>
               <a:stretch>
                 <a:fillRect/>
               </a:stretch>
             </p:blipFill>
             <p:spPr>
               <a:xfrm>
-                <a:off x="2978223" y="3712525"/>
-                <a:ext cx="836474" cy="810537"/>
+                <a:off x="2121939" y="3643570"/>
+                <a:ext cx="349561" cy="681890"/>
               </a:xfrm>
               <a:prstGeom prst="rect">
                 <a:avLst/>
               </a:prstGeom>
             </p:spPr>
           </p:pic>
-          <p:grpSp>
-            <p:nvGrpSpPr>
-              <p:cNvPr id="31" name="그룹 30">
+          <p:sp>
+            <p:nvSpPr>
+              <p:cNvPr id="35" name="직사각형 34">
                 <a:extLst>
                   <a:ext uri="{FF2B5EF4-FFF2-40B4-BE49-F238E27FC236}">
-                    <a16:creationId xmlns:a16="http://schemas.microsoft.com/office/drawing/2014/main" id="{C7F938B6-3A19-019F-9059-F99C07F25413}"/>
-                  </a:ext>
-                </a:extLst>
-              </p:cNvPr>
-              <p:cNvGrpSpPr/>
-              <p:nvPr/>
-            </p:nvGrpSpPr>
-            <p:grpSpPr>
-              <a:xfrm>
-                <a:off x="1457536" y="2701214"/>
-                <a:ext cx="3902903" cy="2195385"/>
-                <a:chOff x="1089236" y="2701214"/>
-                <a:chExt cx="3902903" cy="2195385"/>
-              </a:xfrm>
-            </p:grpSpPr>
-            <p:pic>
-              <p:nvPicPr>
-                <p:cNvPr id="34" name="그림 33" descr="픽셀, 패턴이(가) 표시된 사진&#10;&#10;자동 생성된 설명">
-                  <a:extLst>
-                    <a:ext uri="{FF2B5EF4-FFF2-40B4-BE49-F238E27FC236}">
-                      <a16:creationId xmlns:a16="http://schemas.microsoft.com/office/drawing/2014/main" id="{D55C1D02-E17C-8AC2-CB21-A68CF9A8B082}"/>
-                    </a:ext>
-                  </a:extLst>
-                </p:cNvPr>
-                <p:cNvPicPr>
-                  <a:picLocks noChangeAspect="1"/>
-                </p:cNvPicPr>
-                <p:nvPr/>
-              </p:nvPicPr>
-              <p:blipFill>
-                <a:blip r:embed="rId3"/>
-                <a:stretch>
-                  <a:fillRect/>
-                </a:stretch>
-              </p:blipFill>
-              <p:spPr>
-                <a:xfrm>
-                  <a:off x="2121939" y="3643570"/>
-                  <a:ext cx="349561" cy="681890"/>
-                </a:xfrm>
-                <a:prstGeom prst="rect">
-                  <a:avLst/>
-                </a:prstGeom>
-              </p:spPr>
-            </p:pic>
-            <p:sp>
-              <p:nvSpPr>
-                <p:cNvPr id="35" name="직사각형 34">
-                  <a:extLst>
-                    <a:ext uri="{FF2B5EF4-FFF2-40B4-BE49-F238E27FC236}">
-                      <a16:creationId xmlns:a16="http://schemas.microsoft.com/office/drawing/2014/main" id="{A7A56B0F-7C62-D91E-848B-F4182C73F345}"/>
-                    </a:ext>
-                  </a:extLst>
-                </p:cNvPr>
-                <p:cNvSpPr/>
-                <p:nvPr/>
-              </p:nvSpPr>
-              <p:spPr>
-                <a:xfrm>
-                  <a:off x="1089237" y="2701214"/>
-                  <a:ext cx="3902901" cy="2195385"/>
-                </a:xfrm>
-                <a:prstGeom prst="rect">
-                  <a:avLst/>
-                </a:prstGeom>
-                <a:noFill/>
-              </p:spPr>
-              <p:style>
-                <a:lnRef idx="2">
-                  <a:schemeClr val="accent1">
-                    <a:shade val="15000"/>
-                  </a:schemeClr>
-                </a:lnRef>
-                <a:fillRef idx="1">
-                  <a:schemeClr val="accent1"/>
-                </a:fillRef>
-                <a:effectRef idx="0">
-                  <a:schemeClr val="accent1"/>
-                </a:effectRef>
-                <a:fontRef idx="minor">
-                  <a:schemeClr val="lt1"/>
-                </a:fontRef>
-              </p:style>
-              <p:txBody>
-                <a:bodyPr rtlCol="0" anchor="ctr"/>
-                <a:lstStyle/>
-                <a:p>
-                  <a:pPr algn="ctr"/>
-                  <a:endParaRPr lang="ko-KR" altLang="en-US"/>
-                </a:p>
-              </p:txBody>
-            </p:sp>
-            <p:pic>
-              <p:nvPicPr>
-                <p:cNvPr id="36" name="그림 35">
-                  <a:extLst>
-                    <a:ext uri="{FF2B5EF4-FFF2-40B4-BE49-F238E27FC236}">
-                      <a16:creationId xmlns:a16="http://schemas.microsoft.com/office/drawing/2014/main" id="{99D1818F-8CAA-29FC-4CF7-75BAEF66FFD4}"/>
-                    </a:ext>
-                  </a:extLst>
-                </p:cNvPr>
-                <p:cNvPicPr>
-                  <a:picLocks noChangeAspect="1"/>
-                </p:cNvPicPr>
-                <p:nvPr/>
-              </p:nvPicPr>
-              <p:blipFill>
-                <a:blip r:embed="rId4"/>
-                <a:stretch>
-                  <a:fillRect/>
-                </a:stretch>
-              </p:blipFill>
-              <p:spPr>
-                <a:xfrm flipH="1">
-                  <a:off x="3607209" y="3444643"/>
-                  <a:ext cx="349561" cy="903034"/>
-                </a:xfrm>
-                <a:prstGeom prst="rect">
-                  <a:avLst/>
-                </a:prstGeom>
-              </p:spPr>
-            </p:pic>
-            <p:sp>
-              <p:nvSpPr>
-                <p:cNvPr id="37" name="TextBox 36">
-                  <a:extLst>
-                    <a:ext uri="{FF2B5EF4-FFF2-40B4-BE49-F238E27FC236}">
-                      <a16:creationId xmlns:a16="http://schemas.microsoft.com/office/drawing/2014/main" id="{00F8608C-068E-F2C5-2BC0-AA6BD8DDBDEE}"/>
-                    </a:ext>
-                  </a:extLst>
-                </p:cNvPr>
-                <p:cNvSpPr txBox="1"/>
-                <p:nvPr/>
-              </p:nvSpPr>
-              <p:spPr>
-                <a:xfrm>
-                  <a:off x="2726242" y="3117562"/>
-                  <a:ext cx="628889" cy="207949"/>
-                </a:xfrm>
-                <a:prstGeom prst="rect">
-                  <a:avLst/>
-                </a:prstGeom>
-                <a:noFill/>
-              </p:spPr>
-              <p:txBody>
-                <a:bodyPr wrap="none" rtlCol="0">
-                  <a:spAutoFit/>
-                </a:bodyPr>
-                <a:lstStyle/>
-                <a:p>
-                  <a:pPr algn="ctr"/>
-                  <a:r>
-                    <a:rPr lang="en-US" altLang="ko-KR" sz="1200" dirty="0"/>
-                    <a:t>3-2 Stage</a:t>
-                  </a:r>
-                  <a:endParaRPr lang="ko-KR" altLang="en-US" sz="1200" dirty="0"/>
-                </a:p>
-              </p:txBody>
-            </p:sp>
-            <p:sp>
-              <p:nvSpPr>
-                <p:cNvPr id="38" name="폭발: 8pt 37">
-                  <a:extLst>
-                    <a:ext uri="{FF2B5EF4-FFF2-40B4-BE49-F238E27FC236}">
-                      <a16:creationId xmlns:a16="http://schemas.microsoft.com/office/drawing/2014/main" id="{5728AB06-A6ED-606D-E419-6B179B51ED21}"/>
-                    </a:ext>
-                  </a:extLst>
-                </p:cNvPr>
-                <p:cNvSpPr/>
-                <p:nvPr/>
-              </p:nvSpPr>
-              <p:spPr>
-                <a:xfrm>
-                  <a:off x="3759168" y="3774140"/>
-                  <a:ext cx="358414" cy="358414"/>
-                </a:xfrm>
-                <a:prstGeom prst="irregularSeal1">
-                  <a:avLst/>
-                </a:prstGeom>
-                <a:solidFill>
-                  <a:srgbClr val="FF0000"/>
-                </a:solidFill>
-                <a:ln>
-                  <a:noFill/>
-                </a:ln>
-              </p:spPr>
-              <p:style>
-                <a:lnRef idx="2">
-                  <a:schemeClr val="accent1">
-                    <a:shade val="15000"/>
-                  </a:schemeClr>
-                </a:lnRef>
-                <a:fillRef idx="1">
-                  <a:schemeClr val="accent1"/>
-                </a:fillRef>
-                <a:effectRef idx="0">
-                  <a:schemeClr val="accent1"/>
-                </a:effectRef>
-                <a:fontRef idx="minor">
-                  <a:schemeClr val="lt1"/>
-                </a:fontRef>
-              </p:style>
-              <p:txBody>
-                <a:bodyPr rtlCol="0" anchor="ctr"/>
-                <a:lstStyle/>
-                <a:p>
-                  <a:pPr algn="ctr"/>
-                  <a:endParaRPr lang="ko-KR" altLang="en-US" dirty="0"/>
-                </a:p>
-              </p:txBody>
-            </p:sp>
-            <p:sp>
-              <p:nvSpPr>
-                <p:cNvPr id="39" name="직사각형 38">
-                  <a:extLst>
-                    <a:ext uri="{FF2B5EF4-FFF2-40B4-BE49-F238E27FC236}">
-                      <a16:creationId xmlns:a16="http://schemas.microsoft.com/office/drawing/2014/main" id="{882006E1-30F6-9ACF-25B6-7B959C6FBF53}"/>
-                    </a:ext>
-                  </a:extLst>
-                </p:cNvPr>
-                <p:cNvSpPr/>
-                <p:nvPr/>
-              </p:nvSpPr>
-              <p:spPr>
-                <a:xfrm>
-                  <a:off x="4177982" y="4553340"/>
-                  <a:ext cx="814157" cy="343259"/>
-                </a:xfrm>
-                <a:prstGeom prst="rect">
-                  <a:avLst/>
-                </a:prstGeom>
-                <a:noFill/>
-                <a:ln>
-                  <a:solidFill>
-                    <a:schemeClr val="tx1"/>
-                  </a:solidFill>
-                </a:ln>
-              </p:spPr>
-              <p:style>
-                <a:lnRef idx="2">
-                  <a:schemeClr val="accent1">
-                    <a:shade val="15000"/>
-                  </a:schemeClr>
-                </a:lnRef>
-                <a:fillRef idx="1">
-                  <a:schemeClr val="accent1"/>
-                </a:fillRef>
-                <a:effectRef idx="0">
-                  <a:schemeClr val="accent1"/>
-                </a:effectRef>
-                <a:fontRef idx="minor">
-                  <a:schemeClr val="lt1"/>
-                </a:fontRef>
-              </p:style>
-              <p:txBody>
-                <a:bodyPr rtlCol="0" anchor="ctr"/>
-                <a:lstStyle/>
-                <a:p>
-                  <a:pPr algn="ctr"/>
-                  <a:r>
-                    <a:rPr lang="ko-KR" altLang="en-US" sz="1200" dirty="0">
-                      <a:solidFill>
-                        <a:schemeClr val="tx1"/>
-                      </a:solidFill>
-                    </a:rPr>
-                    <a:t>포탈</a:t>
-                  </a:r>
-                </a:p>
-              </p:txBody>
-            </p:sp>
-            <p:sp>
-              <p:nvSpPr>
-                <p:cNvPr id="40" name="직사각형 39">
-                  <a:extLst>
-                    <a:ext uri="{FF2B5EF4-FFF2-40B4-BE49-F238E27FC236}">
-                      <a16:creationId xmlns:a16="http://schemas.microsoft.com/office/drawing/2014/main" id="{63B62EEF-3660-E7EB-F67D-6DE858005890}"/>
-                    </a:ext>
-                  </a:extLst>
-                </p:cNvPr>
-                <p:cNvSpPr/>
-                <p:nvPr/>
-              </p:nvSpPr>
-              <p:spPr>
-                <a:xfrm>
-                  <a:off x="2584041" y="4553340"/>
-                  <a:ext cx="794112" cy="343259"/>
-                </a:xfrm>
-                <a:prstGeom prst="rect">
-                  <a:avLst/>
-                </a:prstGeom>
-                <a:noFill/>
-                <a:ln>
-                  <a:solidFill>
-                    <a:schemeClr val="tx1"/>
-                  </a:solidFill>
-                </a:ln>
-              </p:spPr>
-              <p:style>
-                <a:lnRef idx="2">
-                  <a:schemeClr val="accent1">
-                    <a:shade val="15000"/>
-                  </a:schemeClr>
-                </a:lnRef>
-                <a:fillRef idx="1">
-                  <a:schemeClr val="accent1"/>
-                </a:fillRef>
-                <a:effectRef idx="0">
-                  <a:schemeClr val="accent1"/>
-                </a:effectRef>
-                <a:fontRef idx="minor">
-                  <a:schemeClr val="lt1"/>
-                </a:fontRef>
-              </p:style>
-              <p:txBody>
-                <a:bodyPr rtlCol="0" anchor="ctr"/>
-                <a:lstStyle/>
-                <a:p>
-                  <a:pPr algn="ctr"/>
-                  <a:r>
-                    <a:rPr lang="ko-KR" altLang="en-US" sz="1200" dirty="0">
-                      <a:solidFill>
-                        <a:schemeClr val="tx1"/>
-                      </a:solidFill>
-                    </a:rPr>
-                    <a:t>숙련도</a:t>
-                  </a:r>
-                </a:p>
-              </p:txBody>
-            </p:sp>
-            <p:sp>
-              <p:nvSpPr>
-                <p:cNvPr id="41" name="직사각형 40">
-                  <a:extLst>
-                    <a:ext uri="{FF2B5EF4-FFF2-40B4-BE49-F238E27FC236}">
-                      <a16:creationId xmlns:a16="http://schemas.microsoft.com/office/drawing/2014/main" id="{D70671C9-649F-4015-4F07-7FCD6ECE2AE6}"/>
-                    </a:ext>
-                  </a:extLst>
-                </p:cNvPr>
-                <p:cNvSpPr/>
-                <p:nvPr/>
-              </p:nvSpPr>
-              <p:spPr>
-                <a:xfrm>
-                  <a:off x="1811223" y="4553340"/>
-                  <a:ext cx="767569" cy="343259"/>
-                </a:xfrm>
-                <a:prstGeom prst="rect">
-                  <a:avLst/>
-                </a:prstGeom>
-                <a:noFill/>
-                <a:ln>
-                  <a:solidFill>
-                    <a:schemeClr val="tx1"/>
-                  </a:solidFill>
-                </a:ln>
-              </p:spPr>
-              <p:style>
-                <a:lnRef idx="2">
-                  <a:schemeClr val="accent1">
-                    <a:shade val="15000"/>
-                  </a:schemeClr>
-                </a:lnRef>
-                <a:fillRef idx="1">
-                  <a:schemeClr val="accent1"/>
-                </a:fillRef>
-                <a:effectRef idx="0">
-                  <a:schemeClr val="accent1"/>
-                </a:effectRef>
-                <a:fontRef idx="minor">
-                  <a:schemeClr val="lt1"/>
-                </a:fontRef>
-              </p:style>
-              <p:txBody>
-                <a:bodyPr rtlCol="0" anchor="ctr"/>
-                <a:lstStyle/>
-                <a:p>
-                  <a:pPr algn="ctr"/>
-                  <a:r>
-                    <a:rPr lang="ko-KR" altLang="en-US" sz="1200" dirty="0">
-                      <a:solidFill>
-                        <a:schemeClr val="tx1"/>
-                      </a:solidFill>
-                    </a:rPr>
-                    <a:t>능력치</a:t>
-                  </a:r>
-                </a:p>
-              </p:txBody>
-            </p:sp>
-            <p:sp>
-              <p:nvSpPr>
-                <p:cNvPr id="42" name="직사각형 41">
-                  <a:extLst>
-                    <a:ext uri="{FF2B5EF4-FFF2-40B4-BE49-F238E27FC236}">
-                      <a16:creationId xmlns:a16="http://schemas.microsoft.com/office/drawing/2014/main" id="{3156BCAB-FCD1-BDB5-91DD-8C191909843E}"/>
-                    </a:ext>
-                  </a:extLst>
-                </p:cNvPr>
-                <p:cNvSpPr/>
-                <p:nvPr/>
-              </p:nvSpPr>
-              <p:spPr>
-                <a:xfrm>
-                  <a:off x="1089236" y="4553340"/>
-                  <a:ext cx="721986" cy="343259"/>
-                </a:xfrm>
-                <a:prstGeom prst="rect">
-                  <a:avLst/>
-                </a:prstGeom>
-                <a:noFill/>
-                <a:ln>
-                  <a:solidFill>
-                    <a:schemeClr val="tx1"/>
-                  </a:solidFill>
-                </a:ln>
-              </p:spPr>
-              <p:style>
-                <a:lnRef idx="2">
-                  <a:schemeClr val="accent1">
-                    <a:shade val="15000"/>
-                  </a:schemeClr>
-                </a:lnRef>
-                <a:fillRef idx="1">
-                  <a:schemeClr val="accent1"/>
-                </a:fillRef>
-                <a:effectRef idx="0">
-                  <a:schemeClr val="accent1"/>
-                </a:effectRef>
-                <a:fontRef idx="minor">
-                  <a:schemeClr val="lt1"/>
-                </a:fontRef>
-              </p:style>
-              <p:txBody>
-                <a:bodyPr rtlCol="0" anchor="ctr"/>
-                <a:lstStyle/>
-                <a:p>
-                  <a:pPr algn="ctr"/>
-                  <a:r>
-                    <a:rPr lang="ko-KR" altLang="en-US" sz="1200" dirty="0">
-                      <a:solidFill>
-                        <a:schemeClr val="tx1"/>
-                      </a:solidFill>
-                    </a:rPr>
-                    <a:t>상점</a:t>
-                  </a:r>
-                </a:p>
-              </p:txBody>
-            </p:sp>
-            <p:sp>
-              <p:nvSpPr>
-                <p:cNvPr id="54" name="직사각형 53">
-                  <a:extLst>
-                    <a:ext uri="{FF2B5EF4-FFF2-40B4-BE49-F238E27FC236}">
-                      <a16:creationId xmlns:a16="http://schemas.microsoft.com/office/drawing/2014/main" id="{0C1E0619-30ED-36D0-02E6-4FF23A54E2D2}"/>
-                    </a:ext>
-                  </a:extLst>
-                </p:cNvPr>
-                <p:cNvSpPr/>
-                <p:nvPr/>
-              </p:nvSpPr>
-              <p:spPr>
-                <a:xfrm>
-                  <a:off x="3383402" y="4553340"/>
-                  <a:ext cx="794112" cy="343259"/>
-                </a:xfrm>
-                <a:prstGeom prst="rect">
-                  <a:avLst/>
-                </a:prstGeom>
-                <a:noFill/>
-                <a:ln>
-                  <a:solidFill>
-                    <a:schemeClr val="tx1"/>
-                  </a:solidFill>
-                </a:ln>
-              </p:spPr>
-              <p:style>
-                <a:lnRef idx="2">
-                  <a:schemeClr val="accent1">
-                    <a:shade val="15000"/>
-                  </a:schemeClr>
-                </a:lnRef>
-                <a:fillRef idx="1">
-                  <a:schemeClr val="accent1"/>
-                </a:fillRef>
-                <a:effectRef idx="0">
-                  <a:schemeClr val="accent1"/>
-                </a:effectRef>
-                <a:fontRef idx="minor">
-                  <a:schemeClr val="lt1"/>
-                </a:fontRef>
-              </p:style>
-              <p:txBody>
-                <a:bodyPr rtlCol="0" anchor="ctr"/>
-                <a:lstStyle/>
-                <a:p>
-                  <a:pPr algn="ctr"/>
-                  <a:r>
-                    <a:rPr lang="ko-KR" altLang="en-US" sz="1200" dirty="0">
-                      <a:solidFill>
-                        <a:schemeClr val="tx1"/>
-                      </a:solidFill>
-                    </a:rPr>
-                    <a:t>장비</a:t>
-                  </a:r>
-                </a:p>
-              </p:txBody>
-            </p:sp>
-          </p:grpSp>
-          <p:sp>
-            <p:nvSpPr>
-              <p:cNvPr id="32" name="직사각형 31">
-                <a:extLst>
-                  <a:ext uri="{FF2B5EF4-FFF2-40B4-BE49-F238E27FC236}">
-                    <a16:creationId xmlns:a16="http://schemas.microsoft.com/office/drawing/2014/main" id="{18D4EB52-2265-9DFA-81CA-3C4A9D6C121F}"/>
+                    <a16:creationId xmlns:a16="http://schemas.microsoft.com/office/drawing/2014/main" id="{A7A56B0F-7C62-D91E-848B-F4182C73F345}"/>
                   </a:ext>
                 </a:extLst>
               </p:cNvPr>
@@ -44428,8 +44217,178 @@
             </p:nvSpPr>
             <p:spPr>
               <a:xfrm>
-                <a:off x="3540124" y="2701214"/>
-                <a:ext cx="1404652" cy="237283"/>
+                <a:off x="1089237" y="2701214"/>
+                <a:ext cx="3902901" cy="2195385"/>
+              </a:xfrm>
+              <a:prstGeom prst="rect">
+                <a:avLst/>
+              </a:prstGeom>
+              <a:noFill/>
+            </p:spPr>
+            <p:style>
+              <a:lnRef idx="2">
+                <a:schemeClr val="accent1">
+                  <a:shade val="15000"/>
+                </a:schemeClr>
+              </a:lnRef>
+              <a:fillRef idx="1">
+                <a:schemeClr val="accent1"/>
+              </a:fillRef>
+              <a:effectRef idx="0">
+                <a:schemeClr val="accent1"/>
+              </a:effectRef>
+              <a:fontRef idx="minor">
+                <a:schemeClr val="lt1"/>
+              </a:fontRef>
+            </p:style>
+            <p:txBody>
+              <a:bodyPr rtlCol="0" anchor="ctr"/>
+              <a:lstStyle/>
+              <a:p>
+                <a:pPr algn="ctr"/>
+                <a:endParaRPr lang="ko-KR" altLang="en-US"/>
+              </a:p>
+            </p:txBody>
+          </p:sp>
+          <p:pic>
+            <p:nvPicPr>
+              <p:cNvPr id="36" name="그림 35">
+                <a:extLst>
+                  <a:ext uri="{FF2B5EF4-FFF2-40B4-BE49-F238E27FC236}">
+                    <a16:creationId xmlns:a16="http://schemas.microsoft.com/office/drawing/2014/main" id="{99D1818F-8CAA-29FC-4CF7-75BAEF66FFD4}"/>
+                  </a:ext>
+                </a:extLst>
+              </p:cNvPr>
+              <p:cNvPicPr>
+                <a:picLocks noChangeAspect="1"/>
+              </p:cNvPicPr>
+              <p:nvPr/>
+            </p:nvPicPr>
+            <p:blipFill>
+              <a:blip r:embed="rId5"/>
+              <a:stretch>
+                <a:fillRect/>
+              </a:stretch>
+            </p:blipFill>
+            <p:spPr>
+              <a:xfrm flipH="1">
+                <a:off x="3607209" y="3444643"/>
+                <a:ext cx="349561" cy="903034"/>
+              </a:xfrm>
+              <a:prstGeom prst="rect">
+                <a:avLst/>
+              </a:prstGeom>
+            </p:spPr>
+          </p:pic>
+          <p:sp>
+            <p:nvSpPr>
+              <p:cNvPr id="37" name="TextBox 36">
+                <a:extLst>
+                  <a:ext uri="{FF2B5EF4-FFF2-40B4-BE49-F238E27FC236}">
+                    <a16:creationId xmlns:a16="http://schemas.microsoft.com/office/drawing/2014/main" id="{00F8608C-068E-F2C5-2BC0-AA6BD8DDBDEE}"/>
+                  </a:ext>
+                </a:extLst>
+              </p:cNvPr>
+              <p:cNvSpPr txBox="1"/>
+              <p:nvPr/>
+            </p:nvSpPr>
+            <p:spPr>
+              <a:xfrm>
+                <a:off x="2723605" y="3117562"/>
+                <a:ext cx="578818" cy="178592"/>
+              </a:xfrm>
+              <a:prstGeom prst="rect">
+                <a:avLst/>
+              </a:prstGeom>
+              <a:noFill/>
+            </p:spPr>
+            <p:txBody>
+              <a:bodyPr wrap="none" rtlCol="0">
+                <a:spAutoFit/>
+              </a:bodyPr>
+              <a:lstStyle/>
+              <a:p>
+                <a:pPr algn="ctr"/>
+                <a:r>
+                  <a:rPr lang="en-US" altLang="ko-KR" sz="1200" dirty="0"/>
+                  <a:t>3-2 </a:t>
+                </a:r>
+                <a:r>
+                  <a:rPr lang="ko-KR" altLang="en-US" sz="1200" dirty="0" err="1"/>
+                  <a:t>소탕중</a:t>
+                </a:r>
+                <a:endParaRPr lang="ko-KR" altLang="en-US" sz="1200" dirty="0"/>
+              </a:p>
+            </p:txBody>
+          </p:sp>
+          <p:sp>
+            <p:nvSpPr>
+              <p:cNvPr id="38" name="폭발: 8pt 37">
+                <a:extLst>
+                  <a:ext uri="{FF2B5EF4-FFF2-40B4-BE49-F238E27FC236}">
+                    <a16:creationId xmlns:a16="http://schemas.microsoft.com/office/drawing/2014/main" id="{5728AB06-A6ED-606D-E419-6B179B51ED21}"/>
+                  </a:ext>
+                </a:extLst>
+              </p:cNvPr>
+              <p:cNvSpPr/>
+              <p:nvPr/>
+            </p:nvSpPr>
+            <p:spPr>
+              <a:xfrm>
+                <a:off x="3759168" y="3774140"/>
+                <a:ext cx="358414" cy="358414"/>
+              </a:xfrm>
+              <a:prstGeom prst="irregularSeal1">
+                <a:avLst/>
+              </a:prstGeom>
+              <a:solidFill>
+                <a:srgbClr val="FF0000"/>
+              </a:solidFill>
+              <a:ln>
+                <a:noFill/>
+              </a:ln>
+            </p:spPr>
+            <p:style>
+              <a:lnRef idx="2">
+                <a:schemeClr val="accent1">
+                  <a:shade val="15000"/>
+                </a:schemeClr>
+              </a:lnRef>
+              <a:fillRef idx="1">
+                <a:schemeClr val="accent1"/>
+              </a:fillRef>
+              <a:effectRef idx="0">
+                <a:schemeClr val="accent1"/>
+              </a:effectRef>
+              <a:fontRef idx="minor">
+                <a:schemeClr val="lt1"/>
+              </a:fontRef>
+            </p:style>
+            <p:txBody>
+              <a:bodyPr rtlCol="0" anchor="ctr"/>
+              <a:lstStyle/>
+              <a:p>
+                <a:pPr algn="ctr"/>
+                <a:endParaRPr lang="ko-KR" altLang="en-US" dirty="0"/>
+              </a:p>
+            </p:txBody>
+          </p:sp>
+          <p:sp>
+            <p:nvSpPr>
+              <p:cNvPr id="39" name="직사각형 38">
+                <a:extLst>
+                  <a:ext uri="{FF2B5EF4-FFF2-40B4-BE49-F238E27FC236}">
+                    <a16:creationId xmlns:a16="http://schemas.microsoft.com/office/drawing/2014/main" id="{882006E1-30F6-9ACF-25B6-7B959C6FBF53}"/>
+                  </a:ext>
+                </a:extLst>
+              </p:cNvPr>
+              <p:cNvSpPr/>
+              <p:nvPr/>
+            </p:nvSpPr>
+            <p:spPr>
+              <a:xfrm>
+                <a:off x="4177982" y="4553340"/>
+                <a:ext cx="814157" cy="343259"/>
               </a:xfrm>
               <a:prstGeom prst="rect">
                 <a:avLst/>
@@ -44468,17 +44427,17 @@
                       <a:schemeClr val="tx1"/>
                     </a:solidFill>
                   </a:rPr>
-                  <a:t>재화</a:t>
+                  <a:t>포탈</a:t>
                 </a:r>
               </a:p>
             </p:txBody>
           </p:sp>
           <p:sp>
             <p:nvSpPr>
-              <p:cNvPr id="33" name="직사각형 32">
+              <p:cNvPr id="40" name="직사각형 39">
                 <a:extLst>
                   <a:ext uri="{FF2B5EF4-FFF2-40B4-BE49-F238E27FC236}">
-                    <a16:creationId xmlns:a16="http://schemas.microsoft.com/office/drawing/2014/main" id="{8E5314A8-9350-4393-EFC1-13281D7F1DCE}"/>
+                    <a16:creationId xmlns:a16="http://schemas.microsoft.com/office/drawing/2014/main" id="{63B62EEF-3660-E7EB-F67D-6DE858005890}"/>
                   </a:ext>
                 </a:extLst>
               </p:cNvPr>
@@ -44487,8 +44446,8 @@
             </p:nvSpPr>
             <p:spPr>
               <a:xfrm>
-                <a:off x="1457537" y="2701214"/>
-                <a:ext cx="751198" cy="237283"/>
+                <a:off x="2584041" y="4553340"/>
+                <a:ext cx="794112" cy="343259"/>
               </a:xfrm>
               <a:prstGeom prst="rect">
                 <a:avLst/>
@@ -44527,7 +44486,184 @@
                       <a:schemeClr val="tx1"/>
                     </a:solidFill>
                   </a:rPr>
-                  <a:t>레벨</a:t>
+                  <a:t>숙련도</a:t>
+                </a:r>
+              </a:p>
+            </p:txBody>
+          </p:sp>
+          <p:sp>
+            <p:nvSpPr>
+              <p:cNvPr id="41" name="직사각형 40">
+                <a:extLst>
+                  <a:ext uri="{FF2B5EF4-FFF2-40B4-BE49-F238E27FC236}">
+                    <a16:creationId xmlns:a16="http://schemas.microsoft.com/office/drawing/2014/main" id="{D70671C9-649F-4015-4F07-7FCD6ECE2AE6}"/>
+                  </a:ext>
+                </a:extLst>
+              </p:cNvPr>
+              <p:cNvSpPr/>
+              <p:nvPr/>
+            </p:nvSpPr>
+            <p:spPr>
+              <a:xfrm>
+                <a:off x="1811223" y="4553340"/>
+                <a:ext cx="767569" cy="343259"/>
+              </a:xfrm>
+              <a:prstGeom prst="rect">
+                <a:avLst/>
+              </a:prstGeom>
+              <a:noFill/>
+              <a:ln>
+                <a:solidFill>
+                  <a:schemeClr val="tx1"/>
+                </a:solidFill>
+              </a:ln>
+            </p:spPr>
+            <p:style>
+              <a:lnRef idx="2">
+                <a:schemeClr val="accent1">
+                  <a:shade val="15000"/>
+                </a:schemeClr>
+              </a:lnRef>
+              <a:fillRef idx="1">
+                <a:schemeClr val="accent1"/>
+              </a:fillRef>
+              <a:effectRef idx="0">
+                <a:schemeClr val="accent1"/>
+              </a:effectRef>
+              <a:fontRef idx="minor">
+                <a:schemeClr val="lt1"/>
+              </a:fontRef>
+            </p:style>
+            <p:txBody>
+              <a:bodyPr rtlCol="0" anchor="ctr"/>
+              <a:lstStyle/>
+              <a:p>
+                <a:pPr algn="ctr"/>
+                <a:r>
+                  <a:rPr lang="ko-KR" altLang="en-US" sz="1200" dirty="0">
+                    <a:solidFill>
+                      <a:schemeClr val="tx1"/>
+                    </a:solidFill>
+                  </a:rPr>
+                  <a:t>능력치</a:t>
+                </a:r>
+              </a:p>
+            </p:txBody>
+          </p:sp>
+          <p:sp>
+            <p:nvSpPr>
+              <p:cNvPr id="42" name="직사각형 41">
+                <a:extLst>
+                  <a:ext uri="{FF2B5EF4-FFF2-40B4-BE49-F238E27FC236}">
+                    <a16:creationId xmlns:a16="http://schemas.microsoft.com/office/drawing/2014/main" id="{3156BCAB-FCD1-BDB5-91DD-8C191909843E}"/>
+                  </a:ext>
+                </a:extLst>
+              </p:cNvPr>
+              <p:cNvSpPr/>
+              <p:nvPr/>
+            </p:nvSpPr>
+            <p:spPr>
+              <a:xfrm>
+                <a:off x="1089236" y="4553340"/>
+                <a:ext cx="721986" cy="343259"/>
+              </a:xfrm>
+              <a:prstGeom prst="rect">
+                <a:avLst/>
+              </a:prstGeom>
+              <a:noFill/>
+              <a:ln>
+                <a:solidFill>
+                  <a:schemeClr val="tx1"/>
+                </a:solidFill>
+              </a:ln>
+            </p:spPr>
+            <p:style>
+              <a:lnRef idx="2">
+                <a:schemeClr val="accent1">
+                  <a:shade val="15000"/>
+                </a:schemeClr>
+              </a:lnRef>
+              <a:fillRef idx="1">
+                <a:schemeClr val="accent1"/>
+              </a:fillRef>
+              <a:effectRef idx="0">
+                <a:schemeClr val="accent1"/>
+              </a:effectRef>
+              <a:fontRef idx="minor">
+                <a:schemeClr val="lt1"/>
+              </a:fontRef>
+            </p:style>
+            <p:txBody>
+              <a:bodyPr rtlCol="0" anchor="ctr"/>
+              <a:lstStyle/>
+              <a:p>
+                <a:pPr algn="ctr"/>
+                <a:r>
+                  <a:rPr lang="ko-KR" altLang="en-US" sz="1200" dirty="0">
+                    <a:solidFill>
+                      <a:schemeClr val="tx1"/>
+                    </a:solidFill>
+                  </a:rPr>
+                  <a:t>상점</a:t>
+                </a:r>
+              </a:p>
+            </p:txBody>
+          </p:sp>
+          <p:sp>
+            <p:nvSpPr>
+              <p:cNvPr id="54" name="직사각형 53">
+                <a:extLst>
+                  <a:ext uri="{FF2B5EF4-FFF2-40B4-BE49-F238E27FC236}">
+                    <a16:creationId xmlns:a16="http://schemas.microsoft.com/office/drawing/2014/main" id="{0C1E0619-30ED-36D0-02E6-4FF23A54E2D2}"/>
+                  </a:ext>
+                </a:extLst>
+              </p:cNvPr>
+              <p:cNvSpPr/>
+              <p:nvPr/>
+            </p:nvSpPr>
+            <p:spPr>
+              <a:xfrm>
+                <a:off x="3383402" y="4553340"/>
+                <a:ext cx="794112" cy="343259"/>
+              </a:xfrm>
+              <a:prstGeom prst="rect">
+                <a:avLst/>
+              </a:prstGeom>
+              <a:noFill/>
+              <a:ln>
+                <a:solidFill>
+                  <a:schemeClr val="tx1"/>
+                </a:solidFill>
+              </a:ln>
+            </p:spPr>
+            <p:style>
+              <a:lnRef idx="2">
+                <a:schemeClr val="accent1">
+                  <a:shade val="15000"/>
+                </a:schemeClr>
+              </a:lnRef>
+              <a:fillRef idx="1">
+                <a:schemeClr val="accent1"/>
+              </a:fillRef>
+              <a:effectRef idx="0">
+                <a:schemeClr val="accent1"/>
+              </a:effectRef>
+              <a:fontRef idx="minor">
+                <a:schemeClr val="lt1"/>
+              </a:fontRef>
+            </p:style>
+            <p:txBody>
+              <a:bodyPr rtlCol="0" anchor="ctr"/>
+              <a:lstStyle/>
+              <a:p>
+                <a:pPr algn="ctr"/>
+                <a:r>
+                  <a:rPr lang="ko-KR" altLang="en-US" sz="1200" dirty="0">
+                    <a:solidFill>
+                      <a:schemeClr val="tx1"/>
+                    </a:solidFill>
+                  </a:rPr>
+                  <a:t>장비</a:t>
                 </a:r>
               </a:p>
             </p:txBody>
@@ -44535,10 +44671,10 @@
         </p:grpSp>
         <p:sp>
           <p:nvSpPr>
-            <p:cNvPr id="8" name="직사각형 7">
+            <p:cNvPr id="32" name="직사각형 31">
               <a:extLst>
                 <a:ext uri="{FF2B5EF4-FFF2-40B4-BE49-F238E27FC236}">
-                  <a16:creationId xmlns:a16="http://schemas.microsoft.com/office/drawing/2014/main" id="{F6FDCA34-8652-3CF4-CF26-6D2E2B0D7300}"/>
+                  <a16:creationId xmlns:a16="http://schemas.microsoft.com/office/drawing/2014/main" id="{18D4EB52-2265-9DFA-81CA-3C4A9D6C121F}"/>
                 </a:ext>
               </a:extLst>
             </p:cNvPr>
@@ -44547,8 +44683,1352 @@
           </p:nvSpPr>
           <p:spPr>
             <a:xfrm>
-              <a:off x="8251417" y="1990358"/>
-              <a:ext cx="2650586" cy="2845302"/>
+              <a:off x="3540124" y="2701214"/>
+              <a:ext cx="1404652" cy="237283"/>
+            </a:xfrm>
+            <a:prstGeom prst="rect">
+              <a:avLst/>
+            </a:prstGeom>
+            <a:noFill/>
+            <a:ln>
+              <a:solidFill>
+                <a:schemeClr val="tx1"/>
+              </a:solidFill>
+            </a:ln>
+          </p:spPr>
+          <p:style>
+            <a:lnRef idx="2">
+              <a:schemeClr val="accent1">
+                <a:shade val="15000"/>
+              </a:schemeClr>
+            </a:lnRef>
+            <a:fillRef idx="1">
+              <a:schemeClr val="accent1"/>
+            </a:fillRef>
+            <a:effectRef idx="0">
+              <a:schemeClr val="accent1"/>
+            </a:effectRef>
+            <a:fontRef idx="minor">
+              <a:schemeClr val="lt1"/>
+            </a:fontRef>
+          </p:style>
+          <p:txBody>
+            <a:bodyPr rtlCol="0" anchor="ctr"/>
+            <a:lstStyle/>
+            <a:p>
+              <a:pPr algn="ctr"/>
+              <a:r>
+                <a:rPr lang="ko-KR" altLang="en-US" sz="1200" dirty="0">
+                  <a:solidFill>
+                    <a:schemeClr val="tx1"/>
+                  </a:solidFill>
+                </a:rPr>
+                <a:t>재화</a:t>
+              </a:r>
+            </a:p>
+          </p:txBody>
+        </p:sp>
+        <p:sp>
+          <p:nvSpPr>
+            <p:cNvPr id="33" name="직사각형 32">
+              <a:extLst>
+                <a:ext uri="{FF2B5EF4-FFF2-40B4-BE49-F238E27FC236}">
+                  <a16:creationId xmlns:a16="http://schemas.microsoft.com/office/drawing/2014/main" id="{8E5314A8-9350-4393-EFC1-13281D7F1DCE}"/>
+                </a:ext>
+              </a:extLst>
+            </p:cNvPr>
+            <p:cNvSpPr/>
+            <p:nvPr/>
+          </p:nvSpPr>
+          <p:spPr>
+            <a:xfrm>
+              <a:off x="1457537" y="2701214"/>
+              <a:ext cx="751198" cy="237283"/>
+            </a:xfrm>
+            <a:prstGeom prst="rect">
+              <a:avLst/>
+            </a:prstGeom>
+            <a:noFill/>
+            <a:ln>
+              <a:solidFill>
+                <a:schemeClr val="tx1"/>
+              </a:solidFill>
+            </a:ln>
+          </p:spPr>
+          <p:style>
+            <a:lnRef idx="2">
+              <a:schemeClr val="accent1">
+                <a:shade val="15000"/>
+              </a:schemeClr>
+            </a:lnRef>
+            <a:fillRef idx="1">
+              <a:schemeClr val="accent1"/>
+            </a:fillRef>
+            <a:effectRef idx="0">
+              <a:schemeClr val="accent1"/>
+            </a:effectRef>
+            <a:fontRef idx="minor">
+              <a:schemeClr val="lt1"/>
+            </a:fontRef>
+          </p:style>
+          <p:txBody>
+            <a:bodyPr rtlCol="0" anchor="ctr"/>
+            <a:lstStyle/>
+            <a:p>
+              <a:pPr algn="ctr"/>
+              <a:r>
+                <a:rPr lang="ko-KR" altLang="en-US" sz="1200" dirty="0">
+                  <a:solidFill>
+                    <a:schemeClr val="tx1"/>
+                  </a:solidFill>
+                </a:rPr>
+                <a:t>레벨</a:t>
+              </a:r>
+              <a:r>
+                <a:rPr lang="en-US" altLang="ko-KR" sz="1200" dirty="0">
+                  <a:solidFill>
+                    <a:schemeClr val="tx1"/>
+                  </a:solidFill>
+                </a:rPr>
+                <a:t>. </a:t>
+              </a:r>
+              <a:r>
+                <a:rPr lang="ko-KR" altLang="en-US" sz="1200" dirty="0">
+                  <a:solidFill>
+                    <a:schemeClr val="tx1"/>
+                  </a:solidFill>
+                </a:rPr>
+                <a:t>닉네임</a:t>
+              </a:r>
+            </a:p>
+          </p:txBody>
+        </p:sp>
+      </p:grpSp>
+      <p:sp>
+        <p:nvSpPr>
+          <p:cNvPr id="8" name="직사각형 7">
+            <a:extLst>
+              <a:ext uri="{FF2B5EF4-FFF2-40B4-BE49-F238E27FC236}">
+                <a16:creationId xmlns:a16="http://schemas.microsoft.com/office/drawing/2014/main" id="{F6FDCA34-8652-3CF4-CF26-6D2E2B0D7300}"/>
+              </a:ext>
+            </a:extLst>
+          </p:cNvPr>
+          <p:cNvSpPr/>
+          <p:nvPr/>
+        </p:nvSpPr>
+        <p:spPr>
+          <a:xfrm>
+            <a:off x="8672449" y="1792105"/>
+            <a:ext cx="2473486" cy="3234788"/>
+          </a:xfrm>
+          <a:prstGeom prst="rect">
+            <a:avLst/>
+          </a:prstGeom>
+          <a:solidFill>
+            <a:schemeClr val="bg1"/>
+          </a:solidFill>
+        </p:spPr>
+        <p:style>
+          <a:lnRef idx="2">
+            <a:schemeClr val="accent1">
+              <a:shade val="15000"/>
+            </a:schemeClr>
+          </a:lnRef>
+          <a:fillRef idx="1">
+            <a:schemeClr val="accent1"/>
+          </a:fillRef>
+          <a:effectRef idx="0">
+            <a:schemeClr val="accent1"/>
+          </a:effectRef>
+          <a:fontRef idx="minor">
+            <a:schemeClr val="lt1"/>
+          </a:fontRef>
+        </p:style>
+        <p:txBody>
+          <a:bodyPr rtlCol="0" anchor="ctr"/>
+          <a:lstStyle/>
+          <a:p>
+            <a:pPr algn="ctr"/>
+            <a:endParaRPr lang="ko-KR" altLang="en-US" dirty="0"/>
+          </a:p>
+        </p:txBody>
+      </p:sp>
+      <p:grpSp>
+        <p:nvGrpSpPr>
+          <p:cNvPr id="10" name="그룹 9">
+            <a:extLst>
+              <a:ext uri="{FF2B5EF4-FFF2-40B4-BE49-F238E27FC236}">
+                <a16:creationId xmlns:a16="http://schemas.microsoft.com/office/drawing/2014/main" id="{B73C039D-3B2D-BC9C-700E-B80206CDCEA5}"/>
+              </a:ext>
+            </a:extLst>
+          </p:cNvPr>
+          <p:cNvGrpSpPr/>
+          <p:nvPr/>
+        </p:nvGrpSpPr>
+        <p:grpSpPr>
+          <a:xfrm>
+            <a:off x="8866914" y="2165988"/>
+            <a:ext cx="2121096" cy="542081"/>
+            <a:chOff x="8289958" y="1823392"/>
+            <a:chExt cx="2606641" cy="512845"/>
+          </a:xfrm>
+        </p:grpSpPr>
+        <p:sp>
+          <p:nvSpPr>
+            <p:cNvPr id="27" name="직사각형 26">
+              <a:extLst>
+                <a:ext uri="{FF2B5EF4-FFF2-40B4-BE49-F238E27FC236}">
+                  <a16:creationId xmlns:a16="http://schemas.microsoft.com/office/drawing/2014/main" id="{F656DFCE-C998-DDC1-1132-18C8F116FCFF}"/>
+                </a:ext>
+              </a:extLst>
+            </p:cNvPr>
+            <p:cNvSpPr/>
+            <p:nvPr/>
+          </p:nvSpPr>
+          <p:spPr>
+            <a:xfrm>
+              <a:off x="8289958" y="1823392"/>
+              <a:ext cx="2606641" cy="512845"/>
+            </a:xfrm>
+            <a:prstGeom prst="rect">
+              <a:avLst/>
+            </a:prstGeom>
+            <a:ln>
+              <a:tailEnd type="triangle"/>
+            </a:ln>
+          </p:spPr>
+          <p:style>
+            <a:lnRef idx="1">
+              <a:schemeClr val="dk1"/>
+            </a:lnRef>
+            <a:fillRef idx="0">
+              <a:schemeClr val="dk1"/>
+            </a:fillRef>
+            <a:effectRef idx="0">
+              <a:schemeClr val="dk1"/>
+            </a:effectRef>
+            <a:fontRef idx="minor">
+              <a:schemeClr val="tx1"/>
+            </a:fontRef>
+          </p:style>
+          <p:txBody>
+            <a:bodyPr rtlCol="0" anchor="ctr"/>
+            <a:lstStyle/>
+            <a:p>
+              <a:pPr algn="ctr"/>
+              <a:r>
+                <a:rPr lang="en-US" altLang="ko-KR" dirty="0"/>
+                <a:t>Chapter 2</a:t>
+              </a:r>
+              <a:endParaRPr lang="ko-KR" altLang="en-US" dirty="0"/>
+            </a:p>
+          </p:txBody>
+        </p:sp>
+        <p:sp>
+          <p:nvSpPr>
+            <p:cNvPr id="28" name="1/2 액자 27">
+              <a:extLst>
+                <a:ext uri="{FF2B5EF4-FFF2-40B4-BE49-F238E27FC236}">
+                  <a16:creationId xmlns:a16="http://schemas.microsoft.com/office/drawing/2014/main" id="{A0B85038-5435-E177-A373-6978759187B6}"/>
+                </a:ext>
+              </a:extLst>
+            </p:cNvPr>
+            <p:cNvSpPr/>
+            <p:nvPr/>
+          </p:nvSpPr>
+          <p:spPr>
+            <a:xfrm rot="18900000">
+              <a:off x="8468793" y="2010221"/>
+              <a:ext cx="179797" cy="160093"/>
+            </a:xfrm>
+            <a:prstGeom prst="halfFrame">
+              <a:avLst/>
+            </a:prstGeom>
+            <a:ln>
+              <a:tailEnd type="triangle"/>
+            </a:ln>
+          </p:spPr>
+          <p:style>
+            <a:lnRef idx="1">
+              <a:schemeClr val="dk1"/>
+            </a:lnRef>
+            <a:fillRef idx="0">
+              <a:schemeClr val="dk1"/>
+            </a:fillRef>
+            <a:effectRef idx="0">
+              <a:schemeClr val="dk1"/>
+            </a:effectRef>
+            <a:fontRef idx="minor">
+              <a:schemeClr val="tx1"/>
+            </a:fontRef>
+          </p:style>
+          <p:txBody>
+            <a:bodyPr rtlCol="0" anchor="ctr"/>
+            <a:lstStyle/>
+            <a:p>
+              <a:pPr algn="ctr"/>
+              <a:endParaRPr lang="ko-KR" altLang="en-US">
+                <a:solidFill>
+                  <a:schemeClr val="tx1"/>
+                </a:solidFill>
+              </a:endParaRPr>
+            </a:p>
+          </p:txBody>
+        </p:sp>
+        <p:sp>
+          <p:nvSpPr>
+            <p:cNvPr id="89" name="1/2 액자 88">
+              <a:extLst>
+                <a:ext uri="{FF2B5EF4-FFF2-40B4-BE49-F238E27FC236}">
+                  <a16:creationId xmlns:a16="http://schemas.microsoft.com/office/drawing/2014/main" id="{2814A5C5-0A74-C66A-5A0F-72663CA6B771}"/>
+                </a:ext>
+              </a:extLst>
+            </p:cNvPr>
+            <p:cNvSpPr/>
+            <p:nvPr/>
+          </p:nvSpPr>
+          <p:spPr>
+            <a:xfrm rot="8100000">
+              <a:off x="10539049" y="2010221"/>
+              <a:ext cx="179797" cy="160093"/>
+            </a:xfrm>
+            <a:prstGeom prst="halfFrame">
+              <a:avLst/>
+            </a:prstGeom>
+            <a:ln>
+              <a:tailEnd type="triangle"/>
+            </a:ln>
+          </p:spPr>
+          <p:style>
+            <a:lnRef idx="1">
+              <a:schemeClr val="dk1"/>
+            </a:lnRef>
+            <a:fillRef idx="0">
+              <a:schemeClr val="dk1"/>
+            </a:fillRef>
+            <a:effectRef idx="0">
+              <a:schemeClr val="dk1"/>
+            </a:effectRef>
+            <a:fontRef idx="minor">
+              <a:schemeClr val="tx1"/>
+            </a:fontRef>
+          </p:style>
+          <p:txBody>
+            <a:bodyPr rtlCol="0" anchor="ctr"/>
+            <a:lstStyle/>
+            <a:p>
+              <a:pPr algn="ctr"/>
+              <a:endParaRPr lang="ko-KR" altLang="en-US">
+                <a:solidFill>
+                  <a:schemeClr val="tx1"/>
+                </a:solidFill>
+              </a:endParaRPr>
+            </a:p>
+          </p:txBody>
+        </p:sp>
+      </p:grpSp>
+      <p:grpSp>
+        <p:nvGrpSpPr>
+          <p:cNvPr id="11" name="그룹 10">
+            <a:extLst>
+              <a:ext uri="{FF2B5EF4-FFF2-40B4-BE49-F238E27FC236}">
+                <a16:creationId xmlns:a16="http://schemas.microsoft.com/office/drawing/2014/main" id="{63AE1330-1E0F-FB1D-4659-B36EF4A600AB}"/>
+              </a:ext>
+            </a:extLst>
+          </p:cNvPr>
+          <p:cNvGrpSpPr/>
+          <p:nvPr/>
+        </p:nvGrpSpPr>
+        <p:grpSpPr>
+          <a:xfrm>
+            <a:off x="10111751" y="3002741"/>
+            <a:ext cx="927697" cy="1738458"/>
+            <a:chOff x="9573506" y="2741824"/>
+            <a:chExt cx="1323092" cy="1737378"/>
+          </a:xfrm>
+        </p:grpSpPr>
+        <p:sp>
+          <p:nvSpPr>
+            <p:cNvPr id="22" name="직사각형 21">
+              <a:extLst>
+                <a:ext uri="{FF2B5EF4-FFF2-40B4-BE49-F238E27FC236}">
+                  <a16:creationId xmlns:a16="http://schemas.microsoft.com/office/drawing/2014/main" id="{E3745A91-37D6-F31F-491F-9D7E9F3BE7B7}"/>
+                </a:ext>
+              </a:extLst>
+            </p:cNvPr>
+            <p:cNvSpPr/>
+            <p:nvPr/>
+          </p:nvSpPr>
+          <p:spPr>
+            <a:xfrm>
+              <a:off x="9573506" y="2741824"/>
+              <a:ext cx="1323092" cy="354681"/>
+            </a:xfrm>
+            <a:prstGeom prst="rect">
+              <a:avLst/>
+            </a:prstGeom>
+            <a:ln>
+              <a:tailEnd type="triangle"/>
+            </a:ln>
+          </p:spPr>
+          <p:style>
+            <a:lnRef idx="1">
+              <a:schemeClr val="dk1"/>
+            </a:lnRef>
+            <a:fillRef idx="0">
+              <a:schemeClr val="dk1"/>
+            </a:fillRef>
+            <a:effectRef idx="0">
+              <a:schemeClr val="dk1"/>
+            </a:effectRef>
+            <a:fontRef idx="minor">
+              <a:schemeClr val="tx1"/>
+            </a:fontRef>
+          </p:style>
+          <p:txBody>
+            <a:bodyPr rtlCol="0" anchor="ctr"/>
+            <a:lstStyle/>
+            <a:p>
+              <a:r>
+                <a:rPr lang="en-US" altLang="ko-KR" sz="1000" dirty="0"/>
+                <a:t>2-1 Stage</a:t>
+              </a:r>
+              <a:endParaRPr lang="ko-KR" altLang="en-US" sz="1000" dirty="0"/>
+            </a:p>
+          </p:txBody>
+        </p:sp>
+        <p:sp>
+          <p:nvSpPr>
+            <p:cNvPr id="23" name="직사각형 22">
+              <a:extLst>
+                <a:ext uri="{FF2B5EF4-FFF2-40B4-BE49-F238E27FC236}">
+                  <a16:creationId xmlns:a16="http://schemas.microsoft.com/office/drawing/2014/main" id="{EE050BEC-D3B3-4BB9-36EB-86A23BD9E8F3}"/>
+                </a:ext>
+              </a:extLst>
+            </p:cNvPr>
+            <p:cNvSpPr/>
+            <p:nvPr/>
+          </p:nvSpPr>
+          <p:spPr>
+            <a:xfrm>
+              <a:off x="9573506" y="3202723"/>
+              <a:ext cx="1323092" cy="354681"/>
+            </a:xfrm>
+            <a:prstGeom prst="rect">
+              <a:avLst/>
+            </a:prstGeom>
+            <a:ln>
+              <a:tailEnd type="triangle"/>
+            </a:ln>
+          </p:spPr>
+          <p:style>
+            <a:lnRef idx="1">
+              <a:schemeClr val="dk1"/>
+            </a:lnRef>
+            <a:fillRef idx="0">
+              <a:schemeClr val="dk1"/>
+            </a:fillRef>
+            <a:effectRef idx="0">
+              <a:schemeClr val="dk1"/>
+            </a:effectRef>
+            <a:fontRef idx="minor">
+              <a:schemeClr val="tx1"/>
+            </a:fontRef>
+          </p:style>
+          <p:txBody>
+            <a:bodyPr rtlCol="0" anchor="ctr"/>
+            <a:lstStyle/>
+            <a:p>
+              <a:r>
+                <a:rPr lang="en-US" altLang="ko-KR" sz="1000" dirty="0"/>
+                <a:t>2-2 Stage</a:t>
+              </a:r>
+              <a:endParaRPr lang="ko-KR" altLang="en-US" sz="1000" dirty="0"/>
+            </a:p>
+          </p:txBody>
+        </p:sp>
+        <p:sp>
+          <p:nvSpPr>
+            <p:cNvPr id="24" name="직사각형 23">
+              <a:extLst>
+                <a:ext uri="{FF2B5EF4-FFF2-40B4-BE49-F238E27FC236}">
+                  <a16:creationId xmlns:a16="http://schemas.microsoft.com/office/drawing/2014/main" id="{56A07509-2FE8-6187-F684-4656A9A385D6}"/>
+                </a:ext>
+              </a:extLst>
+            </p:cNvPr>
+            <p:cNvSpPr/>
+            <p:nvPr/>
+          </p:nvSpPr>
+          <p:spPr>
+            <a:xfrm>
+              <a:off x="9573506" y="3663622"/>
+              <a:ext cx="1323092" cy="354681"/>
+            </a:xfrm>
+            <a:prstGeom prst="rect">
+              <a:avLst/>
+            </a:prstGeom>
+            <a:ln>
+              <a:tailEnd type="triangle"/>
+            </a:ln>
+          </p:spPr>
+          <p:style>
+            <a:lnRef idx="1">
+              <a:schemeClr val="dk1"/>
+            </a:lnRef>
+            <a:fillRef idx="0">
+              <a:schemeClr val="dk1"/>
+            </a:fillRef>
+            <a:effectRef idx="0">
+              <a:schemeClr val="dk1"/>
+            </a:effectRef>
+            <a:fontRef idx="minor">
+              <a:schemeClr val="tx1"/>
+            </a:fontRef>
+          </p:style>
+          <p:txBody>
+            <a:bodyPr rtlCol="0" anchor="ctr"/>
+            <a:lstStyle/>
+            <a:p>
+              <a:r>
+                <a:rPr lang="en-US" altLang="ko-KR" sz="1000" dirty="0"/>
+                <a:t>2-3 Stage</a:t>
+              </a:r>
+              <a:endParaRPr lang="ko-KR" altLang="en-US" sz="1000" dirty="0"/>
+            </a:p>
+          </p:txBody>
+        </p:sp>
+        <p:sp>
+          <p:nvSpPr>
+            <p:cNvPr id="25" name="직사각형 24">
+              <a:extLst>
+                <a:ext uri="{FF2B5EF4-FFF2-40B4-BE49-F238E27FC236}">
+                  <a16:creationId xmlns:a16="http://schemas.microsoft.com/office/drawing/2014/main" id="{002855CB-7B64-8415-39BF-C41788D6026A}"/>
+                </a:ext>
+              </a:extLst>
+            </p:cNvPr>
+            <p:cNvSpPr/>
+            <p:nvPr/>
+          </p:nvSpPr>
+          <p:spPr>
+            <a:xfrm>
+              <a:off x="9573506" y="4124521"/>
+              <a:ext cx="1323092" cy="354681"/>
+            </a:xfrm>
+            <a:prstGeom prst="rect">
+              <a:avLst/>
+            </a:prstGeom>
+            <a:ln>
+              <a:tailEnd type="triangle"/>
+            </a:ln>
+          </p:spPr>
+          <p:style>
+            <a:lnRef idx="1">
+              <a:schemeClr val="dk1"/>
+            </a:lnRef>
+            <a:fillRef idx="0">
+              <a:schemeClr val="dk1"/>
+            </a:fillRef>
+            <a:effectRef idx="0">
+              <a:schemeClr val="dk1"/>
+            </a:effectRef>
+            <a:fontRef idx="minor">
+              <a:schemeClr val="tx1"/>
+            </a:fontRef>
+          </p:style>
+          <p:txBody>
+            <a:bodyPr rtlCol="0" anchor="ctr"/>
+            <a:lstStyle/>
+            <a:p>
+              <a:r>
+                <a:rPr lang="en-US" altLang="ko-KR" sz="1000" dirty="0"/>
+                <a:t>2-4 Stage</a:t>
+              </a:r>
+              <a:endParaRPr lang="ko-KR" altLang="en-US" sz="1000" dirty="0"/>
+            </a:p>
+          </p:txBody>
+        </p:sp>
+      </p:grpSp>
+      <p:sp>
+        <p:nvSpPr>
+          <p:cNvPr id="17" name="TextBox 16">
+            <a:extLst>
+              <a:ext uri="{FF2B5EF4-FFF2-40B4-BE49-F238E27FC236}">
+                <a16:creationId xmlns:a16="http://schemas.microsoft.com/office/drawing/2014/main" id="{B43E0B5B-7BD3-AE4E-581D-303C91CEDC27}"/>
+              </a:ext>
+            </a:extLst>
+          </p:cNvPr>
+          <p:cNvSpPr txBox="1"/>
+          <p:nvPr/>
+        </p:nvSpPr>
+        <p:spPr>
+          <a:xfrm>
+            <a:off x="8725186" y="2937407"/>
+            <a:ext cx="1239862" cy="215444"/>
+          </a:xfrm>
+          <a:prstGeom prst="rect">
+            <a:avLst/>
+          </a:prstGeom>
+          <a:noFill/>
+        </p:spPr>
+        <p:txBody>
+          <a:bodyPr wrap="square" rtlCol="0">
+            <a:spAutoFit/>
+          </a:bodyPr>
+          <a:lstStyle/>
+          <a:p>
+            <a:r>
+              <a:rPr lang="ko-KR" altLang="en-US" sz="800" dirty="0"/>
+              <a:t>등장 몬스터</a:t>
+            </a:r>
+          </a:p>
+        </p:txBody>
+      </p:sp>
+      <p:sp>
+        <p:nvSpPr>
+          <p:cNvPr id="20" name="TextBox 19">
+            <a:extLst>
+              <a:ext uri="{FF2B5EF4-FFF2-40B4-BE49-F238E27FC236}">
+                <a16:creationId xmlns:a16="http://schemas.microsoft.com/office/drawing/2014/main" id="{E9941AE6-06DC-5B03-32CB-BD7B25A7B15E}"/>
+              </a:ext>
+            </a:extLst>
+          </p:cNvPr>
+          <p:cNvSpPr txBox="1"/>
+          <p:nvPr/>
+        </p:nvSpPr>
+        <p:spPr>
+          <a:xfrm>
+            <a:off x="8775987" y="1849437"/>
+            <a:ext cx="2314262" cy="276999"/>
+          </a:xfrm>
+          <a:prstGeom prst="rect">
+            <a:avLst/>
+          </a:prstGeom>
+          <a:noFill/>
+        </p:spPr>
+        <p:txBody>
+          <a:bodyPr wrap="square" rtlCol="0">
+            <a:spAutoFit/>
+          </a:bodyPr>
+          <a:lstStyle/>
+          <a:p>
+            <a:pPr algn="ctr"/>
+            <a:r>
+              <a:rPr lang="ko-KR" altLang="en-US" sz="1200" dirty="0"/>
+              <a:t>소탕</a:t>
+            </a:r>
+          </a:p>
+        </p:txBody>
+      </p:sp>
+      <p:sp>
+        <p:nvSpPr>
+          <p:cNvPr id="21" name="곱하기 기호 20">
+            <a:extLst>
+              <a:ext uri="{FF2B5EF4-FFF2-40B4-BE49-F238E27FC236}">
+                <a16:creationId xmlns:a16="http://schemas.microsoft.com/office/drawing/2014/main" id="{37D89720-5446-DF0F-00C3-CA5617E228DE}"/>
+              </a:ext>
+            </a:extLst>
+          </p:cNvPr>
+          <p:cNvSpPr/>
+          <p:nvPr/>
+        </p:nvSpPr>
+        <p:spPr>
+          <a:xfrm>
+            <a:off x="10741591" y="1839267"/>
+            <a:ext cx="248431" cy="248431"/>
+          </a:xfrm>
+          <a:prstGeom prst="mathMultiply">
+            <a:avLst>
+              <a:gd name="adj1" fmla="val 12882"/>
+            </a:avLst>
+          </a:prstGeom>
+        </p:spPr>
+        <p:style>
+          <a:lnRef idx="2">
+            <a:schemeClr val="dk1"/>
+          </a:lnRef>
+          <a:fillRef idx="1">
+            <a:schemeClr val="lt1"/>
+          </a:fillRef>
+          <a:effectRef idx="0">
+            <a:schemeClr val="dk1"/>
+          </a:effectRef>
+          <a:fontRef idx="minor">
+            <a:schemeClr val="dk1"/>
+          </a:fontRef>
+        </p:style>
+        <p:txBody>
+          <a:bodyPr rtlCol="0" anchor="ctr"/>
+          <a:lstStyle/>
+          <a:p>
+            <a:pPr algn="ctr"/>
+            <a:endParaRPr lang="ko-KR" altLang="en-US"/>
+          </a:p>
+        </p:txBody>
+      </p:sp>
+      <p:sp>
+        <p:nvSpPr>
+          <p:cNvPr id="56" name="TextBox 55">
+            <a:extLst>
+              <a:ext uri="{FF2B5EF4-FFF2-40B4-BE49-F238E27FC236}">
+                <a16:creationId xmlns:a16="http://schemas.microsoft.com/office/drawing/2014/main" id="{D15E74E0-5711-D654-337E-0C8432E3343C}"/>
+              </a:ext>
+            </a:extLst>
+          </p:cNvPr>
+          <p:cNvSpPr txBox="1"/>
+          <p:nvPr/>
+        </p:nvSpPr>
+        <p:spPr>
+          <a:xfrm>
+            <a:off x="7381926" y="5262877"/>
+            <a:ext cx="1533160" cy="294661"/>
+          </a:xfrm>
+          <a:prstGeom prst="rect">
+            <a:avLst/>
+          </a:prstGeom>
+          <a:noFill/>
+        </p:spPr>
+        <p:txBody>
+          <a:bodyPr wrap="square" rtlCol="0">
+            <a:spAutoFit/>
+          </a:bodyPr>
+          <a:lstStyle/>
+          <a:p>
+            <a:pPr algn="ctr"/>
+            <a:r>
+              <a:rPr lang="ko-KR" altLang="en-US" sz="1000" dirty="0"/>
+              <a:t>소탕 스테이지 선택</a:t>
+            </a:r>
+          </a:p>
+        </p:txBody>
+      </p:sp>
+      <p:grpSp>
+        <p:nvGrpSpPr>
+          <p:cNvPr id="110" name="그룹 109">
+            <a:extLst>
+              <a:ext uri="{FF2B5EF4-FFF2-40B4-BE49-F238E27FC236}">
+                <a16:creationId xmlns:a16="http://schemas.microsoft.com/office/drawing/2014/main" id="{FD9C7C90-F7C4-7365-812D-D6CFEE25CFE0}"/>
+              </a:ext>
+            </a:extLst>
+          </p:cNvPr>
+          <p:cNvGrpSpPr/>
+          <p:nvPr/>
+        </p:nvGrpSpPr>
+        <p:grpSpPr>
+          <a:xfrm>
+            <a:off x="8726891" y="3656988"/>
+            <a:ext cx="1450125" cy="669869"/>
+            <a:chOff x="8726891" y="4310063"/>
+            <a:chExt cx="1450125" cy="669869"/>
+          </a:xfrm>
+        </p:grpSpPr>
+        <p:sp>
+          <p:nvSpPr>
+            <p:cNvPr id="13" name="TextBox 12">
+              <a:extLst>
+                <a:ext uri="{FF2B5EF4-FFF2-40B4-BE49-F238E27FC236}">
+                  <a16:creationId xmlns:a16="http://schemas.microsoft.com/office/drawing/2014/main" id="{7DCE7A1E-8E23-0364-5788-14226EE41CAE}"/>
+                </a:ext>
+              </a:extLst>
+            </p:cNvPr>
+            <p:cNvSpPr txBox="1"/>
+            <p:nvPr/>
+          </p:nvSpPr>
+          <p:spPr>
+            <a:xfrm>
+              <a:off x="8726891" y="4310063"/>
+              <a:ext cx="1450125" cy="215444"/>
+            </a:xfrm>
+            <a:prstGeom prst="rect">
+              <a:avLst/>
+            </a:prstGeom>
+            <a:noFill/>
+          </p:spPr>
+          <p:txBody>
+            <a:bodyPr wrap="square" rtlCol="0">
+              <a:spAutoFit/>
+            </a:bodyPr>
+            <a:lstStyle/>
+            <a:p>
+              <a:r>
+                <a:rPr lang="ko-KR" altLang="en-US" sz="800" dirty="0"/>
+                <a:t>처치 시 획득 가능 보상</a:t>
+              </a:r>
+            </a:p>
+          </p:txBody>
+        </p:sp>
+        <p:grpSp>
+          <p:nvGrpSpPr>
+            <p:cNvPr id="67" name="그룹 66">
+              <a:extLst>
+                <a:ext uri="{FF2B5EF4-FFF2-40B4-BE49-F238E27FC236}">
+                  <a16:creationId xmlns:a16="http://schemas.microsoft.com/office/drawing/2014/main" id="{30B68ACB-E3E8-D612-BBF5-42EA7FA81AE4}"/>
+                </a:ext>
+              </a:extLst>
+            </p:cNvPr>
+            <p:cNvGrpSpPr/>
+            <p:nvPr/>
+          </p:nvGrpSpPr>
+          <p:grpSpPr>
+            <a:xfrm>
+              <a:off x="8812650" y="4585166"/>
+              <a:ext cx="495904" cy="394370"/>
+              <a:chOff x="11743100" y="4339850"/>
+              <a:chExt cx="349368" cy="277837"/>
+            </a:xfrm>
+          </p:grpSpPr>
+          <p:pic>
+            <p:nvPicPr>
+              <p:cNvPr id="61" name="그림 60" descr="노랑, 그래픽, 원, 디자인이(가) 표시된 사진&#10;&#10;자동 생성된 설명">
+                <a:extLst>
+                  <a:ext uri="{FF2B5EF4-FFF2-40B4-BE49-F238E27FC236}">
+                    <a16:creationId xmlns:a16="http://schemas.microsoft.com/office/drawing/2014/main" id="{002B1A7D-EEC7-3CDE-E9E6-C894869066E2}"/>
+                  </a:ext>
+                </a:extLst>
+              </p:cNvPr>
+              <p:cNvPicPr>
+                <a:picLocks noChangeAspect="1"/>
+              </p:cNvPicPr>
+              <p:nvPr/>
+            </p:nvPicPr>
+            <p:blipFill>
+              <a:blip r:embed="rId6"/>
+              <a:stretch>
+                <a:fillRect/>
+              </a:stretch>
+            </p:blipFill>
+            <p:spPr>
+              <a:xfrm>
+                <a:off x="11743100" y="4339850"/>
+                <a:ext cx="233108" cy="225786"/>
+              </a:xfrm>
+              <a:prstGeom prst="rect">
+                <a:avLst/>
+              </a:prstGeom>
+            </p:spPr>
+          </p:pic>
+          <p:sp>
+            <p:nvSpPr>
+              <p:cNvPr id="55" name="직사각형 54">
+                <a:extLst>
+                  <a:ext uri="{FF2B5EF4-FFF2-40B4-BE49-F238E27FC236}">
+                    <a16:creationId xmlns:a16="http://schemas.microsoft.com/office/drawing/2014/main" id="{5C92D343-0EFB-408A-5804-5EAD56FED067}"/>
+                  </a:ext>
+                </a:extLst>
+              </p:cNvPr>
+              <p:cNvSpPr/>
+              <p:nvPr/>
+            </p:nvSpPr>
+            <p:spPr>
+              <a:xfrm>
+                <a:off x="11749640" y="4341427"/>
+                <a:ext cx="223940" cy="223940"/>
+              </a:xfrm>
+              <a:prstGeom prst="rect">
+                <a:avLst/>
+              </a:prstGeom>
+              <a:noFill/>
+              <a:ln>
+                <a:solidFill>
+                  <a:schemeClr val="bg1">
+                    <a:lumMod val="85000"/>
+                  </a:schemeClr>
+                </a:solidFill>
+              </a:ln>
+            </p:spPr>
+            <p:style>
+              <a:lnRef idx="2">
+                <a:schemeClr val="accent1">
+                  <a:shade val="15000"/>
+                </a:schemeClr>
+              </a:lnRef>
+              <a:fillRef idx="1">
+                <a:schemeClr val="accent1"/>
+              </a:fillRef>
+              <a:effectRef idx="0">
+                <a:schemeClr val="accent1"/>
+              </a:effectRef>
+              <a:fontRef idx="minor">
+                <a:schemeClr val="lt1"/>
+              </a:fontRef>
+            </p:style>
+            <p:txBody>
+              <a:bodyPr rtlCol="0" anchor="ctr"/>
+              <a:lstStyle/>
+              <a:p>
+                <a:pPr algn="ctr"/>
+                <a:endParaRPr lang="ko-KR" altLang="en-US"/>
+              </a:p>
+            </p:txBody>
+          </p:sp>
+          <p:sp>
+            <p:nvSpPr>
+              <p:cNvPr id="62" name="TextBox 61">
+                <a:extLst>
+                  <a:ext uri="{FF2B5EF4-FFF2-40B4-BE49-F238E27FC236}">
+                    <a16:creationId xmlns:a16="http://schemas.microsoft.com/office/drawing/2014/main" id="{F92D5E9A-4A6B-08D4-8960-58EC02BDA756}"/>
+                  </a:ext>
+                </a:extLst>
+              </p:cNvPr>
+              <p:cNvSpPr txBox="1"/>
+              <p:nvPr/>
+            </p:nvSpPr>
+            <p:spPr>
+              <a:xfrm>
+                <a:off x="11850094" y="4463799"/>
+                <a:ext cx="242374" cy="153888"/>
+              </a:xfrm>
+              <a:prstGeom prst="rect">
+                <a:avLst/>
+              </a:prstGeom>
+              <a:noFill/>
+            </p:spPr>
+            <p:txBody>
+              <a:bodyPr wrap="none" rtlCol="0">
+                <a:spAutoFit/>
+              </a:bodyPr>
+              <a:lstStyle/>
+              <a:p>
+                <a:r>
+                  <a:rPr lang="en-US" altLang="ko-KR" sz="400" dirty="0"/>
+                  <a:t>21</a:t>
+                </a:r>
+                <a:endParaRPr lang="ko-KR" altLang="en-US" sz="400" dirty="0"/>
+              </a:p>
+            </p:txBody>
+          </p:sp>
+        </p:grpSp>
+        <p:grpSp>
+          <p:nvGrpSpPr>
+            <p:cNvPr id="75" name="그룹 74">
+              <a:extLst>
+                <a:ext uri="{FF2B5EF4-FFF2-40B4-BE49-F238E27FC236}">
+                  <a16:creationId xmlns:a16="http://schemas.microsoft.com/office/drawing/2014/main" id="{AF0946ED-4EDE-6A65-6E5B-DBFD33DAA4A0}"/>
+                </a:ext>
+              </a:extLst>
+            </p:cNvPr>
+            <p:cNvGrpSpPr/>
+            <p:nvPr/>
+          </p:nvGrpSpPr>
+          <p:grpSpPr>
+            <a:xfrm>
+              <a:off x="9217810" y="4586741"/>
+              <a:ext cx="481076" cy="393191"/>
+              <a:chOff x="11500899" y="4265840"/>
+              <a:chExt cx="338317" cy="276512"/>
+            </a:xfrm>
+          </p:grpSpPr>
+          <p:grpSp>
+            <p:nvGrpSpPr>
+              <p:cNvPr id="69" name="그룹 68">
+                <a:extLst>
+                  <a:ext uri="{FF2B5EF4-FFF2-40B4-BE49-F238E27FC236}">
+                    <a16:creationId xmlns:a16="http://schemas.microsoft.com/office/drawing/2014/main" id="{7572205B-5861-28DB-B5EC-A5A75B4696FF}"/>
+                  </a:ext>
+                </a:extLst>
+              </p:cNvPr>
+              <p:cNvGrpSpPr/>
+              <p:nvPr/>
+            </p:nvGrpSpPr>
+            <p:grpSpPr>
+              <a:xfrm>
+                <a:off x="11500899" y="4265840"/>
+                <a:ext cx="338317" cy="276512"/>
+                <a:chOff x="11749640" y="4341427"/>
+                <a:chExt cx="338317" cy="276512"/>
+              </a:xfrm>
+            </p:grpSpPr>
+            <p:sp>
+              <p:nvSpPr>
+                <p:cNvPr id="72" name="직사각형 71">
+                  <a:extLst>
+                    <a:ext uri="{FF2B5EF4-FFF2-40B4-BE49-F238E27FC236}">
+                      <a16:creationId xmlns:a16="http://schemas.microsoft.com/office/drawing/2014/main" id="{40D3D50B-C787-EEDA-9671-99E79EB82194}"/>
+                    </a:ext>
+                  </a:extLst>
+                </p:cNvPr>
+                <p:cNvSpPr/>
+                <p:nvPr/>
+              </p:nvSpPr>
+              <p:spPr>
+                <a:xfrm>
+                  <a:off x="11749640" y="4341427"/>
+                  <a:ext cx="223940" cy="223940"/>
+                </a:xfrm>
+                <a:prstGeom prst="rect">
+                  <a:avLst/>
+                </a:prstGeom>
+                <a:noFill/>
+                <a:ln>
+                  <a:solidFill>
+                    <a:schemeClr val="bg1">
+                      <a:lumMod val="85000"/>
+                    </a:schemeClr>
+                  </a:solidFill>
+                </a:ln>
+              </p:spPr>
+              <p:style>
+                <a:lnRef idx="2">
+                  <a:schemeClr val="accent1">
+                    <a:shade val="15000"/>
+                  </a:schemeClr>
+                </a:lnRef>
+                <a:fillRef idx="1">
+                  <a:schemeClr val="accent1"/>
+                </a:fillRef>
+                <a:effectRef idx="0">
+                  <a:schemeClr val="accent1"/>
+                </a:effectRef>
+                <a:fontRef idx="minor">
+                  <a:schemeClr val="lt1"/>
+                </a:fontRef>
+              </p:style>
+              <p:txBody>
+                <a:bodyPr rtlCol="0" anchor="ctr"/>
+                <a:lstStyle/>
+                <a:p>
+                  <a:pPr algn="ctr"/>
+                  <a:endParaRPr lang="ko-KR" altLang="en-US" dirty="0"/>
+                </a:p>
+              </p:txBody>
+            </p:sp>
+            <p:sp>
+              <p:nvSpPr>
+                <p:cNvPr id="73" name="TextBox 72">
+                  <a:extLst>
+                    <a:ext uri="{FF2B5EF4-FFF2-40B4-BE49-F238E27FC236}">
+                      <a16:creationId xmlns:a16="http://schemas.microsoft.com/office/drawing/2014/main" id="{6EB64454-8E56-E4FA-853F-AE8AC7084316}"/>
+                    </a:ext>
+                  </a:extLst>
+                </p:cNvPr>
+                <p:cNvSpPr txBox="1"/>
+                <p:nvPr/>
+              </p:nvSpPr>
+              <p:spPr>
+                <a:xfrm>
+                  <a:off x="11845583" y="4464051"/>
+                  <a:ext cx="242374" cy="153888"/>
+                </a:xfrm>
+                <a:prstGeom prst="rect">
+                  <a:avLst/>
+                </a:prstGeom>
+                <a:noFill/>
+              </p:spPr>
+              <p:txBody>
+                <a:bodyPr wrap="none" rtlCol="0">
+                  <a:spAutoFit/>
+                </a:bodyPr>
+                <a:lstStyle/>
+                <a:p>
+                  <a:r>
+                    <a:rPr lang="en-US" altLang="ko-KR" sz="400" dirty="0"/>
+                    <a:t>12</a:t>
+                  </a:r>
+                  <a:endParaRPr lang="ko-KR" altLang="en-US" sz="400" dirty="0"/>
+                </a:p>
+              </p:txBody>
+            </p:sp>
+          </p:grpSp>
+          <p:pic>
+            <p:nvPicPr>
+              <p:cNvPr id="74" name="그림 73" descr="픽셀, 다채로움, 사각형, 상징이(가) 표시된 사진&#10;&#10;자동 생성된 설명">
+                <a:extLst>
+                  <a:ext uri="{FF2B5EF4-FFF2-40B4-BE49-F238E27FC236}">
+                    <a16:creationId xmlns:a16="http://schemas.microsoft.com/office/drawing/2014/main" id="{5DFA10B6-6E6E-9329-30BE-4ECD1BF36E89}"/>
+                  </a:ext>
+                </a:extLst>
+              </p:cNvPr>
+              <p:cNvPicPr>
+                <a:picLocks noChangeAspect="1"/>
+              </p:cNvPicPr>
+              <p:nvPr/>
+            </p:nvPicPr>
+            <p:blipFill>
+              <a:blip r:embed="rId7"/>
+              <a:stretch>
+                <a:fillRect/>
+              </a:stretch>
+            </p:blipFill>
+            <p:spPr>
+              <a:xfrm>
+                <a:off x="11542361" y="4304793"/>
+                <a:ext cx="131961" cy="154293"/>
+              </a:xfrm>
+              <a:prstGeom prst="rect">
+                <a:avLst/>
+              </a:prstGeom>
+            </p:spPr>
+          </p:pic>
+        </p:grpSp>
+        <p:grpSp>
+          <p:nvGrpSpPr>
+            <p:cNvPr id="79" name="그룹 78">
+              <a:extLst>
+                <a:ext uri="{FF2B5EF4-FFF2-40B4-BE49-F238E27FC236}">
+                  <a16:creationId xmlns:a16="http://schemas.microsoft.com/office/drawing/2014/main" id="{C3B5F1B7-A688-CC71-3B4E-696AC81A50DA}"/>
+                </a:ext>
+              </a:extLst>
+            </p:cNvPr>
+            <p:cNvGrpSpPr/>
+            <p:nvPr/>
+          </p:nvGrpSpPr>
+          <p:grpSpPr>
+            <a:xfrm>
+              <a:off x="9625137" y="4581273"/>
+              <a:ext cx="340697" cy="314784"/>
+              <a:chOff x="8922947" y="4266131"/>
+              <a:chExt cx="242375" cy="223940"/>
+            </a:xfrm>
+          </p:grpSpPr>
+          <p:sp>
+            <p:nvSpPr>
+              <p:cNvPr id="76" name="직사각형 75">
+                <a:extLst>
+                  <a:ext uri="{FF2B5EF4-FFF2-40B4-BE49-F238E27FC236}">
+                    <a16:creationId xmlns:a16="http://schemas.microsoft.com/office/drawing/2014/main" id="{AC6056FA-9EE1-520B-75A6-E1EB71CCFA95}"/>
+                  </a:ext>
+                </a:extLst>
+              </p:cNvPr>
+              <p:cNvSpPr/>
+              <p:nvPr/>
+            </p:nvSpPr>
+            <p:spPr>
+              <a:xfrm>
+                <a:off x="8922947" y="4270241"/>
+                <a:ext cx="242375" cy="215953"/>
+              </a:xfrm>
+              <a:prstGeom prst="rect">
+                <a:avLst/>
+              </a:prstGeom>
+              <a:solidFill>
+                <a:schemeClr val="bg1">
+                  <a:lumMod val="85000"/>
+                </a:schemeClr>
+              </a:solidFill>
+              <a:ln>
+                <a:noFill/>
+              </a:ln>
+            </p:spPr>
+            <p:style>
+              <a:lnRef idx="2">
+                <a:schemeClr val="accent1">
+                  <a:shade val="15000"/>
+                </a:schemeClr>
+              </a:lnRef>
+              <a:fillRef idx="1">
+                <a:schemeClr val="accent1"/>
+              </a:fillRef>
+              <a:effectRef idx="0">
+                <a:schemeClr val="accent1"/>
+              </a:effectRef>
+              <a:fontRef idx="minor">
+                <a:schemeClr val="lt1"/>
+              </a:fontRef>
+            </p:style>
+            <p:txBody>
+              <a:bodyPr rtlCol="0" anchor="ctr"/>
+              <a:lstStyle/>
+              <a:p>
+                <a:pPr algn="ctr"/>
+                <a:endParaRPr lang="ko-KR" altLang="en-US"/>
+              </a:p>
+            </p:txBody>
+          </p:sp>
+          <p:sp>
+            <p:nvSpPr>
+              <p:cNvPr id="77" name="직사각형 76">
+                <a:extLst>
+                  <a:ext uri="{FF2B5EF4-FFF2-40B4-BE49-F238E27FC236}">
+                    <a16:creationId xmlns:a16="http://schemas.microsoft.com/office/drawing/2014/main" id="{41FB2DE5-517D-970C-BE88-85B8F87D82AB}"/>
+                  </a:ext>
+                </a:extLst>
+              </p:cNvPr>
+              <p:cNvSpPr/>
+              <p:nvPr/>
+            </p:nvSpPr>
+            <p:spPr>
+              <a:xfrm>
+                <a:off x="8933118" y="4266131"/>
+                <a:ext cx="223940" cy="223940"/>
+              </a:xfrm>
+              <a:prstGeom prst="rect">
+                <a:avLst/>
+              </a:prstGeom>
+              <a:noFill/>
+              <a:ln>
+                <a:solidFill>
+                  <a:schemeClr val="bg1">
+                    <a:lumMod val="85000"/>
+                  </a:schemeClr>
+                </a:solidFill>
+              </a:ln>
+            </p:spPr>
+            <p:style>
+              <a:lnRef idx="2">
+                <a:schemeClr val="accent1">
+                  <a:shade val="15000"/>
+                </a:schemeClr>
+              </a:lnRef>
+              <a:fillRef idx="1">
+                <a:schemeClr val="accent1"/>
+              </a:fillRef>
+              <a:effectRef idx="0">
+                <a:schemeClr val="accent1"/>
+              </a:effectRef>
+              <a:fontRef idx="minor">
+                <a:schemeClr val="lt1"/>
+              </a:fontRef>
+            </p:style>
+            <p:txBody>
+              <a:bodyPr rtlCol="0" anchor="ctr"/>
+              <a:lstStyle/>
+              <a:p>
+                <a:pPr algn="ctr"/>
+                <a:endParaRPr lang="ko-KR" altLang="en-US"/>
+              </a:p>
+            </p:txBody>
+          </p:sp>
+        </p:grpSp>
+      </p:grpSp>
+      <p:grpSp>
+        <p:nvGrpSpPr>
+          <p:cNvPr id="84" name="그룹 83">
+            <a:extLst>
+              <a:ext uri="{FF2B5EF4-FFF2-40B4-BE49-F238E27FC236}">
+                <a16:creationId xmlns:a16="http://schemas.microsoft.com/office/drawing/2014/main" id="{E427DAAF-A591-540B-09B1-DC46D6C426BA}"/>
+              </a:ext>
+            </a:extLst>
+          </p:cNvPr>
+          <p:cNvGrpSpPr/>
+          <p:nvPr/>
+        </p:nvGrpSpPr>
+        <p:grpSpPr>
+          <a:xfrm>
+            <a:off x="8814251" y="3203650"/>
+            <a:ext cx="346394" cy="346394"/>
+            <a:chOff x="8148502" y="6245171"/>
+            <a:chExt cx="223940" cy="223940"/>
+          </a:xfrm>
+        </p:grpSpPr>
+        <p:pic>
+          <p:nvPicPr>
+            <p:cNvPr id="83" name="그림 82">
+              <a:extLst>
+                <a:ext uri="{FF2B5EF4-FFF2-40B4-BE49-F238E27FC236}">
+                  <a16:creationId xmlns:a16="http://schemas.microsoft.com/office/drawing/2014/main" id="{A8EF8528-73BF-F76D-669A-82771F5A1A0E}"/>
+                </a:ext>
+              </a:extLst>
+            </p:cNvPr>
+            <p:cNvPicPr>
+              <a:picLocks noChangeAspect="1"/>
+            </p:cNvPicPr>
+            <p:nvPr/>
+          </p:nvPicPr>
+          <p:blipFill rotWithShape="1">
+            <a:blip r:embed="rId5"/>
+            <a:srcRect b="55467"/>
+            <a:stretch/>
+          </p:blipFill>
+          <p:spPr>
+            <a:xfrm flipH="1">
+              <a:off x="8182548" y="6275538"/>
+              <a:ext cx="155848" cy="193573"/>
+            </a:xfrm>
+            <a:prstGeom prst="rect">
+              <a:avLst/>
+            </a:prstGeom>
+          </p:spPr>
+        </p:pic>
+        <p:sp>
+          <p:nvSpPr>
+            <p:cNvPr id="82" name="직사각형 81">
+              <a:extLst>
+                <a:ext uri="{FF2B5EF4-FFF2-40B4-BE49-F238E27FC236}">
+                  <a16:creationId xmlns:a16="http://schemas.microsoft.com/office/drawing/2014/main" id="{E2E2A25D-05A8-AC36-0BDB-BD8B2C5E22F1}"/>
+                </a:ext>
+              </a:extLst>
+            </p:cNvPr>
+            <p:cNvSpPr/>
+            <p:nvPr/>
+          </p:nvSpPr>
+          <p:spPr>
+            <a:xfrm>
+              <a:off x="8148502" y="6245171"/>
+              <a:ext cx="223940" cy="223940"/>
+            </a:xfrm>
+            <a:prstGeom prst="rect">
+              <a:avLst/>
+            </a:prstGeom>
+            <a:noFill/>
+            <a:ln>
+              <a:solidFill>
+                <a:schemeClr val="bg1">
+                  <a:lumMod val="85000"/>
+                </a:schemeClr>
+              </a:solidFill>
+            </a:ln>
+          </p:spPr>
+          <p:style>
+            <a:lnRef idx="2">
+              <a:schemeClr val="accent1">
+                <a:shade val="15000"/>
+              </a:schemeClr>
+            </a:lnRef>
+            <a:fillRef idx="1">
+              <a:schemeClr val="accent1"/>
+            </a:fillRef>
+            <a:effectRef idx="0">
+              <a:schemeClr val="accent1"/>
+            </a:effectRef>
+            <a:fontRef idx="minor">
+              <a:schemeClr val="lt1"/>
+            </a:fontRef>
+          </p:style>
+          <p:txBody>
+            <a:bodyPr rtlCol="0" anchor="ctr"/>
+            <a:lstStyle/>
+            <a:p>
+              <a:pPr algn="ctr"/>
+              <a:endParaRPr lang="ko-KR" altLang="en-US"/>
+            </a:p>
+          </p:txBody>
+        </p:sp>
+      </p:grpSp>
+      <p:grpSp>
+        <p:nvGrpSpPr>
+          <p:cNvPr id="112" name="그룹 111">
+            <a:extLst>
+              <a:ext uri="{FF2B5EF4-FFF2-40B4-BE49-F238E27FC236}">
+                <a16:creationId xmlns:a16="http://schemas.microsoft.com/office/drawing/2014/main" id="{A66A19B0-62DA-D13B-8633-C781F30F1995}"/>
+              </a:ext>
+            </a:extLst>
+          </p:cNvPr>
+          <p:cNvGrpSpPr/>
+          <p:nvPr/>
+        </p:nvGrpSpPr>
+        <p:grpSpPr>
+          <a:xfrm>
+            <a:off x="5216539" y="1959429"/>
+            <a:ext cx="2462868" cy="2873982"/>
+            <a:chOff x="5216259" y="2294084"/>
+            <a:chExt cx="2210159" cy="2153928"/>
+          </a:xfrm>
+        </p:grpSpPr>
+        <p:sp>
+          <p:nvSpPr>
+            <p:cNvPr id="90" name="직사각형 89">
+              <a:extLst>
+                <a:ext uri="{FF2B5EF4-FFF2-40B4-BE49-F238E27FC236}">
+                  <a16:creationId xmlns:a16="http://schemas.microsoft.com/office/drawing/2014/main" id="{382A2693-12A8-B5D5-B3E3-A398E02B358B}"/>
+                </a:ext>
+              </a:extLst>
+            </p:cNvPr>
+            <p:cNvSpPr/>
+            <p:nvPr/>
+          </p:nvSpPr>
+          <p:spPr>
+            <a:xfrm>
+              <a:off x="5227543" y="2294084"/>
+              <a:ext cx="2198875" cy="2153928"/>
             </a:xfrm>
             <a:prstGeom prst="rect">
               <a:avLst/>
@@ -44582,448 +46062,12 @@
             </a:p>
           </p:txBody>
         </p:sp>
-        <p:cxnSp>
-          <p:nvCxnSpPr>
-            <p:cNvPr id="9" name="직선 화살표 연결선 8">
+        <p:sp>
+          <p:nvSpPr>
+            <p:cNvPr id="91" name="TextBox 90">
               <a:extLst>
                 <a:ext uri="{FF2B5EF4-FFF2-40B4-BE49-F238E27FC236}">
-                  <a16:creationId xmlns:a16="http://schemas.microsoft.com/office/drawing/2014/main" id="{BF61F879-42E2-BAED-35C5-FE186756279A}"/>
-                </a:ext>
-              </a:extLst>
-            </p:cNvPr>
-            <p:cNvCxnSpPr>
-              <a:cxnSpLocks/>
-            </p:cNvCxnSpPr>
-            <p:nvPr/>
-          </p:nvCxnSpPr>
-          <p:spPr>
-            <a:xfrm flipH="1">
-              <a:off x="9839239" y="1795077"/>
-              <a:ext cx="1071158" cy="0"/>
-            </a:xfrm>
-            <a:prstGeom prst="straightConnector1">
-              <a:avLst/>
-            </a:prstGeom>
-            <a:ln>
-              <a:tailEnd type="triangle"/>
-            </a:ln>
-          </p:spPr>
-          <p:style>
-            <a:lnRef idx="1">
-              <a:schemeClr val="dk1"/>
-            </a:lnRef>
-            <a:fillRef idx="0">
-              <a:schemeClr val="dk1"/>
-            </a:fillRef>
-            <a:effectRef idx="0">
-              <a:schemeClr val="dk1"/>
-            </a:effectRef>
-            <a:fontRef idx="minor">
-              <a:schemeClr val="tx1"/>
-            </a:fontRef>
-          </p:style>
-        </p:cxnSp>
-        <p:grpSp>
-          <p:nvGrpSpPr>
-            <p:cNvPr id="10" name="그룹 9">
-              <a:extLst>
-                <a:ext uri="{FF2B5EF4-FFF2-40B4-BE49-F238E27FC236}">
-                  <a16:creationId xmlns:a16="http://schemas.microsoft.com/office/drawing/2014/main" id="{B73C039D-3B2D-BC9C-700E-B80206CDCEA5}"/>
-                </a:ext>
-              </a:extLst>
-            </p:cNvPr>
-            <p:cNvGrpSpPr/>
-            <p:nvPr/>
-          </p:nvGrpSpPr>
-          <p:grpSpPr>
-            <a:xfrm>
-              <a:off x="8350170" y="2365894"/>
-              <a:ext cx="2500062" cy="452967"/>
-              <a:chOff x="8289958" y="1823392"/>
-              <a:chExt cx="2606641" cy="512845"/>
-            </a:xfrm>
-          </p:grpSpPr>
-          <p:sp>
-            <p:nvSpPr>
-              <p:cNvPr id="27" name="직사각형 26">
-                <a:extLst>
-                  <a:ext uri="{FF2B5EF4-FFF2-40B4-BE49-F238E27FC236}">
-                    <a16:creationId xmlns:a16="http://schemas.microsoft.com/office/drawing/2014/main" id="{F656DFCE-C998-DDC1-1132-18C8F116FCFF}"/>
-                  </a:ext>
-                </a:extLst>
-              </p:cNvPr>
-              <p:cNvSpPr/>
-              <p:nvPr/>
-            </p:nvSpPr>
-            <p:spPr>
-              <a:xfrm>
-                <a:off x="8289958" y="1823392"/>
-                <a:ext cx="2606641" cy="512845"/>
-              </a:xfrm>
-              <a:prstGeom prst="rect">
-                <a:avLst/>
-              </a:prstGeom>
-              <a:ln>
-                <a:tailEnd type="triangle"/>
-              </a:ln>
-            </p:spPr>
-            <p:style>
-              <a:lnRef idx="1">
-                <a:schemeClr val="dk1"/>
-              </a:lnRef>
-              <a:fillRef idx="0">
-                <a:schemeClr val="dk1"/>
-              </a:fillRef>
-              <a:effectRef idx="0">
-                <a:schemeClr val="dk1"/>
-              </a:effectRef>
-              <a:fontRef idx="minor">
-                <a:schemeClr val="tx1"/>
-              </a:fontRef>
-            </p:style>
-            <p:txBody>
-              <a:bodyPr rtlCol="0" anchor="ctr"/>
-              <a:lstStyle/>
-              <a:p>
-                <a:pPr algn="ctr"/>
-                <a:r>
-                  <a:rPr lang="en-US" altLang="ko-KR" dirty="0"/>
-                  <a:t>Chapter 2</a:t>
-                </a:r>
-                <a:endParaRPr lang="ko-KR" altLang="en-US" dirty="0"/>
-              </a:p>
-            </p:txBody>
-          </p:sp>
-          <p:sp>
-            <p:nvSpPr>
-              <p:cNvPr id="28" name="1/2 액자 27">
-                <a:extLst>
-                  <a:ext uri="{FF2B5EF4-FFF2-40B4-BE49-F238E27FC236}">
-                    <a16:creationId xmlns:a16="http://schemas.microsoft.com/office/drawing/2014/main" id="{A0B85038-5435-E177-A373-6978759187B6}"/>
-                  </a:ext>
-                </a:extLst>
-              </p:cNvPr>
-              <p:cNvSpPr/>
-              <p:nvPr/>
-            </p:nvSpPr>
-            <p:spPr>
-              <a:xfrm rot="18900000">
-                <a:off x="8474987" y="2008057"/>
-                <a:ext cx="184540" cy="184540"/>
-              </a:xfrm>
-              <a:prstGeom prst="halfFrame">
-                <a:avLst/>
-              </a:prstGeom>
-              <a:ln>
-                <a:tailEnd type="triangle"/>
-              </a:ln>
-            </p:spPr>
-            <p:style>
-              <a:lnRef idx="1">
-                <a:schemeClr val="dk1"/>
-              </a:lnRef>
-              <a:fillRef idx="0">
-                <a:schemeClr val="dk1"/>
-              </a:fillRef>
-              <a:effectRef idx="0">
-                <a:schemeClr val="dk1"/>
-              </a:effectRef>
-              <a:fontRef idx="minor">
-                <a:schemeClr val="tx1"/>
-              </a:fontRef>
-            </p:style>
-            <p:txBody>
-              <a:bodyPr rtlCol="0" anchor="ctr"/>
-              <a:lstStyle/>
-              <a:p>
-                <a:pPr algn="ctr"/>
-                <a:endParaRPr lang="ko-KR" altLang="en-US">
-                  <a:solidFill>
-                    <a:schemeClr val="tx1"/>
-                  </a:solidFill>
-                </a:endParaRPr>
-              </a:p>
-            </p:txBody>
-          </p:sp>
-          <p:sp>
-            <p:nvSpPr>
-              <p:cNvPr id="29" name="1/2 액자 28">
-                <a:extLst>
-                  <a:ext uri="{FF2B5EF4-FFF2-40B4-BE49-F238E27FC236}">
-                    <a16:creationId xmlns:a16="http://schemas.microsoft.com/office/drawing/2014/main" id="{A77F9FEA-EDFF-5679-DF9C-B285E09341B2}"/>
-                  </a:ext>
-                </a:extLst>
-              </p:cNvPr>
-              <p:cNvSpPr/>
-              <p:nvPr/>
-            </p:nvSpPr>
-            <p:spPr>
-              <a:xfrm rot="2700000" flipH="1">
-                <a:off x="10533644" y="2008057"/>
-                <a:ext cx="184540" cy="184540"/>
-              </a:xfrm>
-              <a:prstGeom prst="halfFrame">
-                <a:avLst/>
-              </a:prstGeom>
-              <a:ln>
-                <a:tailEnd type="triangle"/>
-              </a:ln>
-            </p:spPr>
-            <p:style>
-              <a:lnRef idx="1">
-                <a:schemeClr val="dk1"/>
-              </a:lnRef>
-              <a:fillRef idx="0">
-                <a:schemeClr val="dk1"/>
-              </a:fillRef>
-              <a:effectRef idx="0">
-                <a:schemeClr val="dk1"/>
-              </a:effectRef>
-              <a:fontRef idx="minor">
-                <a:schemeClr val="tx1"/>
-              </a:fontRef>
-            </p:style>
-            <p:txBody>
-              <a:bodyPr rtlCol="0" anchor="ctr"/>
-              <a:lstStyle/>
-              <a:p>
-                <a:pPr algn="ctr"/>
-                <a:endParaRPr lang="ko-KR" altLang="en-US">
-                  <a:solidFill>
-                    <a:schemeClr val="tx1"/>
-                  </a:solidFill>
-                </a:endParaRPr>
-              </a:p>
-            </p:txBody>
-          </p:sp>
-        </p:grpSp>
-        <p:grpSp>
-          <p:nvGrpSpPr>
-            <p:cNvPr id="11" name="그룹 10">
-              <a:extLst>
-                <a:ext uri="{FF2B5EF4-FFF2-40B4-BE49-F238E27FC236}">
-                  <a16:creationId xmlns:a16="http://schemas.microsoft.com/office/drawing/2014/main" id="{63AE1330-1E0F-FB1D-4659-B36EF4A600AB}"/>
-                </a:ext>
-              </a:extLst>
-            </p:cNvPr>
-            <p:cNvGrpSpPr/>
-            <p:nvPr/>
-          </p:nvGrpSpPr>
-          <p:grpSpPr>
-            <a:xfrm>
-              <a:off x="9517986" y="3065090"/>
-              <a:ext cx="1331251" cy="1452668"/>
-              <a:chOff x="9573506" y="2741824"/>
-              <a:chExt cx="1323092" cy="1737378"/>
-            </a:xfrm>
-          </p:grpSpPr>
-          <p:sp>
-            <p:nvSpPr>
-              <p:cNvPr id="22" name="직사각형 21">
-                <a:extLst>
-                  <a:ext uri="{FF2B5EF4-FFF2-40B4-BE49-F238E27FC236}">
-                    <a16:creationId xmlns:a16="http://schemas.microsoft.com/office/drawing/2014/main" id="{E3745A91-37D6-F31F-491F-9D7E9F3BE7B7}"/>
-                  </a:ext>
-                </a:extLst>
-              </p:cNvPr>
-              <p:cNvSpPr/>
-              <p:nvPr/>
-            </p:nvSpPr>
-            <p:spPr>
-              <a:xfrm>
-                <a:off x="9573506" y="2741824"/>
-                <a:ext cx="1323092" cy="354681"/>
-              </a:xfrm>
-              <a:prstGeom prst="rect">
-                <a:avLst/>
-              </a:prstGeom>
-              <a:ln>
-                <a:tailEnd type="triangle"/>
-              </a:ln>
-            </p:spPr>
-            <p:style>
-              <a:lnRef idx="1">
-                <a:schemeClr val="dk1"/>
-              </a:lnRef>
-              <a:fillRef idx="0">
-                <a:schemeClr val="dk1"/>
-              </a:fillRef>
-              <a:effectRef idx="0">
-                <a:schemeClr val="dk1"/>
-              </a:effectRef>
-              <a:fontRef idx="minor">
-                <a:schemeClr val="tx1"/>
-              </a:fontRef>
-            </p:style>
-            <p:txBody>
-              <a:bodyPr rtlCol="0" anchor="ctr"/>
-              <a:lstStyle/>
-              <a:p>
-                <a:r>
-                  <a:rPr lang="en-US" altLang="ko-KR" sz="1000" dirty="0"/>
-                  <a:t>2-1 Stage</a:t>
-                </a:r>
-                <a:endParaRPr lang="ko-KR" altLang="en-US" sz="1000" dirty="0"/>
-              </a:p>
-            </p:txBody>
-          </p:sp>
-          <p:sp>
-            <p:nvSpPr>
-              <p:cNvPr id="23" name="직사각형 22">
-                <a:extLst>
-                  <a:ext uri="{FF2B5EF4-FFF2-40B4-BE49-F238E27FC236}">
-                    <a16:creationId xmlns:a16="http://schemas.microsoft.com/office/drawing/2014/main" id="{EE050BEC-D3B3-4BB9-36EB-86A23BD9E8F3}"/>
-                  </a:ext>
-                </a:extLst>
-              </p:cNvPr>
-              <p:cNvSpPr/>
-              <p:nvPr/>
-            </p:nvSpPr>
-            <p:spPr>
-              <a:xfrm>
-                <a:off x="9573506" y="3202723"/>
-                <a:ext cx="1323092" cy="354681"/>
-              </a:xfrm>
-              <a:prstGeom prst="rect">
-                <a:avLst/>
-              </a:prstGeom>
-              <a:ln>
-                <a:tailEnd type="triangle"/>
-              </a:ln>
-            </p:spPr>
-            <p:style>
-              <a:lnRef idx="1">
-                <a:schemeClr val="dk1"/>
-              </a:lnRef>
-              <a:fillRef idx="0">
-                <a:schemeClr val="dk1"/>
-              </a:fillRef>
-              <a:effectRef idx="0">
-                <a:schemeClr val="dk1"/>
-              </a:effectRef>
-              <a:fontRef idx="minor">
-                <a:schemeClr val="tx1"/>
-              </a:fontRef>
-            </p:style>
-            <p:txBody>
-              <a:bodyPr rtlCol="0" anchor="ctr"/>
-              <a:lstStyle/>
-              <a:p>
-                <a:r>
-                  <a:rPr lang="en-US" altLang="ko-KR" sz="1000" dirty="0"/>
-                  <a:t>2-2 Stage</a:t>
-                </a:r>
-                <a:endParaRPr lang="ko-KR" altLang="en-US" sz="1000" dirty="0"/>
-              </a:p>
-            </p:txBody>
-          </p:sp>
-          <p:sp>
-            <p:nvSpPr>
-              <p:cNvPr id="24" name="직사각형 23">
-                <a:extLst>
-                  <a:ext uri="{FF2B5EF4-FFF2-40B4-BE49-F238E27FC236}">
-                    <a16:creationId xmlns:a16="http://schemas.microsoft.com/office/drawing/2014/main" id="{56A07509-2FE8-6187-F684-4656A9A385D6}"/>
-                  </a:ext>
-                </a:extLst>
-              </p:cNvPr>
-              <p:cNvSpPr/>
-              <p:nvPr/>
-            </p:nvSpPr>
-            <p:spPr>
-              <a:xfrm>
-                <a:off x="9573506" y="3663622"/>
-                <a:ext cx="1323092" cy="354681"/>
-              </a:xfrm>
-              <a:prstGeom prst="rect">
-                <a:avLst/>
-              </a:prstGeom>
-              <a:ln>
-                <a:tailEnd type="triangle"/>
-              </a:ln>
-            </p:spPr>
-            <p:style>
-              <a:lnRef idx="1">
-                <a:schemeClr val="dk1"/>
-              </a:lnRef>
-              <a:fillRef idx="0">
-                <a:schemeClr val="dk1"/>
-              </a:fillRef>
-              <a:effectRef idx="0">
-                <a:schemeClr val="dk1"/>
-              </a:effectRef>
-              <a:fontRef idx="minor">
-                <a:schemeClr val="tx1"/>
-              </a:fontRef>
-            </p:style>
-            <p:txBody>
-              <a:bodyPr rtlCol="0" anchor="ctr"/>
-              <a:lstStyle/>
-              <a:p>
-                <a:r>
-                  <a:rPr lang="en-US" altLang="ko-KR" sz="1000" dirty="0"/>
-                  <a:t>2-3 Stage</a:t>
-                </a:r>
-                <a:endParaRPr lang="ko-KR" altLang="en-US" sz="1000" dirty="0"/>
-              </a:p>
-            </p:txBody>
-          </p:sp>
-          <p:sp>
-            <p:nvSpPr>
-              <p:cNvPr id="25" name="직사각형 24">
-                <a:extLst>
-                  <a:ext uri="{FF2B5EF4-FFF2-40B4-BE49-F238E27FC236}">
-                    <a16:creationId xmlns:a16="http://schemas.microsoft.com/office/drawing/2014/main" id="{002855CB-7B64-8415-39BF-C41788D6026A}"/>
-                  </a:ext>
-                </a:extLst>
-              </p:cNvPr>
-              <p:cNvSpPr/>
-              <p:nvPr/>
-            </p:nvSpPr>
-            <p:spPr>
-              <a:xfrm>
-                <a:off x="9573506" y="4124521"/>
-                <a:ext cx="1323092" cy="354681"/>
-              </a:xfrm>
-              <a:prstGeom prst="rect">
-                <a:avLst/>
-              </a:prstGeom>
-              <a:ln>
-                <a:tailEnd type="triangle"/>
-              </a:ln>
-            </p:spPr>
-            <p:style>
-              <a:lnRef idx="1">
-                <a:schemeClr val="dk1"/>
-              </a:lnRef>
-              <a:fillRef idx="0">
-                <a:schemeClr val="dk1"/>
-              </a:fillRef>
-              <a:effectRef idx="0">
-                <a:schemeClr val="dk1"/>
-              </a:effectRef>
-              <a:fontRef idx="minor">
-                <a:schemeClr val="tx1"/>
-              </a:fontRef>
-            </p:style>
-            <p:txBody>
-              <a:bodyPr rtlCol="0" anchor="ctr"/>
-              <a:lstStyle/>
-              <a:p>
-                <a:r>
-                  <a:rPr lang="en-US" altLang="ko-KR" sz="1000" dirty="0"/>
-                  <a:t>2-4 Stage</a:t>
-                </a:r>
-                <a:endParaRPr lang="ko-KR" altLang="en-US" sz="1000" dirty="0"/>
-              </a:p>
-            </p:txBody>
-          </p:sp>
-        </p:grpSp>
-        <p:sp>
-          <p:nvSpPr>
-            <p:cNvPr id="13" name="TextBox 12">
-              <a:extLst>
-                <a:ext uri="{FF2B5EF4-FFF2-40B4-BE49-F238E27FC236}">
-                  <a16:creationId xmlns:a16="http://schemas.microsoft.com/office/drawing/2014/main" id="{7DCE7A1E-8E23-0364-5788-14226EE41CAE}"/>
+                  <a16:creationId xmlns:a16="http://schemas.microsoft.com/office/drawing/2014/main" id="{12DB2F63-6A1A-C7DA-64AB-5B5E2CDFEB14}"/>
                 </a:ext>
               </a:extLst>
             </p:cNvPr>
@@ -45032,83 +46076,8 @@
           </p:nvSpPr>
           <p:spPr>
             <a:xfrm>
-              <a:off x="8330186" y="3868702"/>
-              <a:ext cx="1211735" cy="246221"/>
-            </a:xfrm>
-            <a:prstGeom prst="rect">
-              <a:avLst/>
-            </a:prstGeom>
-            <a:noFill/>
-          </p:spPr>
-          <p:txBody>
-            <a:bodyPr wrap="square" rtlCol="0">
-              <a:spAutoFit/>
-            </a:bodyPr>
-            <a:lstStyle/>
-            <a:p>
-              <a:r>
-                <a:rPr lang="ko-KR" altLang="en-US" sz="1000" dirty="0"/>
-                <a:t>최대 획득 </a:t>
-              </a:r>
-              <a:r>
-                <a:rPr lang="ko-KR" altLang="en-US" sz="1000" dirty="0" err="1"/>
-                <a:t>가능량</a:t>
-              </a:r>
-              <a:endParaRPr lang="ko-KR" altLang="en-US" sz="1000" dirty="0"/>
-            </a:p>
-          </p:txBody>
-        </p:sp>
-        <p:sp>
-          <p:nvSpPr>
-            <p:cNvPr id="17" name="TextBox 16">
-              <a:extLst>
-                <a:ext uri="{FF2B5EF4-FFF2-40B4-BE49-F238E27FC236}">
-                  <a16:creationId xmlns:a16="http://schemas.microsoft.com/office/drawing/2014/main" id="{B43E0B5B-7BD3-AE4E-581D-303C91CEDC27}"/>
-                </a:ext>
-              </a:extLst>
-            </p:cNvPr>
-            <p:cNvSpPr txBox="1"/>
-            <p:nvPr/>
-          </p:nvSpPr>
-          <p:spPr>
-            <a:xfrm>
-              <a:off x="8376222" y="3010497"/>
-              <a:ext cx="1036038" cy="246221"/>
-            </a:xfrm>
-            <a:prstGeom prst="rect">
-              <a:avLst/>
-            </a:prstGeom>
-            <a:noFill/>
-          </p:spPr>
-          <p:txBody>
-            <a:bodyPr wrap="square" rtlCol="0">
-              <a:spAutoFit/>
-            </a:bodyPr>
-            <a:lstStyle/>
-            <a:p>
-              <a:r>
-                <a:rPr lang="ko-KR" altLang="en-US" sz="1000" dirty="0"/>
-                <a:t>나의 소탕 효율</a:t>
-              </a:r>
-            </a:p>
-          </p:txBody>
-        </p:sp>
-        <p:sp>
-          <p:nvSpPr>
-            <p:cNvPr id="20" name="TextBox 19">
-              <a:extLst>
-                <a:ext uri="{FF2B5EF4-FFF2-40B4-BE49-F238E27FC236}">
-                  <a16:creationId xmlns:a16="http://schemas.microsoft.com/office/drawing/2014/main" id="{E9941AE6-06DC-5B03-32CB-BD7B25A7B15E}"/>
-                </a:ext>
-              </a:extLst>
-            </p:cNvPr>
-            <p:cNvSpPr txBox="1"/>
-            <p:nvPr/>
-          </p:nvSpPr>
-          <p:spPr>
-            <a:xfrm>
-              <a:off x="8333178" y="2080157"/>
-              <a:ext cx="2500063" cy="307777"/>
+              <a:off x="5216259" y="2407867"/>
+              <a:ext cx="2210159" cy="276999"/>
             </a:xfrm>
             <a:prstGeom prst="rect">
               <a:avLst/>
@@ -45123,64 +46092,48 @@
             <a:p>
               <a:pPr algn="ctr"/>
               <a:r>
-                <a:rPr lang="ko-KR" altLang="en-US" dirty="0"/>
-                <a:t>소탕</a:t>
+                <a:rPr lang="ko-KR" altLang="en-US" sz="1200" dirty="0"/>
+                <a:t>장착 중인 장비</a:t>
               </a:r>
             </a:p>
           </p:txBody>
         </p:sp>
-        <p:sp>
-          <p:nvSpPr>
-            <p:cNvPr id="21" name="곱하기 기호 20">
+        <p:pic>
+          <p:nvPicPr>
+            <p:cNvPr id="100" name="그림 99">
               <a:extLst>
                 <a:ext uri="{FF2B5EF4-FFF2-40B4-BE49-F238E27FC236}">
-                  <a16:creationId xmlns:a16="http://schemas.microsoft.com/office/drawing/2014/main" id="{37D89720-5446-DF0F-00C3-CA5617E228DE}"/>
+                  <a16:creationId xmlns:a16="http://schemas.microsoft.com/office/drawing/2014/main" id="{BD5C96F3-2703-2808-0B97-789FA36E10BF}"/>
                 </a:ext>
               </a:extLst>
             </p:cNvPr>
-            <p:cNvSpPr/>
+            <p:cNvPicPr>
+              <a:picLocks noChangeAspect="1"/>
+            </p:cNvPicPr>
             <p:nvPr/>
-          </p:nvSpPr>
+          </p:nvPicPr>
+          <p:blipFill>
+            <a:blip r:embed="rId8"/>
+            <a:stretch>
+              <a:fillRect/>
+            </a:stretch>
+          </p:blipFill>
           <p:spPr>
             <a:xfrm>
-              <a:off x="10494744" y="2092883"/>
-              <a:ext cx="207591" cy="207591"/>
+              <a:off x="5381134" y="2767775"/>
+              <a:ext cx="1860296" cy="768453"/>
             </a:xfrm>
-            <a:prstGeom prst="mathMultiply">
-              <a:avLst>
-                <a:gd name="adj1" fmla="val 12882"/>
-              </a:avLst>
+            <a:prstGeom prst="rect">
+              <a:avLst/>
             </a:prstGeom>
           </p:spPr>
-          <p:style>
-            <a:lnRef idx="2">
-              <a:schemeClr val="dk1"/>
-            </a:lnRef>
-            <a:fillRef idx="1">
-              <a:schemeClr val="lt1"/>
-            </a:fillRef>
-            <a:effectRef idx="0">
-              <a:schemeClr val="dk1"/>
-            </a:effectRef>
-            <a:fontRef idx="minor">
-              <a:schemeClr val="dk1"/>
-            </a:fontRef>
-          </p:style>
-          <p:txBody>
-            <a:bodyPr rtlCol="0" anchor="ctr"/>
-            <a:lstStyle/>
-            <a:p>
-              <a:pPr algn="ctr"/>
-              <a:endParaRPr lang="ko-KR" altLang="en-US"/>
-            </a:p>
-          </p:txBody>
-        </p:sp>
+        </p:pic>
         <p:sp>
           <p:nvSpPr>
-            <p:cNvPr id="56" name="TextBox 55">
+            <p:cNvPr id="102" name="TextBox 101">
               <a:extLst>
                 <a:ext uri="{FF2B5EF4-FFF2-40B4-BE49-F238E27FC236}">
-                  <a16:creationId xmlns:a16="http://schemas.microsoft.com/office/drawing/2014/main" id="{D15E74E0-5711-D654-337E-0C8432E3343C}"/>
+                  <a16:creationId xmlns:a16="http://schemas.microsoft.com/office/drawing/2014/main" id="{6BE6C456-29E5-0192-B748-74B312228C6F}"/>
                 </a:ext>
               </a:extLst>
             </p:cNvPr>
@@ -45189,8 +46142,8 @@
           </p:nvSpPr>
           <p:spPr>
             <a:xfrm>
-              <a:off x="7687384" y="4953676"/>
-              <a:ext cx="1281120" cy="246221"/>
+              <a:off x="5701407" y="3691277"/>
+              <a:ext cx="1239862" cy="215444"/>
             </a:xfrm>
             <a:prstGeom prst="rect">
               <a:avLst/>
@@ -45205,78 +46158,304 @@
             <a:p>
               <a:pPr algn="ctr"/>
               <a:r>
-                <a:rPr lang="ko-KR" altLang="en-US" sz="1000" dirty="0"/>
-                <a:t>소탕 스테이지 선택</a:t>
+                <a:rPr lang="ko-KR" altLang="en-US" sz="800" dirty="0" err="1"/>
+                <a:t>프리셋</a:t>
               </a:r>
+              <a:endParaRPr lang="ko-KR" altLang="en-US" sz="800" dirty="0"/>
             </a:p>
           </p:txBody>
         </p:sp>
-        <p:pic>
-          <p:nvPicPr>
-            <p:cNvPr id="57" name="그림 56" descr="노랑, 그래픽, 원, 디자인이(가) 표시된 사진&#10;&#10;자동 생성된 설명">
+        <p:sp>
+          <p:nvSpPr>
+            <p:cNvPr id="105" name="직사각형 104">
               <a:extLst>
                 <a:ext uri="{FF2B5EF4-FFF2-40B4-BE49-F238E27FC236}">
-                  <a16:creationId xmlns:a16="http://schemas.microsoft.com/office/drawing/2014/main" id="{1B5AD0E2-9D1C-D7AD-F46A-8CD0684A9115}"/>
+                  <a16:creationId xmlns:a16="http://schemas.microsoft.com/office/drawing/2014/main" id="{448D297A-8EF8-0B30-C0EC-519D2079DDF9}"/>
                 </a:ext>
               </a:extLst>
             </p:cNvPr>
-            <p:cNvPicPr>
-              <a:picLocks noChangeAspect="1"/>
-            </p:cNvPicPr>
+            <p:cNvSpPr/>
             <p:nvPr/>
-          </p:nvPicPr>
-          <p:blipFill>
-            <a:blip r:embed="rId5"/>
-            <a:stretch>
-              <a:fillRect/>
-            </a:stretch>
-          </p:blipFill>
+          </p:nvSpPr>
           <p:spPr>
             <a:xfrm>
-              <a:off x="8388045" y="4049276"/>
-              <a:ext cx="332217" cy="321781"/>
+              <a:off x="5397939" y="3991923"/>
+              <a:ext cx="314784" cy="314784"/>
             </a:xfrm>
             <a:prstGeom prst="rect">
               <a:avLst/>
             </a:prstGeom>
+            <a:noFill/>
+            <a:ln>
+              <a:solidFill>
+                <a:schemeClr val="bg1">
+                  <a:lumMod val="85000"/>
+                </a:schemeClr>
+              </a:solidFill>
+            </a:ln>
           </p:spPr>
-        </p:pic>
-        <p:pic>
-          <p:nvPicPr>
-            <p:cNvPr id="58" name="그림 57" descr="픽셀, 다채로움, 사각형, 상징이(가) 표시된 사진&#10;&#10;자동 생성된 설명">
+          <p:style>
+            <a:lnRef idx="2">
+              <a:schemeClr val="accent1">
+                <a:shade val="15000"/>
+              </a:schemeClr>
+            </a:lnRef>
+            <a:fillRef idx="1">
+              <a:schemeClr val="accent1"/>
+            </a:fillRef>
+            <a:effectRef idx="0">
+              <a:schemeClr val="accent1"/>
+            </a:effectRef>
+            <a:fontRef idx="minor">
+              <a:schemeClr val="lt1"/>
+            </a:fontRef>
+          </p:style>
+          <p:txBody>
+            <a:bodyPr rtlCol="0" anchor="ctr"/>
+            <a:lstStyle/>
+            <a:p>
+              <a:pPr algn="ctr"/>
+              <a:r>
+                <a:rPr lang="en-US" altLang="ko-KR" dirty="0">
+                  <a:solidFill>
+                    <a:schemeClr val="tx1"/>
+                  </a:solidFill>
+                </a:rPr>
+                <a:t>1</a:t>
+              </a:r>
+              <a:endParaRPr lang="ko-KR" altLang="en-US" dirty="0">
+                <a:solidFill>
+                  <a:schemeClr val="tx1"/>
+                </a:solidFill>
+              </a:endParaRPr>
+            </a:p>
+          </p:txBody>
+        </p:sp>
+        <p:sp>
+          <p:nvSpPr>
+            <p:cNvPr id="106" name="직사각형 105">
               <a:extLst>
                 <a:ext uri="{FF2B5EF4-FFF2-40B4-BE49-F238E27FC236}">
-                  <a16:creationId xmlns:a16="http://schemas.microsoft.com/office/drawing/2014/main" id="{EDBA8EE3-F4F6-7609-54C8-8A26A0AEF770}"/>
+                  <a16:creationId xmlns:a16="http://schemas.microsoft.com/office/drawing/2014/main" id="{D5481DC4-8757-CA5C-1B7C-2962BA10C88E}"/>
                 </a:ext>
               </a:extLst>
             </p:cNvPr>
-            <p:cNvPicPr>
-              <a:picLocks noChangeAspect="1"/>
-            </p:cNvPicPr>
+            <p:cNvSpPr/>
             <p:nvPr/>
-          </p:nvPicPr>
-          <p:blipFill>
-            <a:blip r:embed="rId6"/>
-            <a:stretch>
-              <a:fillRect/>
-            </a:stretch>
-          </p:blipFill>
+          </p:nvSpPr>
           <p:spPr>
             <a:xfrm>
-              <a:off x="8452507" y="4371362"/>
-              <a:ext cx="194787" cy="227751"/>
+              <a:off x="5897157" y="3991923"/>
+              <a:ext cx="314784" cy="314784"/>
             </a:xfrm>
             <a:prstGeom prst="rect">
               <a:avLst/>
             </a:prstGeom>
+            <a:noFill/>
+            <a:ln>
+              <a:solidFill>
+                <a:schemeClr val="bg1">
+                  <a:lumMod val="85000"/>
+                </a:schemeClr>
+              </a:solidFill>
+            </a:ln>
           </p:spPr>
-        </p:pic>
+          <p:style>
+            <a:lnRef idx="2">
+              <a:schemeClr val="accent1">
+                <a:shade val="15000"/>
+              </a:schemeClr>
+            </a:lnRef>
+            <a:fillRef idx="1">
+              <a:schemeClr val="accent1"/>
+            </a:fillRef>
+            <a:effectRef idx="0">
+              <a:schemeClr val="accent1"/>
+            </a:effectRef>
+            <a:fontRef idx="minor">
+              <a:schemeClr val="lt1"/>
+            </a:fontRef>
+          </p:style>
+          <p:txBody>
+            <a:bodyPr rtlCol="0" anchor="ctr"/>
+            <a:lstStyle/>
+            <a:p>
+              <a:pPr algn="ctr"/>
+              <a:r>
+                <a:rPr lang="en-US" altLang="ko-KR" dirty="0">
+                  <a:solidFill>
+                    <a:schemeClr val="tx1"/>
+                  </a:solidFill>
+                </a:rPr>
+                <a:t>2</a:t>
+              </a:r>
+              <a:endParaRPr lang="ko-KR" altLang="en-US" dirty="0">
+                <a:solidFill>
+                  <a:schemeClr val="tx1"/>
+                </a:solidFill>
+              </a:endParaRPr>
+            </a:p>
+          </p:txBody>
+        </p:sp>
         <p:sp>
           <p:nvSpPr>
-            <p:cNvPr id="59" name="TextBox 58">
+            <p:cNvPr id="107" name="직사각형 106">
               <a:extLst>
                 <a:ext uri="{FF2B5EF4-FFF2-40B4-BE49-F238E27FC236}">
-                  <a16:creationId xmlns:a16="http://schemas.microsoft.com/office/drawing/2014/main" id="{49F67CA9-26A7-274B-FE8F-60D2D9CE11E3}"/>
+                  <a16:creationId xmlns:a16="http://schemas.microsoft.com/office/drawing/2014/main" id="{E63FF8F0-8F2C-21AA-ED0D-B22DF1E9F1F8}"/>
+                </a:ext>
+              </a:extLst>
+            </p:cNvPr>
+            <p:cNvSpPr/>
+            <p:nvPr/>
+          </p:nvSpPr>
+          <p:spPr>
+            <a:xfrm>
+              <a:off x="6941269" y="3991923"/>
+              <a:ext cx="314784" cy="314784"/>
+            </a:xfrm>
+            <a:prstGeom prst="rect">
+              <a:avLst/>
+            </a:prstGeom>
+            <a:noFill/>
+            <a:ln>
+              <a:solidFill>
+                <a:schemeClr val="bg1">
+                  <a:lumMod val="85000"/>
+                </a:schemeClr>
+              </a:solidFill>
+            </a:ln>
+          </p:spPr>
+          <p:style>
+            <a:lnRef idx="2">
+              <a:schemeClr val="accent1">
+                <a:shade val="15000"/>
+              </a:schemeClr>
+            </a:lnRef>
+            <a:fillRef idx="1">
+              <a:schemeClr val="accent1"/>
+            </a:fillRef>
+            <a:effectRef idx="0">
+              <a:schemeClr val="accent1"/>
+            </a:effectRef>
+            <a:fontRef idx="minor">
+              <a:schemeClr val="lt1"/>
+            </a:fontRef>
+          </p:style>
+          <p:txBody>
+            <a:bodyPr rtlCol="0" anchor="ctr"/>
+            <a:lstStyle/>
+            <a:p>
+              <a:pPr algn="ctr"/>
+              <a:r>
+                <a:rPr lang="en-US" altLang="ko-KR" dirty="0">
+                  <a:solidFill>
+                    <a:schemeClr val="tx1"/>
+                  </a:solidFill>
+                </a:rPr>
+                <a:t>4</a:t>
+              </a:r>
+              <a:endParaRPr lang="ko-KR" altLang="en-US" dirty="0">
+                <a:solidFill>
+                  <a:schemeClr val="tx1"/>
+                </a:solidFill>
+              </a:endParaRPr>
+            </a:p>
+          </p:txBody>
+        </p:sp>
+        <p:sp>
+          <p:nvSpPr>
+            <p:cNvPr id="108" name="직사각형 107">
+              <a:extLst>
+                <a:ext uri="{FF2B5EF4-FFF2-40B4-BE49-F238E27FC236}">
+                  <a16:creationId xmlns:a16="http://schemas.microsoft.com/office/drawing/2014/main" id="{F3B95BA4-D57C-9843-DB33-1E9821D05C20}"/>
+                </a:ext>
+              </a:extLst>
+            </p:cNvPr>
+            <p:cNvSpPr/>
+            <p:nvPr/>
+          </p:nvSpPr>
+          <p:spPr>
+            <a:xfrm>
+              <a:off x="6411207" y="3991923"/>
+              <a:ext cx="314784" cy="314784"/>
+            </a:xfrm>
+            <a:prstGeom prst="rect">
+              <a:avLst/>
+            </a:prstGeom>
+            <a:noFill/>
+            <a:ln>
+              <a:solidFill>
+                <a:schemeClr val="bg1">
+                  <a:lumMod val="85000"/>
+                </a:schemeClr>
+              </a:solidFill>
+            </a:ln>
+          </p:spPr>
+          <p:style>
+            <a:lnRef idx="2">
+              <a:schemeClr val="accent1">
+                <a:shade val="15000"/>
+              </a:schemeClr>
+            </a:lnRef>
+            <a:fillRef idx="1">
+              <a:schemeClr val="accent1"/>
+            </a:fillRef>
+            <a:effectRef idx="0">
+              <a:schemeClr val="accent1"/>
+            </a:effectRef>
+            <a:fontRef idx="minor">
+              <a:schemeClr val="lt1"/>
+            </a:fontRef>
+          </p:style>
+          <p:txBody>
+            <a:bodyPr rtlCol="0" anchor="ctr"/>
+            <a:lstStyle/>
+            <a:p>
+              <a:pPr algn="ctr"/>
+              <a:r>
+                <a:rPr lang="en-US" altLang="ko-KR" dirty="0">
+                  <a:solidFill>
+                    <a:schemeClr val="tx1"/>
+                  </a:solidFill>
+                </a:rPr>
+                <a:t>3</a:t>
+              </a:r>
+              <a:endParaRPr lang="ko-KR" altLang="en-US" dirty="0">
+                <a:solidFill>
+                  <a:schemeClr val="tx1"/>
+                </a:solidFill>
+              </a:endParaRPr>
+            </a:p>
+          </p:txBody>
+        </p:sp>
+      </p:grpSp>
+      <p:grpSp>
+        <p:nvGrpSpPr>
+          <p:cNvPr id="111" name="그룹 110">
+            <a:extLst>
+              <a:ext uri="{FF2B5EF4-FFF2-40B4-BE49-F238E27FC236}">
+                <a16:creationId xmlns:a16="http://schemas.microsoft.com/office/drawing/2014/main" id="{F7E97201-64C6-819E-E933-D808E42789EA}"/>
+              </a:ext>
+            </a:extLst>
+          </p:cNvPr>
+          <p:cNvGrpSpPr/>
+          <p:nvPr/>
+        </p:nvGrpSpPr>
+        <p:grpSpPr>
+          <a:xfrm>
+            <a:off x="8725186" y="4408213"/>
+            <a:ext cx="1239862" cy="425198"/>
+            <a:chOff x="8725186" y="5597668"/>
+            <a:chExt cx="1239862" cy="425198"/>
+          </a:xfrm>
+        </p:grpSpPr>
+        <p:sp>
+          <p:nvSpPr>
+            <p:cNvPr id="85" name="TextBox 84">
+              <a:extLst>
+                <a:ext uri="{FF2B5EF4-FFF2-40B4-BE49-F238E27FC236}">
+                  <a16:creationId xmlns:a16="http://schemas.microsoft.com/office/drawing/2014/main" id="{D6D8E563-17BC-9AA5-7454-071569094315}"/>
                 </a:ext>
               </a:extLst>
             </p:cNvPr>
@@ -45285,8 +46464,8 @@
           </p:nvSpPr>
           <p:spPr>
             <a:xfrm>
-              <a:off x="8639352" y="4095091"/>
-              <a:ext cx="468398" cy="246221"/>
+              <a:off x="8725186" y="5597668"/>
+              <a:ext cx="1239862" cy="215444"/>
             </a:xfrm>
             <a:prstGeom prst="rect">
               <a:avLst/>
@@ -45300,19 +46479,18 @@
             <a:lstStyle/>
             <a:p>
               <a:r>
-                <a:rPr lang="en-US" altLang="ko-KR" sz="1000" dirty="0"/>
-                <a:t>10/m</a:t>
+                <a:rPr lang="ko-KR" altLang="en-US" sz="800" dirty="0"/>
+                <a:t>예상 처치 수</a:t>
               </a:r>
-              <a:endParaRPr lang="ko-KR" altLang="en-US" sz="1000" dirty="0"/>
             </a:p>
           </p:txBody>
         </p:sp>
         <p:sp>
           <p:nvSpPr>
-            <p:cNvPr id="60" name="TextBox 59">
+            <p:cNvPr id="109" name="TextBox 108">
               <a:extLst>
                 <a:ext uri="{FF2B5EF4-FFF2-40B4-BE49-F238E27FC236}">
-                  <a16:creationId xmlns:a16="http://schemas.microsoft.com/office/drawing/2014/main" id="{C6DD1344-7ED9-1E19-D394-0187508C2E98}"/>
+                  <a16:creationId xmlns:a16="http://schemas.microsoft.com/office/drawing/2014/main" id="{53818E8D-8730-423D-3967-E9DE2810341F}"/>
                 </a:ext>
               </a:extLst>
             </p:cNvPr>
@@ -45321,8 +46499,8 @@
           </p:nvSpPr>
           <p:spPr>
             <a:xfrm>
-              <a:off x="8639352" y="4396438"/>
-              <a:ext cx="468398" cy="246221"/>
+              <a:off x="8728338" y="5761256"/>
+              <a:ext cx="922047" cy="261610"/>
             </a:xfrm>
             <a:prstGeom prst="rect">
               <a:avLst/>
@@ -45330,148 +46508,16 @@
             <a:noFill/>
           </p:spPr>
           <p:txBody>
-            <a:bodyPr wrap="square" rtlCol="0">
+            <a:bodyPr wrap="none" rtlCol="0">
               <a:spAutoFit/>
             </a:bodyPr>
             <a:lstStyle/>
             <a:p>
               <a:r>
-                <a:rPr lang="en-US" altLang="ko-KR" sz="1000" dirty="0"/>
-                <a:t>27/m</a:t>
+                <a:rPr lang="en-US" altLang="ko-KR" sz="1100" dirty="0"/>
+                <a:t>1801 Kill / h</a:t>
               </a:r>
-              <a:endParaRPr lang="ko-KR" altLang="en-US" sz="1000" dirty="0"/>
-            </a:p>
-          </p:txBody>
-        </p:sp>
-        <p:pic>
-          <p:nvPicPr>
-            <p:cNvPr id="63" name="그림 62" descr="노랑, 그래픽, 원, 디자인이(가) 표시된 사진&#10;&#10;자동 생성된 설명">
-              <a:extLst>
-                <a:ext uri="{FF2B5EF4-FFF2-40B4-BE49-F238E27FC236}">
-                  <a16:creationId xmlns:a16="http://schemas.microsoft.com/office/drawing/2014/main" id="{16E88947-48FE-DBAF-DC0E-04980C25ADEF}"/>
-                </a:ext>
-              </a:extLst>
-            </p:cNvPr>
-            <p:cNvPicPr>
-              <a:picLocks noChangeAspect="1"/>
-            </p:cNvPicPr>
-            <p:nvPr/>
-          </p:nvPicPr>
-          <p:blipFill>
-            <a:blip r:embed="rId5"/>
-            <a:stretch>
-              <a:fillRect/>
-            </a:stretch>
-          </p:blipFill>
-          <p:spPr>
-            <a:xfrm>
-              <a:off x="8388045" y="3195914"/>
-              <a:ext cx="332217" cy="321781"/>
-            </a:xfrm>
-            <a:prstGeom prst="rect">
-              <a:avLst/>
-            </a:prstGeom>
-          </p:spPr>
-        </p:pic>
-        <p:pic>
-          <p:nvPicPr>
-            <p:cNvPr id="64" name="그림 63" descr="픽셀, 다채로움, 사각형, 상징이(가) 표시된 사진&#10;&#10;자동 생성된 설명">
-              <a:extLst>
-                <a:ext uri="{FF2B5EF4-FFF2-40B4-BE49-F238E27FC236}">
-                  <a16:creationId xmlns:a16="http://schemas.microsoft.com/office/drawing/2014/main" id="{53715F09-8436-E245-018D-51B3901411F4}"/>
-                </a:ext>
-              </a:extLst>
-            </p:cNvPr>
-            <p:cNvPicPr>
-              <a:picLocks noChangeAspect="1"/>
-            </p:cNvPicPr>
-            <p:nvPr/>
-          </p:nvPicPr>
-          <p:blipFill>
-            <a:blip r:embed="rId6"/>
-            <a:stretch>
-              <a:fillRect/>
-            </a:stretch>
-          </p:blipFill>
-          <p:spPr>
-            <a:xfrm>
-              <a:off x="8452507" y="3518000"/>
-              <a:ext cx="194787" cy="227751"/>
-            </a:xfrm>
-            <a:prstGeom prst="rect">
-              <a:avLst/>
-            </a:prstGeom>
-          </p:spPr>
-        </p:pic>
-        <p:sp>
-          <p:nvSpPr>
-            <p:cNvPr id="65" name="TextBox 64">
-              <a:extLst>
-                <a:ext uri="{FF2B5EF4-FFF2-40B4-BE49-F238E27FC236}">
-                  <a16:creationId xmlns:a16="http://schemas.microsoft.com/office/drawing/2014/main" id="{6E051E20-943F-467F-A842-B0D41ED3255E}"/>
-                </a:ext>
-              </a:extLst>
-            </p:cNvPr>
-            <p:cNvSpPr txBox="1"/>
-            <p:nvPr/>
-          </p:nvSpPr>
-          <p:spPr>
-            <a:xfrm>
-              <a:off x="8639352" y="3241729"/>
-              <a:ext cx="397866" cy="246221"/>
-            </a:xfrm>
-            <a:prstGeom prst="rect">
-              <a:avLst/>
-            </a:prstGeom>
-            <a:noFill/>
-          </p:spPr>
-          <p:txBody>
-            <a:bodyPr wrap="square" rtlCol="0">
-              <a:spAutoFit/>
-            </a:bodyPr>
-            <a:lstStyle/>
-            <a:p>
-              <a:r>
-                <a:rPr lang="en-US" altLang="ko-KR" sz="1000" dirty="0"/>
-                <a:t>8/m</a:t>
-              </a:r>
-              <a:endParaRPr lang="ko-KR" altLang="en-US" sz="1000" dirty="0"/>
-            </a:p>
-          </p:txBody>
-        </p:sp>
-        <p:sp>
-          <p:nvSpPr>
-            <p:cNvPr id="66" name="TextBox 65">
-              <a:extLst>
-                <a:ext uri="{FF2B5EF4-FFF2-40B4-BE49-F238E27FC236}">
-                  <a16:creationId xmlns:a16="http://schemas.microsoft.com/office/drawing/2014/main" id="{68A29D8C-0308-927F-504F-5C69AB396349}"/>
-                </a:ext>
-              </a:extLst>
-            </p:cNvPr>
-            <p:cNvSpPr txBox="1"/>
-            <p:nvPr/>
-          </p:nvSpPr>
-          <p:spPr>
-            <a:xfrm>
-              <a:off x="8639352" y="3543076"/>
-              <a:ext cx="468398" cy="246221"/>
-            </a:xfrm>
-            <a:prstGeom prst="rect">
-              <a:avLst/>
-            </a:prstGeom>
-            <a:noFill/>
-          </p:spPr>
-          <p:txBody>
-            <a:bodyPr wrap="square" rtlCol="0">
-              <a:spAutoFit/>
-            </a:bodyPr>
-            <a:lstStyle/>
-            <a:p>
-              <a:r>
-                <a:rPr lang="en-US" altLang="ko-KR" sz="1000" dirty="0"/>
-                <a:t>21/m</a:t>
-              </a:r>
-              <a:endParaRPr lang="ko-KR" altLang="en-US" sz="1000" dirty="0"/>
+              <a:endParaRPr lang="ko-KR" altLang="en-US" sz="1100" dirty="0"/>
             </a:p>
           </p:txBody>
         </p:sp>

--- a/GameDesign/팀펄_UI기획.pptx
+++ b/GameDesign/팀펄_UI기획.pptx
@@ -275,7 +275,7 @@
       </p15:sldGuideLst>
     </p:ext>
     <p:ext uri="http://customooxmlschemas.google.com/">
-      <go:slidesCustomData xmlns="" xmlns:mc="http://schemas.openxmlformats.org/markup-compatibility/2006" xmlns:mv="urn:schemas-microsoft-com:mac:vml" xmlns:c="http://schemas.openxmlformats.org/drawingml/2006/chart" xmlns:dgm="http://schemas.openxmlformats.org/drawingml/2006/diagram" xmlns:o="urn:schemas-microsoft-com:office:office" xmlns:v="urn:schemas-microsoft-com:vml" xmlns:pvml="urn:schemas-microsoft-com:office:powerpoint" xmlns:com="http://schemas.openxmlformats.org/drawingml/2006/compatibility" xmlns:p14="http://schemas.microsoft.com/office/powerpoint/2010/main" xmlns:p15="http://schemas.microsoft.com/office/powerpoint/2012/main" xmlns:ahyp="http://schemas.microsoft.com/office/drawing/2018/hyperlinkcolor" xmlns:go="http://customooxmlschemas.google.com/" r:id="rId30" roundtripDataSignature="AMtx7miiSHJ3XJ4MW2M590OQDNRXdaDwBQ=="/>
+      <go:slidesCustomData xmlns:go="http://customooxmlschemas.google.com/" xmlns:ahyp="http://schemas.microsoft.com/office/drawing/2018/hyperlinkcolor" xmlns:p15="http://schemas.microsoft.com/office/powerpoint/2012/main" xmlns:p14="http://schemas.microsoft.com/office/powerpoint/2010/main" xmlns:com="http://schemas.openxmlformats.org/drawingml/2006/compatibility" xmlns:pvml="urn:schemas-microsoft-com:office:powerpoint" xmlns:v="urn:schemas-microsoft-com:vml" xmlns:o="urn:schemas-microsoft-com:office:office" xmlns:dgm="http://schemas.openxmlformats.org/drawingml/2006/diagram" xmlns:c="http://schemas.openxmlformats.org/drawingml/2006/chart" xmlns:mv="urn:schemas-microsoft-com:mac:vml" xmlns:mc="http://schemas.openxmlformats.org/markup-compatibility/2006" xmlns="" r:id="rId30" roundtripDataSignature="AMtx7miiSHJ3XJ4MW2M590OQDNRXdaDwBQ=="/>
     </p:ext>
   </p:extLst>
 </p:presentation>
@@ -15448,7 +15448,7 @@
             <p:spPr>
               <a:xfrm>
                 <a:off x="5743908" y="4306420"/>
-                <a:ext cx="782587" cy="172414"/>
+                <a:ext cx="782587" cy="126977"/>
               </a:xfrm>
               <a:prstGeom prst="rect">
                 <a:avLst/>
@@ -15464,7 +15464,7 @@
                 <a:pPr algn="ctr"/>
                 <a:r>
                   <a:rPr lang="en-US" altLang="ko-KR" sz="1000" dirty="0"/>
-                  <a:t>SR </a:t>
+                  <a:t>AR </a:t>
                 </a:r>
                 <a:r>
                   <a:rPr lang="ko-KR" altLang="en-US" sz="1000" dirty="0" err="1"/>
@@ -42325,8 +42325,8 @@
           </p:nvSpPr>
           <p:spPr>
             <a:xfrm>
-              <a:off x="10513459" y="2888343"/>
-              <a:ext cx="918902" cy="333828"/>
+              <a:off x="10572765" y="2888343"/>
+              <a:ext cx="918902" cy="333829"/>
             </a:xfrm>
             <a:prstGeom prst="rect">
               <a:avLst/>
@@ -46007,8 +46007,8 @@
         </p:nvGrpSpPr>
         <p:grpSpPr>
           <a:xfrm>
-            <a:off x="5216539" y="1959429"/>
-            <a:ext cx="2462868" cy="2873982"/>
+            <a:off x="5216538" y="2025928"/>
+            <a:ext cx="2600661" cy="2748809"/>
             <a:chOff x="5216259" y="2294084"/>
             <a:chExt cx="2210159" cy="2153928"/>
           </a:xfrm>

--- a/GameDesign/팀펄_UI기획.pptx
+++ b/GameDesign/팀펄_UI기획.pptx
@@ -15746,15 +15746,7 @@
             <a:p>
               <a:r>
                 <a:rPr lang="ko-KR" altLang="en-US" sz="800" dirty="0"/>
-                <a:t>재화 </a:t>
-              </a:r>
-              <a:r>
-                <a:rPr lang="ko-KR" altLang="en-US" sz="800" dirty="0" err="1"/>
-                <a:t>획득량</a:t>
-              </a:r>
-              <a:r>
-                <a:rPr lang="ko-KR" altLang="en-US" sz="800" dirty="0"/>
-                <a:t> </a:t>
+                <a:t>공격력 </a:t>
               </a:r>
               <a:r>
                 <a:rPr lang="en-US" altLang="ko-KR" sz="800" dirty="0"/>
@@ -15794,9 +15786,12 @@
             <a:p>
               <a:r>
                 <a:rPr lang="ko-KR" altLang="en-US" sz="1000" dirty="0"/>
-                <a:t>공격력</a:t>
+                <a:t>최대 </a:t>
               </a:r>
-              <a:endParaRPr lang="en-US" altLang="ko-KR" sz="1000" dirty="0"/>
+              <a:r>
+                <a:rPr lang="en-US" altLang="ko-KR" sz="1000" dirty="0"/>
+                <a:t>HP</a:t>
+              </a:r>
             </a:p>
             <a:p>
               <a:r>
@@ -15807,11 +15802,19 @@
             <a:p>
               <a:r>
                 <a:rPr lang="ko-KR" altLang="en-US" sz="800" dirty="0"/>
-                <a:t>캐릭터 공격력 </a:t>
+                <a:t>최대 </a:t>
               </a:r>
               <a:r>
                 <a:rPr lang="en-US" altLang="ko-KR" sz="800" dirty="0"/>
-                <a:t>+72</a:t>
+                <a:t>HP</a:t>
+              </a:r>
+              <a:r>
+                <a:rPr lang="ko-KR" altLang="en-US" sz="800" dirty="0"/>
+                <a:t> </a:t>
+              </a:r>
+              <a:r>
+                <a:rPr lang="en-US" altLang="ko-KR" sz="800" dirty="0"/>
+                <a:t>+720</a:t>
               </a:r>
               <a:endParaRPr lang="ko-KR" altLang="en-US" sz="800" dirty="0"/>
             </a:p>
@@ -15847,29 +15850,25 @@
             <a:p>
               <a:r>
                 <a:rPr lang="ko-KR" altLang="en-US" sz="1000" dirty="0"/>
-                <a:t>최대 </a:t>
+                <a:t>이동속도</a:t>
               </a:r>
-              <a:r>
-                <a:rPr lang="en-US" altLang="ko-KR" sz="1000" dirty="0"/>
-                <a:t>HP</a:t>
-              </a:r>
+              <a:endParaRPr lang="en-US" altLang="ko-KR" sz="1000" dirty="0"/>
             </a:p>
             <a:p>
               <a:r>
                 <a:rPr lang="en-US" altLang="ko-KR" sz="800" dirty="0"/>
-                <a:t>Lv.72</a:t>
+                <a:t>Lv.15</a:t>
               </a:r>
             </a:p>
             <a:p>
               <a:r>
                 <a:rPr lang="ko-KR" altLang="en-US" sz="800" dirty="0"/>
-                <a:t>최대 </a:t>
+                <a:t>이동속도 </a:t>
               </a:r>
               <a:r>
                 <a:rPr lang="en-US" altLang="ko-KR" sz="800" dirty="0"/>
-                <a:t>HP +360</a:t>
+                <a:t>15</a:t>
               </a:r>
-              <a:endParaRPr lang="ko-KR" altLang="en-US" sz="800" dirty="0"/>
             </a:p>
           </p:txBody>
         </p:sp>
@@ -20577,6 +20576,9 @@
                 <a:prstGeom prst="rect">
                   <a:avLst/>
                 </a:prstGeom>
+                <a:solidFill>
+                  <a:srgbClr val="00FF48"/>
+                </a:solidFill>
               </p:spPr>
               <p:style>
                 <a:lnRef idx="2">
@@ -43337,10 +43339,10 @@
       </p:sp>
       <p:grpSp>
         <p:nvGrpSpPr>
-          <p:cNvPr id="70" name="그룹 69">
+          <p:cNvPr id="5" name="그룹 4">
             <a:extLst>
               <a:ext uri="{FF2B5EF4-FFF2-40B4-BE49-F238E27FC236}">
-                <a16:creationId xmlns:a16="http://schemas.microsoft.com/office/drawing/2014/main" id="{930E9515-F555-F950-9F86-309849C0D069}"/>
+                <a16:creationId xmlns:a16="http://schemas.microsoft.com/office/drawing/2014/main" id="{C1D10736-2113-BF1A-AB69-F5B689CE54D6}"/>
               </a:ext>
             </a:extLst>
           </p:cNvPr>
@@ -43350,17 +43352,47 @@
         <p:grpSpPr>
           <a:xfrm>
             <a:off x="1046063" y="2602563"/>
-            <a:ext cx="3861603" cy="1867331"/>
-            <a:chOff x="838201" y="2455177"/>
-            <a:chExt cx="3861603" cy="1867331"/>
+            <a:ext cx="3368037" cy="1867331"/>
+            <a:chOff x="1457536" y="2701214"/>
+            <a:chExt cx="3902903" cy="2195385"/>
           </a:xfrm>
         </p:grpSpPr>
+        <p:pic>
+          <p:nvPicPr>
+            <p:cNvPr id="15" name="그림 14" descr="상자, 용기, 목재이(가) 표시된 사진&#10;&#10;자동 생성된 설명">
+              <a:extLst>
+                <a:ext uri="{FF2B5EF4-FFF2-40B4-BE49-F238E27FC236}">
+                  <a16:creationId xmlns:a16="http://schemas.microsoft.com/office/drawing/2014/main" id="{5864F865-3263-1594-6408-CFB8740742E2}"/>
+                </a:ext>
+              </a:extLst>
+            </p:cNvPr>
+            <p:cNvPicPr>
+              <a:picLocks noChangeAspect="1"/>
+            </p:cNvPicPr>
+            <p:nvPr/>
+          </p:nvPicPr>
+          <p:blipFill>
+            <a:blip r:embed="rId3"/>
+            <a:stretch>
+              <a:fillRect/>
+            </a:stretch>
+          </p:blipFill>
+          <p:spPr>
+            <a:xfrm>
+              <a:off x="2978223" y="3712525"/>
+              <a:ext cx="836474" cy="810537"/>
+            </a:xfrm>
+            <a:prstGeom prst="rect">
+              <a:avLst/>
+            </a:prstGeom>
+          </p:spPr>
+        </p:pic>
         <p:grpSp>
           <p:nvGrpSpPr>
-            <p:cNvPr id="5" name="그룹 4">
+            <p:cNvPr id="16" name="그룹 15">
               <a:extLst>
                 <a:ext uri="{FF2B5EF4-FFF2-40B4-BE49-F238E27FC236}">
-                  <a16:creationId xmlns:a16="http://schemas.microsoft.com/office/drawing/2014/main" id="{C1D10736-2113-BF1A-AB69-F5B689CE54D6}"/>
+                  <a16:creationId xmlns:a16="http://schemas.microsoft.com/office/drawing/2014/main" id="{5AFE893B-D137-1922-9847-C77771C58E83}"/>
                 </a:ext>
               </a:extLst>
             </p:cNvPr>
@@ -43369,18 +43401,18 @@
           </p:nvGrpSpPr>
           <p:grpSpPr>
             <a:xfrm>
-              <a:off x="838201" y="2455177"/>
-              <a:ext cx="3368037" cy="1867331"/>
-              <a:chOff x="1457536" y="2701214"/>
+              <a:off x="1457536" y="2701214"/>
+              <a:ext cx="3902903" cy="2195385"/>
+              <a:chOff x="1089236" y="2701214"/>
               <a:chExt cx="3902903" cy="2195385"/>
             </a:xfrm>
           </p:grpSpPr>
           <p:pic>
             <p:nvPicPr>
-              <p:cNvPr id="15" name="그림 14" descr="상자, 용기, 목재이(가) 표시된 사진&#10;&#10;자동 생성된 설명">
+              <p:cNvPr id="44" name="그림 43" descr="픽셀, 패턴이(가) 표시된 사진&#10;&#10;자동 생성된 설명">
                 <a:extLst>
                   <a:ext uri="{FF2B5EF4-FFF2-40B4-BE49-F238E27FC236}">
-                    <a16:creationId xmlns:a16="http://schemas.microsoft.com/office/drawing/2014/main" id="{5864F865-3263-1594-6408-CFB8740742E2}"/>
+                    <a16:creationId xmlns:a16="http://schemas.microsoft.com/office/drawing/2014/main" id="{0C210447-E44E-364B-3655-D31536817984}"/>
                   </a:ext>
                 </a:extLst>
               </p:cNvPr>
@@ -43390,543 +43422,27 @@
               <p:nvPr/>
             </p:nvPicPr>
             <p:blipFill>
-              <a:blip r:embed="rId3"/>
+              <a:blip r:embed="rId4"/>
               <a:stretch>
                 <a:fillRect/>
               </a:stretch>
             </p:blipFill>
             <p:spPr>
               <a:xfrm>
-                <a:off x="2978223" y="3712525"/>
-                <a:ext cx="836474" cy="810537"/>
+                <a:off x="2121939" y="3643570"/>
+                <a:ext cx="349561" cy="681890"/>
               </a:xfrm>
               <a:prstGeom prst="rect">
                 <a:avLst/>
               </a:prstGeom>
             </p:spPr>
           </p:pic>
-          <p:grpSp>
-            <p:nvGrpSpPr>
-              <p:cNvPr id="16" name="그룹 15">
+          <p:sp>
+            <p:nvSpPr>
+              <p:cNvPr id="45" name="직사각형 44">
                 <a:extLst>
                   <a:ext uri="{FF2B5EF4-FFF2-40B4-BE49-F238E27FC236}">
-                    <a16:creationId xmlns:a16="http://schemas.microsoft.com/office/drawing/2014/main" id="{5AFE893B-D137-1922-9847-C77771C58E83}"/>
-                  </a:ext>
-                </a:extLst>
-              </p:cNvPr>
-              <p:cNvGrpSpPr/>
-              <p:nvPr/>
-            </p:nvGrpSpPr>
-            <p:grpSpPr>
-              <a:xfrm>
-                <a:off x="1457536" y="2701214"/>
-                <a:ext cx="3902903" cy="2195385"/>
-                <a:chOff x="1089236" y="2701214"/>
-                <a:chExt cx="3902903" cy="2195385"/>
-              </a:xfrm>
-            </p:grpSpPr>
-            <p:pic>
-              <p:nvPicPr>
-                <p:cNvPr id="44" name="그림 43" descr="픽셀, 패턴이(가) 표시된 사진&#10;&#10;자동 생성된 설명">
-                  <a:extLst>
-                    <a:ext uri="{FF2B5EF4-FFF2-40B4-BE49-F238E27FC236}">
-                      <a16:creationId xmlns:a16="http://schemas.microsoft.com/office/drawing/2014/main" id="{0C210447-E44E-364B-3655-D31536817984}"/>
-                    </a:ext>
-                  </a:extLst>
-                </p:cNvPr>
-                <p:cNvPicPr>
-                  <a:picLocks noChangeAspect="1"/>
-                </p:cNvPicPr>
-                <p:nvPr/>
-              </p:nvPicPr>
-              <p:blipFill>
-                <a:blip r:embed="rId4"/>
-                <a:stretch>
-                  <a:fillRect/>
-                </a:stretch>
-              </p:blipFill>
-              <p:spPr>
-                <a:xfrm>
-                  <a:off x="2121939" y="3643570"/>
-                  <a:ext cx="349561" cy="681890"/>
-                </a:xfrm>
-                <a:prstGeom prst="rect">
-                  <a:avLst/>
-                </a:prstGeom>
-              </p:spPr>
-            </p:pic>
-            <p:sp>
-              <p:nvSpPr>
-                <p:cNvPr id="45" name="직사각형 44">
-                  <a:extLst>
-                    <a:ext uri="{FF2B5EF4-FFF2-40B4-BE49-F238E27FC236}">
-                      <a16:creationId xmlns:a16="http://schemas.microsoft.com/office/drawing/2014/main" id="{F35D79D5-9A45-9277-C546-97B4116F9AF1}"/>
-                    </a:ext>
-                  </a:extLst>
-                </p:cNvPr>
-                <p:cNvSpPr/>
-                <p:nvPr/>
-              </p:nvSpPr>
-              <p:spPr>
-                <a:xfrm>
-                  <a:off x="1089237" y="2701214"/>
-                  <a:ext cx="3902901" cy="2195385"/>
-                </a:xfrm>
-                <a:prstGeom prst="rect">
-                  <a:avLst/>
-                </a:prstGeom>
-                <a:noFill/>
-              </p:spPr>
-              <p:style>
-                <a:lnRef idx="2">
-                  <a:schemeClr val="accent1">
-                    <a:shade val="15000"/>
-                  </a:schemeClr>
-                </a:lnRef>
-                <a:fillRef idx="1">
-                  <a:schemeClr val="accent1"/>
-                </a:fillRef>
-                <a:effectRef idx="0">
-                  <a:schemeClr val="accent1"/>
-                </a:effectRef>
-                <a:fontRef idx="minor">
-                  <a:schemeClr val="lt1"/>
-                </a:fontRef>
-              </p:style>
-              <p:txBody>
-                <a:bodyPr rtlCol="0" anchor="ctr"/>
-                <a:lstStyle/>
-                <a:p>
-                  <a:pPr algn="ctr"/>
-                  <a:endParaRPr lang="ko-KR" altLang="en-US"/>
-                </a:p>
-              </p:txBody>
-            </p:sp>
-            <p:pic>
-              <p:nvPicPr>
-                <p:cNvPr id="46" name="그림 45">
-                  <a:extLst>
-                    <a:ext uri="{FF2B5EF4-FFF2-40B4-BE49-F238E27FC236}">
-                      <a16:creationId xmlns:a16="http://schemas.microsoft.com/office/drawing/2014/main" id="{F7980A75-3DEB-F0CF-73CB-25CA7837F509}"/>
-                    </a:ext>
-                  </a:extLst>
-                </p:cNvPr>
-                <p:cNvPicPr>
-                  <a:picLocks noChangeAspect="1"/>
-                </p:cNvPicPr>
-                <p:nvPr/>
-              </p:nvPicPr>
-              <p:blipFill>
-                <a:blip r:embed="rId5"/>
-                <a:stretch>
-                  <a:fillRect/>
-                </a:stretch>
-              </p:blipFill>
-              <p:spPr>
-                <a:xfrm flipH="1">
-                  <a:off x="3607209" y="3444643"/>
-                  <a:ext cx="349561" cy="903034"/>
-                </a:xfrm>
-                <a:prstGeom prst="rect">
-                  <a:avLst/>
-                </a:prstGeom>
-              </p:spPr>
-            </p:pic>
-            <p:sp>
-              <p:nvSpPr>
-                <p:cNvPr id="47" name="TextBox 46">
-                  <a:extLst>
-                    <a:ext uri="{FF2B5EF4-FFF2-40B4-BE49-F238E27FC236}">
-                      <a16:creationId xmlns:a16="http://schemas.microsoft.com/office/drawing/2014/main" id="{F04DAC20-8CEF-6A18-4BFC-457B816C46A4}"/>
-                    </a:ext>
-                  </a:extLst>
-                </p:cNvPr>
-                <p:cNvSpPr txBox="1"/>
-                <p:nvPr/>
-              </p:nvSpPr>
-              <p:spPr>
-                <a:xfrm>
-                  <a:off x="2443292" y="3027325"/>
-                  <a:ext cx="1194790" cy="361847"/>
-                </a:xfrm>
-                <a:prstGeom prst="rect">
-                  <a:avLst/>
-                </a:prstGeom>
-                <a:noFill/>
-              </p:spPr>
-              <p:txBody>
-                <a:bodyPr wrap="none" rtlCol="0">
-                  <a:spAutoFit/>
-                </a:bodyPr>
-                <a:lstStyle/>
-                <a:p>
-                  <a:pPr algn="ctr"/>
-                  <a:r>
-                    <a:rPr lang="en-US" altLang="ko-KR" dirty="0"/>
-                    <a:t>3-2 </a:t>
-                  </a:r>
-                  <a:r>
-                    <a:rPr lang="ko-KR" altLang="en-US" dirty="0" err="1"/>
-                    <a:t>소탕중</a:t>
-                  </a:r>
-                  <a:endParaRPr lang="en-US" altLang="ko-KR" dirty="0"/>
-                </a:p>
-              </p:txBody>
-            </p:sp>
-            <p:sp>
-              <p:nvSpPr>
-                <p:cNvPr id="48" name="폭발: 8pt 47">
-                  <a:extLst>
-                    <a:ext uri="{FF2B5EF4-FFF2-40B4-BE49-F238E27FC236}">
-                      <a16:creationId xmlns:a16="http://schemas.microsoft.com/office/drawing/2014/main" id="{5EC62B7C-D9DE-8BE4-96D6-0D460D7992C1}"/>
-                    </a:ext>
-                  </a:extLst>
-                </p:cNvPr>
-                <p:cNvSpPr/>
-                <p:nvPr/>
-              </p:nvSpPr>
-              <p:spPr>
-                <a:xfrm>
-                  <a:off x="3759168" y="3774140"/>
-                  <a:ext cx="358414" cy="358414"/>
-                </a:xfrm>
-                <a:prstGeom prst="irregularSeal1">
-                  <a:avLst/>
-                </a:prstGeom>
-                <a:solidFill>
-                  <a:srgbClr val="FF0000"/>
-                </a:solidFill>
-                <a:ln>
-                  <a:noFill/>
-                </a:ln>
-              </p:spPr>
-              <p:style>
-                <a:lnRef idx="2">
-                  <a:schemeClr val="accent1">
-                    <a:shade val="15000"/>
-                  </a:schemeClr>
-                </a:lnRef>
-                <a:fillRef idx="1">
-                  <a:schemeClr val="accent1"/>
-                </a:fillRef>
-                <a:effectRef idx="0">
-                  <a:schemeClr val="accent1"/>
-                </a:effectRef>
-                <a:fontRef idx="minor">
-                  <a:schemeClr val="lt1"/>
-                </a:fontRef>
-              </p:style>
-              <p:txBody>
-                <a:bodyPr rtlCol="0" anchor="ctr"/>
-                <a:lstStyle/>
-                <a:p>
-                  <a:pPr algn="ctr"/>
-                  <a:endParaRPr lang="ko-KR" altLang="en-US" dirty="0"/>
-                </a:p>
-              </p:txBody>
-            </p:sp>
-            <p:sp>
-              <p:nvSpPr>
-                <p:cNvPr id="49" name="직사각형 48">
-                  <a:extLst>
-                    <a:ext uri="{FF2B5EF4-FFF2-40B4-BE49-F238E27FC236}">
-                      <a16:creationId xmlns:a16="http://schemas.microsoft.com/office/drawing/2014/main" id="{D5287320-448E-BEAC-57F6-EC7B92402664}"/>
-                    </a:ext>
-                  </a:extLst>
-                </p:cNvPr>
-                <p:cNvSpPr/>
-                <p:nvPr/>
-              </p:nvSpPr>
-              <p:spPr>
-                <a:xfrm>
-                  <a:off x="4177982" y="4553340"/>
-                  <a:ext cx="814157" cy="343259"/>
-                </a:xfrm>
-                <a:prstGeom prst="rect">
-                  <a:avLst/>
-                </a:prstGeom>
-                <a:noFill/>
-                <a:ln>
-                  <a:solidFill>
-                    <a:schemeClr val="tx1"/>
-                  </a:solidFill>
-                </a:ln>
-              </p:spPr>
-              <p:style>
-                <a:lnRef idx="2">
-                  <a:schemeClr val="accent1">
-                    <a:shade val="15000"/>
-                  </a:schemeClr>
-                </a:lnRef>
-                <a:fillRef idx="1">
-                  <a:schemeClr val="accent1"/>
-                </a:fillRef>
-                <a:effectRef idx="0">
-                  <a:schemeClr val="accent1"/>
-                </a:effectRef>
-                <a:fontRef idx="minor">
-                  <a:schemeClr val="lt1"/>
-                </a:fontRef>
-              </p:style>
-              <p:txBody>
-                <a:bodyPr rtlCol="0" anchor="ctr"/>
-                <a:lstStyle/>
-                <a:p>
-                  <a:pPr algn="ctr"/>
-                  <a:r>
-                    <a:rPr lang="ko-KR" altLang="en-US" sz="1200" dirty="0">
-                      <a:solidFill>
-                        <a:schemeClr val="tx1"/>
-                      </a:solidFill>
-                    </a:rPr>
-                    <a:t>포탈</a:t>
-                  </a:r>
-                </a:p>
-              </p:txBody>
-            </p:sp>
-            <p:sp>
-              <p:nvSpPr>
-                <p:cNvPr id="50" name="직사각형 49">
-                  <a:extLst>
-                    <a:ext uri="{FF2B5EF4-FFF2-40B4-BE49-F238E27FC236}">
-                      <a16:creationId xmlns:a16="http://schemas.microsoft.com/office/drawing/2014/main" id="{0885F7FE-49FB-266F-4311-B923E1762AE6}"/>
-                    </a:ext>
-                  </a:extLst>
-                </p:cNvPr>
-                <p:cNvSpPr/>
-                <p:nvPr/>
-              </p:nvSpPr>
-              <p:spPr>
-                <a:xfrm>
-                  <a:off x="2584041" y="4553340"/>
-                  <a:ext cx="794112" cy="343259"/>
-                </a:xfrm>
-                <a:prstGeom prst="rect">
-                  <a:avLst/>
-                </a:prstGeom>
-                <a:noFill/>
-                <a:ln>
-                  <a:solidFill>
-                    <a:schemeClr val="tx1"/>
-                  </a:solidFill>
-                </a:ln>
-              </p:spPr>
-              <p:style>
-                <a:lnRef idx="2">
-                  <a:schemeClr val="accent1">
-                    <a:shade val="15000"/>
-                  </a:schemeClr>
-                </a:lnRef>
-                <a:fillRef idx="1">
-                  <a:schemeClr val="accent1"/>
-                </a:fillRef>
-                <a:effectRef idx="0">
-                  <a:schemeClr val="accent1"/>
-                </a:effectRef>
-                <a:fontRef idx="minor">
-                  <a:schemeClr val="lt1"/>
-                </a:fontRef>
-              </p:style>
-              <p:txBody>
-                <a:bodyPr rtlCol="0" anchor="ctr"/>
-                <a:lstStyle/>
-                <a:p>
-                  <a:pPr algn="ctr"/>
-                  <a:r>
-                    <a:rPr lang="ko-KR" altLang="en-US" sz="1200" dirty="0">
-                      <a:solidFill>
-                        <a:schemeClr val="tx1"/>
-                      </a:solidFill>
-                    </a:rPr>
-                    <a:t>숙련도</a:t>
-                  </a:r>
-                </a:p>
-              </p:txBody>
-            </p:sp>
-            <p:sp>
-              <p:nvSpPr>
-                <p:cNvPr id="51" name="직사각형 50">
-                  <a:extLst>
-                    <a:ext uri="{FF2B5EF4-FFF2-40B4-BE49-F238E27FC236}">
-                      <a16:creationId xmlns:a16="http://schemas.microsoft.com/office/drawing/2014/main" id="{FFAD3CB0-9422-0307-D2BC-7EA0C2324779}"/>
-                    </a:ext>
-                  </a:extLst>
-                </p:cNvPr>
-                <p:cNvSpPr/>
-                <p:nvPr/>
-              </p:nvSpPr>
-              <p:spPr>
-                <a:xfrm>
-                  <a:off x="1811223" y="4553340"/>
-                  <a:ext cx="767569" cy="343259"/>
-                </a:xfrm>
-                <a:prstGeom prst="rect">
-                  <a:avLst/>
-                </a:prstGeom>
-                <a:noFill/>
-                <a:ln>
-                  <a:solidFill>
-                    <a:schemeClr val="tx1"/>
-                  </a:solidFill>
-                </a:ln>
-              </p:spPr>
-              <p:style>
-                <a:lnRef idx="2">
-                  <a:schemeClr val="accent1">
-                    <a:shade val="15000"/>
-                  </a:schemeClr>
-                </a:lnRef>
-                <a:fillRef idx="1">
-                  <a:schemeClr val="accent1"/>
-                </a:fillRef>
-                <a:effectRef idx="0">
-                  <a:schemeClr val="accent1"/>
-                </a:effectRef>
-                <a:fontRef idx="minor">
-                  <a:schemeClr val="lt1"/>
-                </a:fontRef>
-              </p:style>
-              <p:txBody>
-                <a:bodyPr rtlCol="0" anchor="ctr"/>
-                <a:lstStyle/>
-                <a:p>
-                  <a:pPr algn="ctr"/>
-                  <a:r>
-                    <a:rPr lang="ko-KR" altLang="en-US" sz="1200" dirty="0">
-                      <a:solidFill>
-                        <a:schemeClr val="tx1"/>
-                      </a:solidFill>
-                    </a:rPr>
-                    <a:t>능력치</a:t>
-                  </a:r>
-                </a:p>
-              </p:txBody>
-            </p:sp>
-            <p:sp>
-              <p:nvSpPr>
-                <p:cNvPr id="52" name="직사각형 51">
-                  <a:extLst>
-                    <a:ext uri="{FF2B5EF4-FFF2-40B4-BE49-F238E27FC236}">
-                      <a16:creationId xmlns:a16="http://schemas.microsoft.com/office/drawing/2014/main" id="{B4AC0DE3-A587-B11F-814A-78BC167D1536}"/>
-                    </a:ext>
-                  </a:extLst>
-                </p:cNvPr>
-                <p:cNvSpPr/>
-                <p:nvPr/>
-              </p:nvSpPr>
-              <p:spPr>
-                <a:xfrm>
-                  <a:off x="1089236" y="4553340"/>
-                  <a:ext cx="721986" cy="343259"/>
-                </a:xfrm>
-                <a:prstGeom prst="rect">
-                  <a:avLst/>
-                </a:prstGeom>
-                <a:noFill/>
-                <a:ln>
-                  <a:solidFill>
-                    <a:schemeClr val="tx1"/>
-                  </a:solidFill>
-                </a:ln>
-              </p:spPr>
-              <p:style>
-                <a:lnRef idx="2">
-                  <a:schemeClr val="accent1">
-                    <a:shade val="15000"/>
-                  </a:schemeClr>
-                </a:lnRef>
-                <a:fillRef idx="1">
-                  <a:schemeClr val="accent1"/>
-                </a:fillRef>
-                <a:effectRef idx="0">
-                  <a:schemeClr val="accent1"/>
-                </a:effectRef>
-                <a:fontRef idx="minor">
-                  <a:schemeClr val="lt1"/>
-                </a:fontRef>
-              </p:style>
-              <p:txBody>
-                <a:bodyPr rtlCol="0" anchor="ctr"/>
-                <a:lstStyle/>
-                <a:p>
-                  <a:pPr algn="ctr"/>
-                  <a:r>
-                    <a:rPr lang="ko-KR" altLang="en-US" sz="1200" dirty="0">
-                      <a:solidFill>
-                        <a:schemeClr val="tx1"/>
-                      </a:solidFill>
-                    </a:rPr>
-                    <a:t>상점</a:t>
-                  </a:r>
-                </a:p>
-              </p:txBody>
-            </p:sp>
-            <p:sp>
-              <p:nvSpPr>
-                <p:cNvPr id="53" name="직사각형 52">
-                  <a:extLst>
-                    <a:ext uri="{FF2B5EF4-FFF2-40B4-BE49-F238E27FC236}">
-                      <a16:creationId xmlns:a16="http://schemas.microsoft.com/office/drawing/2014/main" id="{6AFB41A1-1BB1-F56F-3932-3A0790392C78}"/>
-                    </a:ext>
-                  </a:extLst>
-                </p:cNvPr>
-                <p:cNvSpPr/>
-                <p:nvPr/>
-              </p:nvSpPr>
-              <p:spPr>
-                <a:xfrm>
-                  <a:off x="3383402" y="4553340"/>
-                  <a:ext cx="794112" cy="343259"/>
-                </a:xfrm>
-                <a:prstGeom prst="rect">
-                  <a:avLst/>
-                </a:prstGeom>
-                <a:noFill/>
-                <a:ln>
-                  <a:solidFill>
-                    <a:schemeClr val="tx1"/>
-                  </a:solidFill>
-                </a:ln>
-              </p:spPr>
-              <p:style>
-                <a:lnRef idx="2">
-                  <a:schemeClr val="accent1">
-                    <a:shade val="15000"/>
-                  </a:schemeClr>
-                </a:lnRef>
-                <a:fillRef idx="1">
-                  <a:schemeClr val="accent1"/>
-                </a:fillRef>
-                <a:effectRef idx="0">
-                  <a:schemeClr val="accent1"/>
-                </a:effectRef>
-                <a:fontRef idx="minor">
-                  <a:schemeClr val="lt1"/>
-                </a:fontRef>
-              </p:style>
-              <p:txBody>
-                <a:bodyPr rtlCol="0" anchor="ctr"/>
-                <a:lstStyle/>
-                <a:p>
-                  <a:pPr algn="ctr"/>
-                  <a:r>
-                    <a:rPr lang="ko-KR" altLang="en-US" sz="1200" dirty="0">
-                      <a:solidFill>
-                        <a:schemeClr val="tx1"/>
-                      </a:solidFill>
-                    </a:rPr>
-                    <a:t>장비</a:t>
-                  </a:r>
-                </a:p>
-              </p:txBody>
-            </p:sp>
-          </p:grpSp>
-          <p:sp>
-            <p:nvSpPr>
-              <p:cNvPr id="19" name="직사각형 18">
-                <a:extLst>
-                  <a:ext uri="{FF2B5EF4-FFF2-40B4-BE49-F238E27FC236}">
-                    <a16:creationId xmlns:a16="http://schemas.microsoft.com/office/drawing/2014/main" id="{C54B070A-EECD-1CD5-7EE5-35E48617CD01}"/>
+                    <a16:creationId xmlns:a16="http://schemas.microsoft.com/office/drawing/2014/main" id="{F35D79D5-9A45-9277-C546-97B4116F9AF1}"/>
                   </a:ext>
                 </a:extLst>
               </p:cNvPr>
@@ -43935,8 +43451,178 @@
             </p:nvSpPr>
             <p:spPr>
               <a:xfrm>
-                <a:off x="3540124" y="2701214"/>
-                <a:ext cx="1404652" cy="237283"/>
+                <a:off x="1089237" y="2701214"/>
+                <a:ext cx="3902901" cy="2195385"/>
+              </a:xfrm>
+              <a:prstGeom prst="rect">
+                <a:avLst/>
+              </a:prstGeom>
+              <a:noFill/>
+            </p:spPr>
+            <p:style>
+              <a:lnRef idx="2">
+                <a:schemeClr val="accent1">
+                  <a:shade val="15000"/>
+                </a:schemeClr>
+              </a:lnRef>
+              <a:fillRef idx="1">
+                <a:schemeClr val="accent1"/>
+              </a:fillRef>
+              <a:effectRef idx="0">
+                <a:schemeClr val="accent1"/>
+              </a:effectRef>
+              <a:fontRef idx="minor">
+                <a:schemeClr val="lt1"/>
+              </a:fontRef>
+            </p:style>
+            <p:txBody>
+              <a:bodyPr rtlCol="0" anchor="ctr"/>
+              <a:lstStyle/>
+              <a:p>
+                <a:pPr algn="ctr"/>
+                <a:endParaRPr lang="ko-KR" altLang="en-US"/>
+              </a:p>
+            </p:txBody>
+          </p:sp>
+          <p:pic>
+            <p:nvPicPr>
+              <p:cNvPr id="46" name="그림 45">
+                <a:extLst>
+                  <a:ext uri="{FF2B5EF4-FFF2-40B4-BE49-F238E27FC236}">
+                    <a16:creationId xmlns:a16="http://schemas.microsoft.com/office/drawing/2014/main" id="{F7980A75-3DEB-F0CF-73CB-25CA7837F509}"/>
+                  </a:ext>
+                </a:extLst>
+              </p:cNvPr>
+              <p:cNvPicPr>
+                <a:picLocks noChangeAspect="1"/>
+              </p:cNvPicPr>
+              <p:nvPr/>
+            </p:nvPicPr>
+            <p:blipFill>
+              <a:blip r:embed="rId5"/>
+              <a:stretch>
+                <a:fillRect/>
+              </a:stretch>
+            </p:blipFill>
+            <p:spPr>
+              <a:xfrm flipH="1">
+                <a:off x="3607209" y="3444643"/>
+                <a:ext cx="349561" cy="903034"/>
+              </a:xfrm>
+              <a:prstGeom prst="rect">
+                <a:avLst/>
+              </a:prstGeom>
+            </p:spPr>
+          </p:pic>
+          <p:sp>
+            <p:nvSpPr>
+              <p:cNvPr id="47" name="TextBox 46">
+                <a:extLst>
+                  <a:ext uri="{FF2B5EF4-FFF2-40B4-BE49-F238E27FC236}">
+                    <a16:creationId xmlns:a16="http://schemas.microsoft.com/office/drawing/2014/main" id="{F04DAC20-8CEF-6A18-4BFC-457B816C46A4}"/>
+                  </a:ext>
+                </a:extLst>
+              </p:cNvPr>
+              <p:cNvSpPr txBox="1"/>
+              <p:nvPr/>
+            </p:nvSpPr>
+            <p:spPr>
+              <a:xfrm>
+                <a:off x="2443292" y="3027325"/>
+                <a:ext cx="1194790" cy="361847"/>
+              </a:xfrm>
+              <a:prstGeom prst="rect">
+                <a:avLst/>
+              </a:prstGeom>
+              <a:noFill/>
+            </p:spPr>
+            <p:txBody>
+              <a:bodyPr wrap="none" rtlCol="0">
+                <a:spAutoFit/>
+              </a:bodyPr>
+              <a:lstStyle/>
+              <a:p>
+                <a:pPr algn="ctr"/>
+                <a:r>
+                  <a:rPr lang="en-US" altLang="ko-KR" dirty="0"/>
+                  <a:t>3-2 </a:t>
+                </a:r>
+                <a:r>
+                  <a:rPr lang="ko-KR" altLang="en-US" dirty="0" err="1"/>
+                  <a:t>소탕중</a:t>
+                </a:r>
+                <a:endParaRPr lang="en-US" altLang="ko-KR" dirty="0"/>
+              </a:p>
+            </p:txBody>
+          </p:sp>
+          <p:sp>
+            <p:nvSpPr>
+              <p:cNvPr id="48" name="폭발: 8pt 47">
+                <a:extLst>
+                  <a:ext uri="{FF2B5EF4-FFF2-40B4-BE49-F238E27FC236}">
+                    <a16:creationId xmlns:a16="http://schemas.microsoft.com/office/drawing/2014/main" id="{5EC62B7C-D9DE-8BE4-96D6-0D460D7992C1}"/>
+                  </a:ext>
+                </a:extLst>
+              </p:cNvPr>
+              <p:cNvSpPr/>
+              <p:nvPr/>
+            </p:nvSpPr>
+            <p:spPr>
+              <a:xfrm>
+                <a:off x="3759168" y="3774140"/>
+                <a:ext cx="358414" cy="358414"/>
+              </a:xfrm>
+              <a:prstGeom prst="irregularSeal1">
+                <a:avLst/>
+              </a:prstGeom>
+              <a:solidFill>
+                <a:srgbClr val="FF0000"/>
+              </a:solidFill>
+              <a:ln>
+                <a:noFill/>
+              </a:ln>
+            </p:spPr>
+            <p:style>
+              <a:lnRef idx="2">
+                <a:schemeClr val="accent1">
+                  <a:shade val="15000"/>
+                </a:schemeClr>
+              </a:lnRef>
+              <a:fillRef idx="1">
+                <a:schemeClr val="accent1"/>
+              </a:fillRef>
+              <a:effectRef idx="0">
+                <a:schemeClr val="accent1"/>
+              </a:effectRef>
+              <a:fontRef idx="minor">
+                <a:schemeClr val="lt1"/>
+              </a:fontRef>
+            </p:style>
+            <p:txBody>
+              <a:bodyPr rtlCol="0" anchor="ctr"/>
+              <a:lstStyle/>
+              <a:p>
+                <a:pPr algn="ctr"/>
+                <a:endParaRPr lang="ko-KR" altLang="en-US" dirty="0"/>
+              </a:p>
+            </p:txBody>
+          </p:sp>
+          <p:sp>
+            <p:nvSpPr>
+              <p:cNvPr id="49" name="직사각형 48">
+                <a:extLst>
+                  <a:ext uri="{FF2B5EF4-FFF2-40B4-BE49-F238E27FC236}">
+                    <a16:creationId xmlns:a16="http://schemas.microsoft.com/office/drawing/2014/main" id="{D5287320-448E-BEAC-57F6-EC7B92402664}"/>
+                  </a:ext>
+                </a:extLst>
+              </p:cNvPr>
+              <p:cNvSpPr/>
+              <p:nvPr/>
+            </p:nvSpPr>
+            <p:spPr>
+              <a:xfrm>
+                <a:off x="4177982" y="4553340"/>
+                <a:ext cx="814157" cy="343259"/>
               </a:xfrm>
               <a:prstGeom prst="rect">
                 <a:avLst/>
@@ -43975,17 +43661,17 @@
                       <a:schemeClr val="tx1"/>
                     </a:solidFill>
                   </a:rPr>
-                  <a:t>재화</a:t>
+                  <a:t>포탈</a:t>
                 </a:r>
               </a:p>
             </p:txBody>
           </p:sp>
           <p:sp>
             <p:nvSpPr>
-              <p:cNvPr id="43" name="직사각형 42">
+              <p:cNvPr id="50" name="직사각형 49">
                 <a:extLst>
                   <a:ext uri="{FF2B5EF4-FFF2-40B4-BE49-F238E27FC236}">
-                    <a16:creationId xmlns:a16="http://schemas.microsoft.com/office/drawing/2014/main" id="{8403359E-933B-C6EE-0AF2-CD8A3C4B92DC}"/>
+                    <a16:creationId xmlns:a16="http://schemas.microsoft.com/office/drawing/2014/main" id="{0885F7FE-49FB-266F-4311-B923E1762AE6}"/>
                   </a:ext>
                 </a:extLst>
               </p:cNvPr>
@@ -43994,8 +43680,8 @@
             </p:nvSpPr>
             <p:spPr>
               <a:xfrm>
-                <a:off x="1457537" y="2701214"/>
-                <a:ext cx="751198" cy="237283"/>
+                <a:off x="2584041" y="4553340"/>
+                <a:ext cx="794112" cy="343259"/>
               </a:xfrm>
               <a:prstGeom prst="rect">
                 <a:avLst/>
@@ -44029,80 +43715,375 @@
               <a:p>
                 <a:pPr algn="ctr"/>
                 <a:r>
-                  <a:rPr lang="ko-KR" altLang="en-US" sz="600" dirty="0">
+                  <a:rPr lang="ko-KR" altLang="en-US" sz="1200" dirty="0">
                     <a:solidFill>
                       <a:schemeClr val="tx1"/>
                     </a:solidFill>
                   </a:rPr>
-                  <a:t>레벨</a:t>
+                  <a:t>숙련도</a:t>
                 </a:r>
+              </a:p>
+            </p:txBody>
+          </p:sp>
+          <p:sp>
+            <p:nvSpPr>
+              <p:cNvPr id="51" name="직사각형 50">
+                <a:extLst>
+                  <a:ext uri="{FF2B5EF4-FFF2-40B4-BE49-F238E27FC236}">
+                    <a16:creationId xmlns:a16="http://schemas.microsoft.com/office/drawing/2014/main" id="{FFAD3CB0-9422-0307-D2BC-7EA0C2324779}"/>
+                  </a:ext>
+                </a:extLst>
+              </p:cNvPr>
+              <p:cNvSpPr/>
+              <p:nvPr/>
+            </p:nvSpPr>
+            <p:spPr>
+              <a:xfrm>
+                <a:off x="1811223" y="4553340"/>
+                <a:ext cx="767569" cy="343259"/>
+              </a:xfrm>
+              <a:prstGeom prst="rect">
+                <a:avLst/>
+              </a:prstGeom>
+              <a:noFill/>
+              <a:ln>
+                <a:solidFill>
+                  <a:schemeClr val="tx1"/>
+                </a:solidFill>
+              </a:ln>
+            </p:spPr>
+            <p:style>
+              <a:lnRef idx="2">
+                <a:schemeClr val="accent1">
+                  <a:shade val="15000"/>
+                </a:schemeClr>
+              </a:lnRef>
+              <a:fillRef idx="1">
+                <a:schemeClr val="accent1"/>
+              </a:fillRef>
+              <a:effectRef idx="0">
+                <a:schemeClr val="accent1"/>
+              </a:effectRef>
+              <a:fontRef idx="minor">
+                <a:schemeClr val="lt1"/>
+              </a:fontRef>
+            </p:style>
+            <p:txBody>
+              <a:bodyPr rtlCol="0" anchor="ctr"/>
+              <a:lstStyle/>
+              <a:p>
+                <a:pPr algn="ctr"/>
                 <a:r>
-                  <a:rPr lang="en-US" altLang="ko-KR" sz="600" dirty="0">
+                  <a:rPr lang="ko-KR" altLang="en-US" sz="1200" dirty="0">
                     <a:solidFill>
                       <a:schemeClr val="tx1"/>
                     </a:solidFill>
                   </a:rPr>
-                  <a:t>. </a:t>
+                  <a:t>능력치</a:t>
                 </a:r>
+              </a:p>
+            </p:txBody>
+          </p:sp>
+          <p:sp>
+            <p:nvSpPr>
+              <p:cNvPr id="52" name="직사각형 51">
+                <a:extLst>
+                  <a:ext uri="{FF2B5EF4-FFF2-40B4-BE49-F238E27FC236}">
+                    <a16:creationId xmlns:a16="http://schemas.microsoft.com/office/drawing/2014/main" id="{B4AC0DE3-A587-B11F-814A-78BC167D1536}"/>
+                  </a:ext>
+                </a:extLst>
+              </p:cNvPr>
+              <p:cNvSpPr/>
+              <p:nvPr/>
+            </p:nvSpPr>
+            <p:spPr>
+              <a:xfrm>
+                <a:off x="1089236" y="4553340"/>
+                <a:ext cx="721986" cy="343259"/>
+              </a:xfrm>
+              <a:prstGeom prst="rect">
+                <a:avLst/>
+              </a:prstGeom>
+              <a:noFill/>
+              <a:ln>
+                <a:solidFill>
+                  <a:schemeClr val="tx1"/>
+                </a:solidFill>
+              </a:ln>
+            </p:spPr>
+            <p:style>
+              <a:lnRef idx="2">
+                <a:schemeClr val="accent1">
+                  <a:shade val="15000"/>
+                </a:schemeClr>
+              </a:lnRef>
+              <a:fillRef idx="1">
+                <a:schemeClr val="accent1"/>
+              </a:fillRef>
+              <a:effectRef idx="0">
+                <a:schemeClr val="accent1"/>
+              </a:effectRef>
+              <a:fontRef idx="minor">
+                <a:schemeClr val="lt1"/>
+              </a:fontRef>
+            </p:style>
+            <p:txBody>
+              <a:bodyPr rtlCol="0" anchor="ctr"/>
+              <a:lstStyle/>
+              <a:p>
+                <a:pPr algn="ctr"/>
                 <a:r>
-                  <a:rPr lang="ko-KR" altLang="en-US" sz="600" dirty="0">
+                  <a:rPr lang="ko-KR" altLang="en-US" sz="1200" dirty="0">
                     <a:solidFill>
                       <a:schemeClr val="tx1"/>
                     </a:solidFill>
                   </a:rPr>
-                  <a:t>닉네임</a:t>
+                  <a:t>상점</a:t>
                 </a:r>
-                <a:endParaRPr lang="ko-KR" altLang="en-US" sz="1000" dirty="0">
-                  <a:solidFill>
-                    <a:schemeClr val="tx1"/>
-                  </a:solidFill>
-                </a:endParaRPr>
+              </a:p>
+            </p:txBody>
+          </p:sp>
+          <p:sp>
+            <p:nvSpPr>
+              <p:cNvPr id="53" name="직사각형 52">
+                <a:extLst>
+                  <a:ext uri="{FF2B5EF4-FFF2-40B4-BE49-F238E27FC236}">
+                    <a16:creationId xmlns:a16="http://schemas.microsoft.com/office/drawing/2014/main" id="{6AFB41A1-1BB1-F56F-3932-3A0790392C78}"/>
+                  </a:ext>
+                </a:extLst>
+              </p:cNvPr>
+              <p:cNvSpPr/>
+              <p:nvPr/>
+            </p:nvSpPr>
+            <p:spPr>
+              <a:xfrm>
+                <a:off x="3383402" y="4553340"/>
+                <a:ext cx="794112" cy="343259"/>
+              </a:xfrm>
+              <a:prstGeom prst="rect">
+                <a:avLst/>
+              </a:prstGeom>
+              <a:noFill/>
+              <a:ln>
+                <a:solidFill>
+                  <a:schemeClr val="tx1"/>
+                </a:solidFill>
+              </a:ln>
+            </p:spPr>
+            <p:style>
+              <a:lnRef idx="2">
+                <a:schemeClr val="accent1">
+                  <a:shade val="15000"/>
+                </a:schemeClr>
+              </a:lnRef>
+              <a:fillRef idx="1">
+                <a:schemeClr val="accent1"/>
+              </a:fillRef>
+              <a:effectRef idx="0">
+                <a:schemeClr val="accent1"/>
+              </a:effectRef>
+              <a:fontRef idx="minor">
+                <a:schemeClr val="lt1"/>
+              </a:fontRef>
+            </p:style>
+            <p:txBody>
+              <a:bodyPr rtlCol="0" anchor="ctr"/>
+              <a:lstStyle/>
+              <a:p>
+                <a:pPr algn="ctr"/>
+                <a:r>
+                  <a:rPr lang="ko-KR" altLang="en-US" sz="1200" dirty="0">
+                    <a:solidFill>
+                      <a:schemeClr val="tx1"/>
+                    </a:solidFill>
+                  </a:rPr>
+                  <a:t>장비</a:t>
+                </a:r>
               </a:p>
             </p:txBody>
           </p:sp>
         </p:grpSp>
-        <p:cxnSp>
-          <p:nvCxnSpPr>
-            <p:cNvPr id="4" name="직선 화살표 연결선 3">
+        <p:sp>
+          <p:nvSpPr>
+            <p:cNvPr id="19" name="직사각형 18">
               <a:extLst>
                 <a:ext uri="{FF2B5EF4-FFF2-40B4-BE49-F238E27FC236}">
-                  <a16:creationId xmlns:a16="http://schemas.microsoft.com/office/drawing/2014/main" id="{CF353B73-D1D6-AE48-34C4-B08B0917632A}"/>
+                  <a16:creationId xmlns:a16="http://schemas.microsoft.com/office/drawing/2014/main" id="{C54B070A-EECD-1CD5-7EE5-35E48617CD01}"/>
                 </a:ext>
               </a:extLst>
             </p:cNvPr>
-            <p:cNvCxnSpPr>
-              <a:cxnSpLocks/>
-            </p:cNvCxnSpPr>
+            <p:cNvSpPr/>
             <p:nvPr/>
-          </p:nvCxnSpPr>
+          </p:nvSpPr>
           <p:spPr>
             <a:xfrm>
-              <a:off x="3039079" y="2895364"/>
-              <a:ext cx="1660725" cy="0"/>
+              <a:off x="3540124" y="2701214"/>
+              <a:ext cx="1404652" cy="237283"/>
             </a:xfrm>
-            <a:prstGeom prst="straightConnector1">
+            <a:prstGeom prst="rect">
               <a:avLst/>
             </a:prstGeom>
+            <a:noFill/>
             <a:ln>
-              <a:tailEnd type="triangle"/>
+              <a:solidFill>
+                <a:schemeClr val="tx1"/>
+              </a:solidFill>
             </a:ln>
           </p:spPr>
           <p:style>
-            <a:lnRef idx="1">
-              <a:schemeClr val="dk1"/>
+            <a:lnRef idx="2">
+              <a:schemeClr val="accent1">
+                <a:shade val="15000"/>
+              </a:schemeClr>
             </a:lnRef>
-            <a:fillRef idx="0">
-              <a:schemeClr val="dk1"/>
+            <a:fillRef idx="1">
+              <a:schemeClr val="accent1"/>
             </a:fillRef>
             <a:effectRef idx="0">
-              <a:schemeClr val="dk1"/>
+              <a:schemeClr val="accent1"/>
             </a:effectRef>
             <a:fontRef idx="minor">
-              <a:schemeClr val="tx1"/>
+              <a:schemeClr val="lt1"/>
             </a:fontRef>
           </p:style>
-        </p:cxnSp>
+          <p:txBody>
+            <a:bodyPr rtlCol="0" anchor="ctr"/>
+            <a:lstStyle/>
+            <a:p>
+              <a:pPr algn="ctr"/>
+              <a:r>
+                <a:rPr lang="ko-KR" altLang="en-US" sz="1200" dirty="0">
+                  <a:solidFill>
+                    <a:schemeClr val="tx1"/>
+                  </a:solidFill>
+                </a:rPr>
+                <a:t>재화</a:t>
+              </a:r>
+            </a:p>
+          </p:txBody>
+        </p:sp>
+        <p:sp>
+          <p:nvSpPr>
+            <p:cNvPr id="43" name="직사각형 42">
+              <a:extLst>
+                <a:ext uri="{FF2B5EF4-FFF2-40B4-BE49-F238E27FC236}">
+                  <a16:creationId xmlns:a16="http://schemas.microsoft.com/office/drawing/2014/main" id="{8403359E-933B-C6EE-0AF2-CD8A3C4B92DC}"/>
+                </a:ext>
+              </a:extLst>
+            </p:cNvPr>
+            <p:cNvSpPr/>
+            <p:nvPr/>
+          </p:nvSpPr>
+          <p:spPr>
+            <a:xfrm>
+              <a:off x="1457537" y="2701214"/>
+              <a:ext cx="751198" cy="237283"/>
+            </a:xfrm>
+            <a:prstGeom prst="rect">
+              <a:avLst/>
+            </a:prstGeom>
+            <a:noFill/>
+            <a:ln>
+              <a:solidFill>
+                <a:schemeClr val="tx1"/>
+              </a:solidFill>
+            </a:ln>
+          </p:spPr>
+          <p:style>
+            <a:lnRef idx="2">
+              <a:schemeClr val="accent1">
+                <a:shade val="15000"/>
+              </a:schemeClr>
+            </a:lnRef>
+            <a:fillRef idx="1">
+              <a:schemeClr val="accent1"/>
+            </a:fillRef>
+            <a:effectRef idx="0">
+              <a:schemeClr val="accent1"/>
+            </a:effectRef>
+            <a:fontRef idx="minor">
+              <a:schemeClr val="lt1"/>
+            </a:fontRef>
+          </p:style>
+          <p:txBody>
+            <a:bodyPr rtlCol="0" anchor="ctr"/>
+            <a:lstStyle/>
+            <a:p>
+              <a:pPr algn="ctr"/>
+              <a:r>
+                <a:rPr lang="ko-KR" altLang="en-US" sz="600" dirty="0">
+                  <a:solidFill>
+                    <a:schemeClr val="tx1"/>
+                  </a:solidFill>
+                </a:rPr>
+                <a:t>레벨</a:t>
+              </a:r>
+              <a:r>
+                <a:rPr lang="en-US" altLang="ko-KR" sz="600" dirty="0">
+                  <a:solidFill>
+                    <a:schemeClr val="tx1"/>
+                  </a:solidFill>
+                </a:rPr>
+                <a:t>. </a:t>
+              </a:r>
+              <a:r>
+                <a:rPr lang="ko-KR" altLang="en-US" sz="600" dirty="0">
+                  <a:solidFill>
+                    <a:schemeClr val="tx1"/>
+                  </a:solidFill>
+                </a:rPr>
+                <a:t>닉네임</a:t>
+              </a:r>
+              <a:endParaRPr lang="ko-KR" altLang="en-US" sz="1000" dirty="0">
+                <a:solidFill>
+                  <a:schemeClr val="tx1"/>
+                </a:solidFill>
+              </a:endParaRPr>
+            </a:p>
+          </p:txBody>
+        </p:sp>
       </p:grpSp>
+      <p:cxnSp>
+        <p:nvCxnSpPr>
+          <p:cNvPr id="4" name="직선 화살표 연결선 3">
+            <a:extLst>
+              <a:ext uri="{FF2B5EF4-FFF2-40B4-BE49-F238E27FC236}">
+                <a16:creationId xmlns:a16="http://schemas.microsoft.com/office/drawing/2014/main" id="{CF353B73-D1D6-AE48-34C4-B08B0917632A}"/>
+              </a:ext>
+            </a:extLst>
+          </p:cNvPr>
+          <p:cNvCxnSpPr>
+            <a:cxnSpLocks/>
+          </p:cNvCxnSpPr>
+          <p:nvPr/>
+        </p:nvCxnSpPr>
+        <p:spPr>
+          <a:xfrm>
+            <a:off x="3246941" y="3042750"/>
+            <a:ext cx="1660725" cy="0"/>
+          </a:xfrm>
+          <a:prstGeom prst="straightConnector1">
+            <a:avLst/>
+          </a:prstGeom>
+          <a:ln>
+            <a:tailEnd type="triangle"/>
+          </a:ln>
+        </p:spPr>
+        <p:style>
+          <a:lnRef idx="1">
+            <a:schemeClr val="dk1"/>
+          </a:lnRef>
+          <a:fillRef idx="0">
+            <a:schemeClr val="dk1"/>
+          </a:fillRef>
+          <a:effectRef idx="0">
+            <a:schemeClr val="dk1"/>
+          </a:effectRef>
+          <a:fontRef idx="minor">
+            <a:schemeClr val="tx1"/>
+          </a:fontRef>
+        </p:style>
+      </p:cxnSp>
       <p:grpSp>
         <p:nvGrpSpPr>
           <p:cNvPr id="7" name="그룹 6">
@@ -47446,10 +47427,10 @@
       </p:grpSp>
       <p:grpSp>
         <p:nvGrpSpPr>
-          <p:cNvPr id="105" name="그룹 104">
+          <p:cNvPr id="60" name="그룹 59">
             <a:extLst>
               <a:ext uri="{FF2B5EF4-FFF2-40B4-BE49-F238E27FC236}">
-                <a16:creationId xmlns:a16="http://schemas.microsoft.com/office/drawing/2014/main" id="{E23985D0-C6C1-6C0A-24D9-62514D4BFD9B}"/>
+                <a16:creationId xmlns:a16="http://schemas.microsoft.com/office/drawing/2014/main" id="{7395D161-84B7-8E7D-43BA-738EFA6365F4}"/>
               </a:ext>
             </a:extLst>
           </p:cNvPr>
@@ -47458,18 +47439,48 @@
         </p:nvGrpSpPr>
         <p:grpSpPr>
           <a:xfrm>
-            <a:off x="5014836" y="1417320"/>
-            <a:ext cx="6137908" cy="3636512"/>
-            <a:chOff x="5014836" y="1417320"/>
-            <a:chExt cx="6137908" cy="3636512"/>
+            <a:off x="5014836" y="1650875"/>
+            <a:ext cx="6137790" cy="3402957"/>
+            <a:chOff x="1457536" y="2701214"/>
+            <a:chExt cx="3902903" cy="2195385"/>
           </a:xfrm>
         </p:grpSpPr>
+        <p:pic>
+          <p:nvPicPr>
+            <p:cNvPr id="61" name="그림 60" descr="상자, 용기, 목재이(가) 표시된 사진&#10;&#10;자동 생성된 설명">
+              <a:extLst>
+                <a:ext uri="{FF2B5EF4-FFF2-40B4-BE49-F238E27FC236}">
+                  <a16:creationId xmlns:a16="http://schemas.microsoft.com/office/drawing/2014/main" id="{89F0734A-DD35-F430-5079-3694A3F48FEF}"/>
+                </a:ext>
+              </a:extLst>
+            </p:cNvPr>
+            <p:cNvPicPr>
+              <a:picLocks noChangeAspect="1"/>
+            </p:cNvPicPr>
+            <p:nvPr/>
+          </p:nvPicPr>
+          <p:blipFill>
+            <a:blip r:embed="rId2"/>
+            <a:stretch>
+              <a:fillRect/>
+            </a:stretch>
+          </p:blipFill>
+          <p:spPr>
+            <a:xfrm>
+              <a:off x="2978223" y="3712525"/>
+              <a:ext cx="836474" cy="810537"/>
+            </a:xfrm>
+            <a:prstGeom prst="rect">
+              <a:avLst/>
+            </a:prstGeom>
+          </p:spPr>
+        </p:pic>
         <p:grpSp>
           <p:nvGrpSpPr>
-            <p:cNvPr id="60" name="그룹 59">
+            <p:cNvPr id="62" name="그룹 61">
               <a:extLst>
                 <a:ext uri="{FF2B5EF4-FFF2-40B4-BE49-F238E27FC236}">
-                  <a16:creationId xmlns:a16="http://schemas.microsoft.com/office/drawing/2014/main" id="{7395D161-84B7-8E7D-43BA-738EFA6365F4}"/>
+                  <a16:creationId xmlns:a16="http://schemas.microsoft.com/office/drawing/2014/main" id="{EDB398B2-785F-65B5-E1F7-2FD7AD603EED}"/>
                 </a:ext>
               </a:extLst>
             </p:cNvPr>
@@ -47478,18 +47489,18 @@
           </p:nvGrpSpPr>
           <p:grpSpPr>
             <a:xfrm>
-              <a:off x="5014836" y="1650875"/>
-              <a:ext cx="6137790" cy="3402957"/>
-              <a:chOff x="1457536" y="2701214"/>
+              <a:off x="1457536" y="2701214"/>
+              <a:ext cx="3902903" cy="2195385"/>
+              <a:chOff x="1089236" y="2701214"/>
               <a:chExt cx="3902903" cy="2195385"/>
             </a:xfrm>
           </p:grpSpPr>
           <p:pic>
             <p:nvPicPr>
-              <p:cNvPr id="61" name="그림 60" descr="상자, 용기, 목재이(가) 표시된 사진&#10;&#10;자동 생성된 설명">
+              <p:cNvPr id="65" name="그림 64" descr="픽셀, 패턴이(가) 표시된 사진&#10;&#10;자동 생성된 설명">
                 <a:extLst>
                   <a:ext uri="{FF2B5EF4-FFF2-40B4-BE49-F238E27FC236}">
-                    <a16:creationId xmlns:a16="http://schemas.microsoft.com/office/drawing/2014/main" id="{89F0734A-DD35-F430-5079-3694A3F48FEF}"/>
+                    <a16:creationId xmlns:a16="http://schemas.microsoft.com/office/drawing/2014/main" id="{21BED568-48A3-619C-7860-C6B5D28F6FEF}"/>
                   </a:ext>
                 </a:extLst>
               </p:cNvPr>
@@ -47499,539 +47510,27 @@
               <p:nvPr/>
             </p:nvPicPr>
             <p:blipFill>
-              <a:blip r:embed="rId2"/>
+              <a:blip r:embed="rId3"/>
               <a:stretch>
                 <a:fillRect/>
               </a:stretch>
             </p:blipFill>
             <p:spPr>
               <a:xfrm>
-                <a:off x="2978223" y="3712525"/>
-                <a:ext cx="836474" cy="810537"/>
+                <a:off x="2121939" y="3643570"/>
+                <a:ext cx="349561" cy="681890"/>
               </a:xfrm>
               <a:prstGeom prst="rect">
                 <a:avLst/>
               </a:prstGeom>
             </p:spPr>
           </p:pic>
-          <p:grpSp>
-            <p:nvGrpSpPr>
-              <p:cNvPr id="62" name="그룹 61">
+          <p:sp>
+            <p:nvSpPr>
+              <p:cNvPr id="66" name="직사각형 65">
                 <a:extLst>
                   <a:ext uri="{FF2B5EF4-FFF2-40B4-BE49-F238E27FC236}">
-                    <a16:creationId xmlns:a16="http://schemas.microsoft.com/office/drawing/2014/main" id="{EDB398B2-785F-65B5-E1F7-2FD7AD603EED}"/>
-                  </a:ext>
-                </a:extLst>
-              </p:cNvPr>
-              <p:cNvGrpSpPr/>
-              <p:nvPr/>
-            </p:nvGrpSpPr>
-            <p:grpSpPr>
-              <a:xfrm>
-                <a:off x="1457536" y="2701214"/>
-                <a:ext cx="3902903" cy="2195385"/>
-                <a:chOff x="1089236" y="2701214"/>
-                <a:chExt cx="3902903" cy="2195385"/>
-              </a:xfrm>
-            </p:grpSpPr>
-            <p:pic>
-              <p:nvPicPr>
-                <p:cNvPr id="65" name="그림 64" descr="픽셀, 패턴이(가) 표시된 사진&#10;&#10;자동 생성된 설명">
-                  <a:extLst>
-                    <a:ext uri="{FF2B5EF4-FFF2-40B4-BE49-F238E27FC236}">
-                      <a16:creationId xmlns:a16="http://schemas.microsoft.com/office/drawing/2014/main" id="{21BED568-48A3-619C-7860-C6B5D28F6FEF}"/>
-                    </a:ext>
-                  </a:extLst>
-                </p:cNvPr>
-                <p:cNvPicPr>
-                  <a:picLocks noChangeAspect="1"/>
-                </p:cNvPicPr>
-                <p:nvPr/>
-              </p:nvPicPr>
-              <p:blipFill>
-                <a:blip r:embed="rId3"/>
-                <a:stretch>
-                  <a:fillRect/>
-                </a:stretch>
-              </p:blipFill>
-              <p:spPr>
-                <a:xfrm>
-                  <a:off x="2121939" y="3643570"/>
-                  <a:ext cx="349561" cy="681890"/>
-                </a:xfrm>
-                <a:prstGeom prst="rect">
-                  <a:avLst/>
-                </a:prstGeom>
-              </p:spPr>
-            </p:pic>
-            <p:sp>
-              <p:nvSpPr>
-                <p:cNvPr id="66" name="직사각형 65">
-                  <a:extLst>
-                    <a:ext uri="{FF2B5EF4-FFF2-40B4-BE49-F238E27FC236}">
-                      <a16:creationId xmlns:a16="http://schemas.microsoft.com/office/drawing/2014/main" id="{4329C23D-25CD-D5DF-648B-0D1971C9987A}"/>
-                    </a:ext>
-                  </a:extLst>
-                </p:cNvPr>
-                <p:cNvSpPr/>
-                <p:nvPr/>
-              </p:nvSpPr>
-              <p:spPr>
-                <a:xfrm>
-                  <a:off x="1089237" y="2701214"/>
-                  <a:ext cx="3902901" cy="2195385"/>
-                </a:xfrm>
-                <a:prstGeom prst="rect">
-                  <a:avLst/>
-                </a:prstGeom>
-                <a:noFill/>
-              </p:spPr>
-              <p:style>
-                <a:lnRef idx="2">
-                  <a:schemeClr val="accent1">
-                    <a:shade val="15000"/>
-                  </a:schemeClr>
-                </a:lnRef>
-                <a:fillRef idx="1">
-                  <a:schemeClr val="accent1"/>
-                </a:fillRef>
-                <a:effectRef idx="0">
-                  <a:schemeClr val="accent1"/>
-                </a:effectRef>
-                <a:fontRef idx="minor">
-                  <a:schemeClr val="lt1"/>
-                </a:fontRef>
-              </p:style>
-              <p:txBody>
-                <a:bodyPr rtlCol="0" anchor="ctr"/>
-                <a:lstStyle/>
-                <a:p>
-                  <a:pPr algn="ctr"/>
-                  <a:endParaRPr lang="ko-KR" altLang="en-US"/>
-                </a:p>
-              </p:txBody>
-            </p:sp>
-            <p:pic>
-              <p:nvPicPr>
-                <p:cNvPr id="67" name="그림 66">
-                  <a:extLst>
-                    <a:ext uri="{FF2B5EF4-FFF2-40B4-BE49-F238E27FC236}">
-                      <a16:creationId xmlns:a16="http://schemas.microsoft.com/office/drawing/2014/main" id="{7B8B5DBD-6D8E-1482-4253-26BE5C350685}"/>
-                    </a:ext>
-                  </a:extLst>
-                </p:cNvPr>
-                <p:cNvPicPr>
-                  <a:picLocks noChangeAspect="1"/>
-                </p:cNvPicPr>
-                <p:nvPr/>
-              </p:nvPicPr>
-              <p:blipFill>
-                <a:blip r:embed="rId4"/>
-                <a:stretch>
-                  <a:fillRect/>
-                </a:stretch>
-              </p:blipFill>
-              <p:spPr>
-                <a:xfrm flipH="1">
-                  <a:off x="3607209" y="3444643"/>
-                  <a:ext cx="349561" cy="903034"/>
-                </a:xfrm>
-                <a:prstGeom prst="rect">
-                  <a:avLst/>
-                </a:prstGeom>
-              </p:spPr>
-            </p:pic>
-            <p:sp>
-              <p:nvSpPr>
-                <p:cNvPr id="68" name="TextBox 67">
-                  <a:extLst>
-                    <a:ext uri="{FF2B5EF4-FFF2-40B4-BE49-F238E27FC236}">
-                      <a16:creationId xmlns:a16="http://schemas.microsoft.com/office/drawing/2014/main" id="{61B1084E-5A83-9E48-7E52-4820ABA0429B}"/>
-                    </a:ext>
-                  </a:extLst>
-                </p:cNvPr>
-                <p:cNvSpPr txBox="1"/>
-                <p:nvPr/>
-              </p:nvSpPr>
-              <p:spPr>
-                <a:xfrm>
-                  <a:off x="2726242" y="3117562"/>
-                  <a:ext cx="628889" cy="207949"/>
-                </a:xfrm>
-                <a:prstGeom prst="rect">
-                  <a:avLst/>
-                </a:prstGeom>
-                <a:noFill/>
-              </p:spPr>
-              <p:txBody>
-                <a:bodyPr wrap="none" rtlCol="0">
-                  <a:spAutoFit/>
-                </a:bodyPr>
-                <a:lstStyle/>
-                <a:p>
-                  <a:pPr algn="ctr"/>
-                  <a:r>
-                    <a:rPr lang="en-US" altLang="ko-KR" sz="1200" dirty="0"/>
-                    <a:t>3-2 Stage</a:t>
-                  </a:r>
-                  <a:endParaRPr lang="ko-KR" altLang="en-US" sz="1200" dirty="0"/>
-                </a:p>
-              </p:txBody>
-            </p:sp>
-            <p:sp>
-              <p:nvSpPr>
-                <p:cNvPr id="69" name="폭발: 8pt 68">
-                  <a:extLst>
-                    <a:ext uri="{FF2B5EF4-FFF2-40B4-BE49-F238E27FC236}">
-                      <a16:creationId xmlns:a16="http://schemas.microsoft.com/office/drawing/2014/main" id="{D30B10B0-4449-D35A-52F3-C72A7E2890D1}"/>
-                    </a:ext>
-                  </a:extLst>
-                </p:cNvPr>
-                <p:cNvSpPr/>
-                <p:nvPr/>
-              </p:nvSpPr>
-              <p:spPr>
-                <a:xfrm>
-                  <a:off x="3759168" y="3774140"/>
-                  <a:ext cx="358414" cy="358414"/>
-                </a:xfrm>
-                <a:prstGeom prst="irregularSeal1">
-                  <a:avLst/>
-                </a:prstGeom>
-                <a:solidFill>
-                  <a:srgbClr val="FF0000"/>
-                </a:solidFill>
-                <a:ln>
-                  <a:noFill/>
-                </a:ln>
-              </p:spPr>
-              <p:style>
-                <a:lnRef idx="2">
-                  <a:schemeClr val="accent1">
-                    <a:shade val="15000"/>
-                  </a:schemeClr>
-                </a:lnRef>
-                <a:fillRef idx="1">
-                  <a:schemeClr val="accent1"/>
-                </a:fillRef>
-                <a:effectRef idx="0">
-                  <a:schemeClr val="accent1"/>
-                </a:effectRef>
-                <a:fontRef idx="minor">
-                  <a:schemeClr val="lt1"/>
-                </a:fontRef>
-              </p:style>
-              <p:txBody>
-                <a:bodyPr rtlCol="0" anchor="ctr"/>
-                <a:lstStyle/>
-                <a:p>
-                  <a:pPr algn="ctr"/>
-                  <a:endParaRPr lang="ko-KR" altLang="en-US" dirty="0"/>
-                </a:p>
-              </p:txBody>
-            </p:sp>
-            <p:sp>
-              <p:nvSpPr>
-                <p:cNvPr id="70" name="직사각형 69">
-                  <a:extLst>
-                    <a:ext uri="{FF2B5EF4-FFF2-40B4-BE49-F238E27FC236}">
-                      <a16:creationId xmlns:a16="http://schemas.microsoft.com/office/drawing/2014/main" id="{604869A0-071B-0E21-85B7-CFCC2E3F59E9}"/>
-                    </a:ext>
-                  </a:extLst>
-                </p:cNvPr>
-                <p:cNvSpPr/>
-                <p:nvPr/>
-              </p:nvSpPr>
-              <p:spPr>
-                <a:xfrm>
-                  <a:off x="4177982" y="4553340"/>
-                  <a:ext cx="814157" cy="343259"/>
-                </a:xfrm>
-                <a:prstGeom prst="rect">
-                  <a:avLst/>
-                </a:prstGeom>
-                <a:noFill/>
-                <a:ln>
-                  <a:solidFill>
-                    <a:schemeClr val="tx1"/>
-                  </a:solidFill>
-                </a:ln>
-              </p:spPr>
-              <p:style>
-                <a:lnRef idx="2">
-                  <a:schemeClr val="accent1">
-                    <a:shade val="15000"/>
-                  </a:schemeClr>
-                </a:lnRef>
-                <a:fillRef idx="1">
-                  <a:schemeClr val="accent1"/>
-                </a:fillRef>
-                <a:effectRef idx="0">
-                  <a:schemeClr val="accent1"/>
-                </a:effectRef>
-                <a:fontRef idx="minor">
-                  <a:schemeClr val="lt1"/>
-                </a:fontRef>
-              </p:style>
-              <p:txBody>
-                <a:bodyPr rtlCol="0" anchor="ctr"/>
-                <a:lstStyle/>
-                <a:p>
-                  <a:pPr algn="ctr"/>
-                  <a:r>
-                    <a:rPr lang="ko-KR" altLang="en-US" sz="1200" dirty="0">
-                      <a:solidFill>
-                        <a:schemeClr val="tx1"/>
-                      </a:solidFill>
-                    </a:rPr>
-                    <a:t>포탈</a:t>
-                  </a:r>
-                </a:p>
-              </p:txBody>
-            </p:sp>
-            <p:sp>
-              <p:nvSpPr>
-                <p:cNvPr id="71" name="직사각형 70">
-                  <a:extLst>
-                    <a:ext uri="{FF2B5EF4-FFF2-40B4-BE49-F238E27FC236}">
-                      <a16:creationId xmlns:a16="http://schemas.microsoft.com/office/drawing/2014/main" id="{1AB1AA74-2B9F-793C-BC7A-DDF11C0F6427}"/>
-                    </a:ext>
-                  </a:extLst>
-                </p:cNvPr>
-                <p:cNvSpPr/>
-                <p:nvPr/>
-              </p:nvSpPr>
-              <p:spPr>
-                <a:xfrm>
-                  <a:off x="2584041" y="4553340"/>
-                  <a:ext cx="794112" cy="343259"/>
-                </a:xfrm>
-                <a:prstGeom prst="rect">
-                  <a:avLst/>
-                </a:prstGeom>
-                <a:noFill/>
-                <a:ln>
-                  <a:solidFill>
-                    <a:schemeClr val="tx1"/>
-                  </a:solidFill>
-                </a:ln>
-              </p:spPr>
-              <p:style>
-                <a:lnRef idx="2">
-                  <a:schemeClr val="accent1">
-                    <a:shade val="15000"/>
-                  </a:schemeClr>
-                </a:lnRef>
-                <a:fillRef idx="1">
-                  <a:schemeClr val="accent1"/>
-                </a:fillRef>
-                <a:effectRef idx="0">
-                  <a:schemeClr val="accent1"/>
-                </a:effectRef>
-                <a:fontRef idx="minor">
-                  <a:schemeClr val="lt1"/>
-                </a:fontRef>
-              </p:style>
-              <p:txBody>
-                <a:bodyPr rtlCol="0" anchor="ctr"/>
-                <a:lstStyle/>
-                <a:p>
-                  <a:pPr algn="ctr"/>
-                  <a:r>
-                    <a:rPr lang="ko-KR" altLang="en-US" sz="1200" dirty="0">
-                      <a:solidFill>
-                        <a:schemeClr val="tx1"/>
-                      </a:solidFill>
-                    </a:rPr>
-                    <a:t>숙련도</a:t>
-                  </a:r>
-                </a:p>
-              </p:txBody>
-            </p:sp>
-            <p:sp>
-              <p:nvSpPr>
-                <p:cNvPr id="72" name="직사각형 71">
-                  <a:extLst>
-                    <a:ext uri="{FF2B5EF4-FFF2-40B4-BE49-F238E27FC236}">
-                      <a16:creationId xmlns:a16="http://schemas.microsoft.com/office/drawing/2014/main" id="{68BE46C1-7AE3-D192-B96E-E91CE9133B4F}"/>
-                    </a:ext>
-                  </a:extLst>
-                </p:cNvPr>
-                <p:cNvSpPr/>
-                <p:nvPr/>
-              </p:nvSpPr>
-              <p:spPr>
-                <a:xfrm>
-                  <a:off x="1811223" y="4553340"/>
-                  <a:ext cx="767569" cy="343259"/>
-                </a:xfrm>
-                <a:prstGeom prst="rect">
-                  <a:avLst/>
-                </a:prstGeom>
-                <a:noFill/>
-                <a:ln>
-                  <a:solidFill>
-                    <a:schemeClr val="tx1"/>
-                  </a:solidFill>
-                </a:ln>
-              </p:spPr>
-              <p:style>
-                <a:lnRef idx="2">
-                  <a:schemeClr val="accent1">
-                    <a:shade val="15000"/>
-                  </a:schemeClr>
-                </a:lnRef>
-                <a:fillRef idx="1">
-                  <a:schemeClr val="accent1"/>
-                </a:fillRef>
-                <a:effectRef idx="0">
-                  <a:schemeClr val="accent1"/>
-                </a:effectRef>
-                <a:fontRef idx="minor">
-                  <a:schemeClr val="lt1"/>
-                </a:fontRef>
-              </p:style>
-              <p:txBody>
-                <a:bodyPr rtlCol="0" anchor="ctr"/>
-                <a:lstStyle/>
-                <a:p>
-                  <a:pPr algn="ctr"/>
-                  <a:r>
-                    <a:rPr lang="ko-KR" altLang="en-US" sz="1200" dirty="0">
-                      <a:solidFill>
-                        <a:schemeClr val="tx1"/>
-                      </a:solidFill>
-                    </a:rPr>
-                    <a:t>능력치</a:t>
-                  </a:r>
-                </a:p>
-              </p:txBody>
-            </p:sp>
-            <p:sp>
-              <p:nvSpPr>
-                <p:cNvPr id="73" name="직사각형 72">
-                  <a:extLst>
-                    <a:ext uri="{FF2B5EF4-FFF2-40B4-BE49-F238E27FC236}">
-                      <a16:creationId xmlns:a16="http://schemas.microsoft.com/office/drawing/2014/main" id="{79EDE6E7-7B90-E927-4EE8-992A9F820103}"/>
-                    </a:ext>
-                  </a:extLst>
-                </p:cNvPr>
-                <p:cNvSpPr/>
-                <p:nvPr/>
-              </p:nvSpPr>
-              <p:spPr>
-                <a:xfrm>
-                  <a:off x="1089236" y="4553340"/>
-                  <a:ext cx="721986" cy="343259"/>
-                </a:xfrm>
-                <a:prstGeom prst="rect">
-                  <a:avLst/>
-                </a:prstGeom>
-                <a:noFill/>
-                <a:ln>
-                  <a:solidFill>
-                    <a:schemeClr val="tx1"/>
-                  </a:solidFill>
-                </a:ln>
-              </p:spPr>
-              <p:style>
-                <a:lnRef idx="2">
-                  <a:schemeClr val="accent1">
-                    <a:shade val="15000"/>
-                  </a:schemeClr>
-                </a:lnRef>
-                <a:fillRef idx="1">
-                  <a:schemeClr val="accent1"/>
-                </a:fillRef>
-                <a:effectRef idx="0">
-                  <a:schemeClr val="accent1"/>
-                </a:effectRef>
-                <a:fontRef idx="minor">
-                  <a:schemeClr val="lt1"/>
-                </a:fontRef>
-              </p:style>
-              <p:txBody>
-                <a:bodyPr rtlCol="0" anchor="ctr"/>
-                <a:lstStyle/>
-                <a:p>
-                  <a:pPr algn="ctr"/>
-                  <a:r>
-                    <a:rPr lang="ko-KR" altLang="en-US" sz="1200" dirty="0">
-                      <a:solidFill>
-                        <a:schemeClr val="tx1"/>
-                      </a:solidFill>
-                    </a:rPr>
-                    <a:t>상점</a:t>
-                  </a:r>
-                </a:p>
-              </p:txBody>
-            </p:sp>
-            <p:sp>
-              <p:nvSpPr>
-                <p:cNvPr id="74" name="직사각형 73">
-                  <a:extLst>
-                    <a:ext uri="{FF2B5EF4-FFF2-40B4-BE49-F238E27FC236}">
-                      <a16:creationId xmlns:a16="http://schemas.microsoft.com/office/drawing/2014/main" id="{6B16A15B-D420-4330-4205-2E2E28764BCA}"/>
-                    </a:ext>
-                  </a:extLst>
-                </p:cNvPr>
-                <p:cNvSpPr/>
-                <p:nvPr/>
-              </p:nvSpPr>
-              <p:spPr>
-                <a:xfrm>
-                  <a:off x="3383402" y="4553340"/>
-                  <a:ext cx="794112" cy="343259"/>
-                </a:xfrm>
-                <a:prstGeom prst="rect">
-                  <a:avLst/>
-                </a:prstGeom>
-                <a:noFill/>
-                <a:ln>
-                  <a:solidFill>
-                    <a:schemeClr val="tx1"/>
-                  </a:solidFill>
-                </a:ln>
-              </p:spPr>
-              <p:style>
-                <a:lnRef idx="2">
-                  <a:schemeClr val="accent1">
-                    <a:shade val="15000"/>
-                  </a:schemeClr>
-                </a:lnRef>
-                <a:fillRef idx="1">
-                  <a:schemeClr val="accent1"/>
-                </a:fillRef>
-                <a:effectRef idx="0">
-                  <a:schemeClr val="accent1"/>
-                </a:effectRef>
-                <a:fontRef idx="minor">
-                  <a:schemeClr val="lt1"/>
-                </a:fontRef>
-              </p:style>
-              <p:txBody>
-                <a:bodyPr rtlCol="0" anchor="ctr"/>
-                <a:lstStyle/>
-                <a:p>
-                  <a:pPr algn="ctr"/>
-                  <a:r>
-                    <a:rPr lang="ko-KR" altLang="en-US" sz="1200" dirty="0">
-                      <a:solidFill>
-                        <a:schemeClr val="tx1"/>
-                      </a:solidFill>
-                    </a:rPr>
-                    <a:t>장비</a:t>
-                  </a:r>
-                </a:p>
-              </p:txBody>
-            </p:sp>
-          </p:grpSp>
-          <p:sp>
-            <p:nvSpPr>
-              <p:cNvPr id="63" name="직사각형 62">
-                <a:extLst>
-                  <a:ext uri="{FF2B5EF4-FFF2-40B4-BE49-F238E27FC236}">
-                    <a16:creationId xmlns:a16="http://schemas.microsoft.com/office/drawing/2014/main" id="{A9E1BB17-D82F-E921-D2B6-ACC5415E5728}"/>
+                    <a16:creationId xmlns:a16="http://schemas.microsoft.com/office/drawing/2014/main" id="{4329C23D-25CD-D5DF-648B-0D1971C9987A}"/>
                   </a:ext>
                 </a:extLst>
               </p:cNvPr>
@@ -48040,8 +47539,174 @@
             </p:nvSpPr>
             <p:spPr>
               <a:xfrm>
-                <a:off x="3540124" y="2701214"/>
-                <a:ext cx="1404652" cy="237283"/>
+                <a:off x="1089237" y="2701214"/>
+                <a:ext cx="3902901" cy="2195385"/>
+              </a:xfrm>
+              <a:prstGeom prst="rect">
+                <a:avLst/>
+              </a:prstGeom>
+              <a:noFill/>
+            </p:spPr>
+            <p:style>
+              <a:lnRef idx="2">
+                <a:schemeClr val="accent1">
+                  <a:shade val="15000"/>
+                </a:schemeClr>
+              </a:lnRef>
+              <a:fillRef idx="1">
+                <a:schemeClr val="accent1"/>
+              </a:fillRef>
+              <a:effectRef idx="0">
+                <a:schemeClr val="accent1"/>
+              </a:effectRef>
+              <a:fontRef idx="minor">
+                <a:schemeClr val="lt1"/>
+              </a:fontRef>
+            </p:style>
+            <p:txBody>
+              <a:bodyPr rtlCol="0" anchor="ctr"/>
+              <a:lstStyle/>
+              <a:p>
+                <a:pPr algn="ctr"/>
+                <a:endParaRPr lang="ko-KR" altLang="en-US"/>
+              </a:p>
+            </p:txBody>
+          </p:sp>
+          <p:pic>
+            <p:nvPicPr>
+              <p:cNvPr id="67" name="그림 66">
+                <a:extLst>
+                  <a:ext uri="{FF2B5EF4-FFF2-40B4-BE49-F238E27FC236}">
+                    <a16:creationId xmlns:a16="http://schemas.microsoft.com/office/drawing/2014/main" id="{7B8B5DBD-6D8E-1482-4253-26BE5C350685}"/>
+                  </a:ext>
+                </a:extLst>
+              </p:cNvPr>
+              <p:cNvPicPr>
+                <a:picLocks noChangeAspect="1"/>
+              </p:cNvPicPr>
+              <p:nvPr/>
+            </p:nvPicPr>
+            <p:blipFill>
+              <a:blip r:embed="rId4"/>
+              <a:stretch>
+                <a:fillRect/>
+              </a:stretch>
+            </p:blipFill>
+            <p:spPr>
+              <a:xfrm flipH="1">
+                <a:off x="3607209" y="3444643"/>
+                <a:ext cx="349561" cy="903034"/>
+              </a:xfrm>
+              <a:prstGeom prst="rect">
+                <a:avLst/>
+              </a:prstGeom>
+            </p:spPr>
+          </p:pic>
+          <p:sp>
+            <p:nvSpPr>
+              <p:cNvPr id="68" name="TextBox 67">
+                <a:extLst>
+                  <a:ext uri="{FF2B5EF4-FFF2-40B4-BE49-F238E27FC236}">
+                    <a16:creationId xmlns:a16="http://schemas.microsoft.com/office/drawing/2014/main" id="{61B1084E-5A83-9E48-7E52-4820ABA0429B}"/>
+                  </a:ext>
+                </a:extLst>
+              </p:cNvPr>
+              <p:cNvSpPr txBox="1"/>
+              <p:nvPr/>
+            </p:nvSpPr>
+            <p:spPr>
+              <a:xfrm>
+                <a:off x="2726242" y="3117562"/>
+                <a:ext cx="628889" cy="207949"/>
+              </a:xfrm>
+              <a:prstGeom prst="rect">
+                <a:avLst/>
+              </a:prstGeom>
+              <a:noFill/>
+            </p:spPr>
+            <p:txBody>
+              <a:bodyPr wrap="none" rtlCol="0">
+                <a:spAutoFit/>
+              </a:bodyPr>
+              <a:lstStyle/>
+              <a:p>
+                <a:pPr algn="ctr"/>
+                <a:r>
+                  <a:rPr lang="en-US" altLang="ko-KR" sz="1200" dirty="0"/>
+                  <a:t>3-2 Stage</a:t>
+                </a:r>
+                <a:endParaRPr lang="ko-KR" altLang="en-US" sz="1200" dirty="0"/>
+              </a:p>
+            </p:txBody>
+          </p:sp>
+          <p:sp>
+            <p:nvSpPr>
+              <p:cNvPr id="69" name="폭발: 8pt 68">
+                <a:extLst>
+                  <a:ext uri="{FF2B5EF4-FFF2-40B4-BE49-F238E27FC236}">
+                    <a16:creationId xmlns:a16="http://schemas.microsoft.com/office/drawing/2014/main" id="{D30B10B0-4449-D35A-52F3-C72A7E2890D1}"/>
+                  </a:ext>
+                </a:extLst>
+              </p:cNvPr>
+              <p:cNvSpPr/>
+              <p:nvPr/>
+            </p:nvSpPr>
+            <p:spPr>
+              <a:xfrm>
+                <a:off x="3759168" y="3774140"/>
+                <a:ext cx="358414" cy="358414"/>
+              </a:xfrm>
+              <a:prstGeom prst="irregularSeal1">
+                <a:avLst/>
+              </a:prstGeom>
+              <a:solidFill>
+                <a:srgbClr val="FF0000"/>
+              </a:solidFill>
+              <a:ln>
+                <a:noFill/>
+              </a:ln>
+            </p:spPr>
+            <p:style>
+              <a:lnRef idx="2">
+                <a:schemeClr val="accent1">
+                  <a:shade val="15000"/>
+                </a:schemeClr>
+              </a:lnRef>
+              <a:fillRef idx="1">
+                <a:schemeClr val="accent1"/>
+              </a:fillRef>
+              <a:effectRef idx="0">
+                <a:schemeClr val="accent1"/>
+              </a:effectRef>
+              <a:fontRef idx="minor">
+                <a:schemeClr val="lt1"/>
+              </a:fontRef>
+            </p:style>
+            <p:txBody>
+              <a:bodyPr rtlCol="0" anchor="ctr"/>
+              <a:lstStyle/>
+              <a:p>
+                <a:pPr algn="ctr"/>
+                <a:endParaRPr lang="ko-KR" altLang="en-US" dirty="0"/>
+              </a:p>
+            </p:txBody>
+          </p:sp>
+          <p:sp>
+            <p:nvSpPr>
+              <p:cNvPr id="70" name="직사각형 69">
+                <a:extLst>
+                  <a:ext uri="{FF2B5EF4-FFF2-40B4-BE49-F238E27FC236}">
+                    <a16:creationId xmlns:a16="http://schemas.microsoft.com/office/drawing/2014/main" id="{604869A0-071B-0E21-85B7-CFCC2E3F59E9}"/>
+                  </a:ext>
+                </a:extLst>
+              </p:cNvPr>
+              <p:cNvSpPr/>
+              <p:nvPr/>
+            </p:nvSpPr>
+            <p:spPr>
+              <a:xfrm>
+                <a:off x="4177982" y="4553340"/>
+                <a:ext cx="814157" cy="343259"/>
               </a:xfrm>
               <a:prstGeom prst="rect">
                 <a:avLst/>
@@ -48080,17 +47745,17 @@
                       <a:schemeClr val="tx1"/>
                     </a:solidFill>
                   </a:rPr>
-                  <a:t>재화</a:t>
+                  <a:t>포탈</a:t>
                 </a:r>
               </a:p>
             </p:txBody>
           </p:sp>
           <p:sp>
             <p:nvSpPr>
-              <p:cNvPr id="64" name="직사각형 63">
+              <p:cNvPr id="71" name="직사각형 70">
                 <a:extLst>
                   <a:ext uri="{FF2B5EF4-FFF2-40B4-BE49-F238E27FC236}">
-                    <a16:creationId xmlns:a16="http://schemas.microsoft.com/office/drawing/2014/main" id="{D593CEEF-4B48-B43E-7A63-2FFC232910E3}"/>
+                    <a16:creationId xmlns:a16="http://schemas.microsoft.com/office/drawing/2014/main" id="{1AB1AA74-2B9F-793C-BC7A-DDF11C0F6427}"/>
                   </a:ext>
                 </a:extLst>
               </p:cNvPr>
@@ -48099,8 +47764,8 @@
             </p:nvSpPr>
             <p:spPr>
               <a:xfrm>
-                <a:off x="1457537" y="2701214"/>
-                <a:ext cx="751198" cy="237283"/>
+                <a:off x="2584041" y="4553340"/>
+                <a:ext cx="794112" cy="343259"/>
               </a:xfrm>
               <a:prstGeom prst="rect">
                 <a:avLst/>
@@ -48139,7 +47804,184 @@
                       <a:schemeClr val="tx1"/>
                     </a:solidFill>
                   </a:rPr>
-                  <a:t>레벨</a:t>
+                  <a:t>숙련도</a:t>
+                </a:r>
+              </a:p>
+            </p:txBody>
+          </p:sp>
+          <p:sp>
+            <p:nvSpPr>
+              <p:cNvPr id="72" name="직사각형 71">
+                <a:extLst>
+                  <a:ext uri="{FF2B5EF4-FFF2-40B4-BE49-F238E27FC236}">
+                    <a16:creationId xmlns:a16="http://schemas.microsoft.com/office/drawing/2014/main" id="{68BE46C1-7AE3-D192-B96E-E91CE9133B4F}"/>
+                  </a:ext>
+                </a:extLst>
+              </p:cNvPr>
+              <p:cNvSpPr/>
+              <p:nvPr/>
+            </p:nvSpPr>
+            <p:spPr>
+              <a:xfrm>
+                <a:off x="1811223" y="4553340"/>
+                <a:ext cx="767569" cy="343259"/>
+              </a:xfrm>
+              <a:prstGeom prst="rect">
+                <a:avLst/>
+              </a:prstGeom>
+              <a:noFill/>
+              <a:ln>
+                <a:solidFill>
+                  <a:schemeClr val="tx1"/>
+                </a:solidFill>
+              </a:ln>
+            </p:spPr>
+            <p:style>
+              <a:lnRef idx="2">
+                <a:schemeClr val="accent1">
+                  <a:shade val="15000"/>
+                </a:schemeClr>
+              </a:lnRef>
+              <a:fillRef idx="1">
+                <a:schemeClr val="accent1"/>
+              </a:fillRef>
+              <a:effectRef idx="0">
+                <a:schemeClr val="accent1"/>
+              </a:effectRef>
+              <a:fontRef idx="minor">
+                <a:schemeClr val="lt1"/>
+              </a:fontRef>
+            </p:style>
+            <p:txBody>
+              <a:bodyPr rtlCol="0" anchor="ctr"/>
+              <a:lstStyle/>
+              <a:p>
+                <a:pPr algn="ctr"/>
+                <a:r>
+                  <a:rPr lang="ko-KR" altLang="en-US" sz="1200" dirty="0">
+                    <a:solidFill>
+                      <a:schemeClr val="tx1"/>
+                    </a:solidFill>
+                  </a:rPr>
+                  <a:t>능력치</a:t>
+                </a:r>
+              </a:p>
+            </p:txBody>
+          </p:sp>
+          <p:sp>
+            <p:nvSpPr>
+              <p:cNvPr id="73" name="직사각형 72">
+                <a:extLst>
+                  <a:ext uri="{FF2B5EF4-FFF2-40B4-BE49-F238E27FC236}">
+                    <a16:creationId xmlns:a16="http://schemas.microsoft.com/office/drawing/2014/main" id="{79EDE6E7-7B90-E927-4EE8-992A9F820103}"/>
+                  </a:ext>
+                </a:extLst>
+              </p:cNvPr>
+              <p:cNvSpPr/>
+              <p:nvPr/>
+            </p:nvSpPr>
+            <p:spPr>
+              <a:xfrm>
+                <a:off x="1089236" y="4553340"/>
+                <a:ext cx="721986" cy="343259"/>
+              </a:xfrm>
+              <a:prstGeom prst="rect">
+                <a:avLst/>
+              </a:prstGeom>
+              <a:noFill/>
+              <a:ln>
+                <a:solidFill>
+                  <a:schemeClr val="tx1"/>
+                </a:solidFill>
+              </a:ln>
+            </p:spPr>
+            <p:style>
+              <a:lnRef idx="2">
+                <a:schemeClr val="accent1">
+                  <a:shade val="15000"/>
+                </a:schemeClr>
+              </a:lnRef>
+              <a:fillRef idx="1">
+                <a:schemeClr val="accent1"/>
+              </a:fillRef>
+              <a:effectRef idx="0">
+                <a:schemeClr val="accent1"/>
+              </a:effectRef>
+              <a:fontRef idx="minor">
+                <a:schemeClr val="lt1"/>
+              </a:fontRef>
+            </p:style>
+            <p:txBody>
+              <a:bodyPr rtlCol="0" anchor="ctr"/>
+              <a:lstStyle/>
+              <a:p>
+                <a:pPr algn="ctr"/>
+                <a:r>
+                  <a:rPr lang="ko-KR" altLang="en-US" sz="1200" dirty="0">
+                    <a:solidFill>
+                      <a:schemeClr val="tx1"/>
+                    </a:solidFill>
+                  </a:rPr>
+                  <a:t>상점</a:t>
+                </a:r>
+              </a:p>
+            </p:txBody>
+          </p:sp>
+          <p:sp>
+            <p:nvSpPr>
+              <p:cNvPr id="74" name="직사각형 73">
+                <a:extLst>
+                  <a:ext uri="{FF2B5EF4-FFF2-40B4-BE49-F238E27FC236}">
+                    <a16:creationId xmlns:a16="http://schemas.microsoft.com/office/drawing/2014/main" id="{6B16A15B-D420-4330-4205-2E2E28764BCA}"/>
+                  </a:ext>
+                </a:extLst>
+              </p:cNvPr>
+              <p:cNvSpPr/>
+              <p:nvPr/>
+            </p:nvSpPr>
+            <p:spPr>
+              <a:xfrm>
+                <a:off x="3383402" y="4553340"/>
+                <a:ext cx="794112" cy="343259"/>
+              </a:xfrm>
+              <a:prstGeom prst="rect">
+                <a:avLst/>
+              </a:prstGeom>
+              <a:noFill/>
+              <a:ln>
+                <a:solidFill>
+                  <a:schemeClr val="tx1"/>
+                </a:solidFill>
+              </a:ln>
+            </p:spPr>
+            <p:style>
+              <a:lnRef idx="2">
+                <a:schemeClr val="accent1">
+                  <a:shade val="15000"/>
+                </a:schemeClr>
+              </a:lnRef>
+              <a:fillRef idx="1">
+                <a:schemeClr val="accent1"/>
+              </a:fillRef>
+              <a:effectRef idx="0">
+                <a:schemeClr val="accent1"/>
+              </a:effectRef>
+              <a:fontRef idx="minor">
+                <a:schemeClr val="lt1"/>
+              </a:fontRef>
+            </p:style>
+            <p:txBody>
+              <a:bodyPr rtlCol="0" anchor="ctr"/>
+              <a:lstStyle/>
+              <a:p>
+                <a:pPr algn="ctr"/>
+                <a:r>
+                  <a:rPr lang="ko-KR" altLang="en-US" sz="1200" dirty="0">
+                    <a:solidFill>
+                      <a:schemeClr val="tx1"/>
+                    </a:solidFill>
+                  </a:rPr>
+                  <a:t>장비</a:t>
                 </a:r>
               </a:p>
             </p:txBody>
@@ -48147,10 +47989,10 @@
         </p:grpSp>
         <p:sp>
           <p:nvSpPr>
-            <p:cNvPr id="75" name="직사각형 74">
+            <p:cNvPr id="63" name="직사각형 62">
               <a:extLst>
                 <a:ext uri="{FF2B5EF4-FFF2-40B4-BE49-F238E27FC236}">
-                  <a16:creationId xmlns:a16="http://schemas.microsoft.com/office/drawing/2014/main" id="{7AD8089A-B4A6-AF47-2313-D2BE778B88F1}"/>
+                  <a16:creationId xmlns:a16="http://schemas.microsoft.com/office/drawing/2014/main" id="{A9E1BB17-D82F-E921-D2B6-ACC5415E5728}"/>
                 </a:ext>
               </a:extLst>
             </p:cNvPr>
@@ -48159,15 +48001,18 @@
           </p:nvSpPr>
           <p:spPr>
             <a:xfrm>
-              <a:off x="7982667" y="1650874"/>
-              <a:ext cx="3170077" cy="3402957"/>
+              <a:off x="3540124" y="2701214"/>
+              <a:ext cx="1404652" cy="237283"/>
             </a:xfrm>
             <a:prstGeom prst="rect">
               <a:avLst/>
             </a:prstGeom>
-            <a:solidFill>
-              <a:schemeClr val="bg1"/>
-            </a:solidFill>
+            <a:noFill/>
+            <a:ln>
+              <a:solidFill>
+                <a:schemeClr val="tx1"/>
+              </a:solidFill>
+            </a:ln>
           </p:spPr>
           <p:style>
             <a:lnRef idx="2">
@@ -48190,30 +48035,205 @@
             <a:lstStyle/>
             <a:p>
               <a:pPr algn="ctr"/>
-              <a:endParaRPr lang="ko-KR" altLang="en-US" dirty="0"/>
+              <a:r>
+                <a:rPr lang="ko-KR" altLang="en-US" sz="1200" dirty="0">
+                  <a:solidFill>
+                    <a:schemeClr val="tx1"/>
+                  </a:solidFill>
+                </a:rPr>
+                <a:t>재화</a:t>
+              </a:r>
             </a:p>
           </p:txBody>
         </p:sp>
-        <p:cxnSp>
-          <p:nvCxnSpPr>
-            <p:cNvPr id="77" name="직선 화살표 연결선 76">
+        <p:sp>
+          <p:nvSpPr>
+            <p:cNvPr id="64" name="직사각형 63">
               <a:extLst>
                 <a:ext uri="{FF2B5EF4-FFF2-40B4-BE49-F238E27FC236}">
-                  <a16:creationId xmlns:a16="http://schemas.microsoft.com/office/drawing/2014/main" id="{01C2156B-671F-91A6-F906-201767B9DF5F}"/>
+                  <a16:creationId xmlns:a16="http://schemas.microsoft.com/office/drawing/2014/main" id="{D593CEEF-4B48-B43E-7A63-2FFC232910E3}"/>
                 </a:ext>
               </a:extLst>
             </p:cNvPr>
-            <p:cNvCxnSpPr>
-              <a:cxnSpLocks/>
-            </p:cNvCxnSpPr>
+            <p:cNvSpPr/>
             <p:nvPr/>
-          </p:nvCxnSpPr>
+          </p:nvSpPr>
           <p:spPr>
-            <a:xfrm flipH="1">
-              <a:off x="9871529" y="1417320"/>
-              <a:ext cx="1281096" cy="0"/>
+            <a:xfrm>
+              <a:off x="1457537" y="2701214"/>
+              <a:ext cx="751198" cy="237283"/>
             </a:xfrm>
-            <a:prstGeom prst="straightConnector1">
+            <a:prstGeom prst="rect">
+              <a:avLst/>
+            </a:prstGeom>
+            <a:noFill/>
+            <a:ln>
+              <a:solidFill>
+                <a:schemeClr val="tx1"/>
+              </a:solidFill>
+            </a:ln>
+          </p:spPr>
+          <p:style>
+            <a:lnRef idx="2">
+              <a:schemeClr val="accent1">
+                <a:shade val="15000"/>
+              </a:schemeClr>
+            </a:lnRef>
+            <a:fillRef idx="1">
+              <a:schemeClr val="accent1"/>
+            </a:fillRef>
+            <a:effectRef idx="0">
+              <a:schemeClr val="accent1"/>
+            </a:effectRef>
+            <a:fontRef idx="minor">
+              <a:schemeClr val="lt1"/>
+            </a:fontRef>
+          </p:style>
+          <p:txBody>
+            <a:bodyPr rtlCol="0" anchor="ctr"/>
+            <a:lstStyle/>
+            <a:p>
+              <a:pPr algn="ctr"/>
+              <a:r>
+                <a:rPr lang="ko-KR" altLang="en-US" sz="1200" dirty="0">
+                  <a:solidFill>
+                    <a:schemeClr val="tx1"/>
+                  </a:solidFill>
+                </a:rPr>
+                <a:t>레벨</a:t>
+              </a:r>
+            </a:p>
+          </p:txBody>
+        </p:sp>
+      </p:grpSp>
+      <p:sp>
+        <p:nvSpPr>
+          <p:cNvPr id="75" name="직사각형 74">
+            <a:extLst>
+              <a:ext uri="{FF2B5EF4-FFF2-40B4-BE49-F238E27FC236}">
+                <a16:creationId xmlns:a16="http://schemas.microsoft.com/office/drawing/2014/main" id="{7AD8089A-B4A6-AF47-2313-D2BE778B88F1}"/>
+              </a:ext>
+            </a:extLst>
+          </p:cNvPr>
+          <p:cNvSpPr/>
+          <p:nvPr/>
+        </p:nvSpPr>
+        <p:spPr>
+          <a:xfrm>
+            <a:off x="7982667" y="1650874"/>
+            <a:ext cx="3170077" cy="3402957"/>
+          </a:xfrm>
+          <a:prstGeom prst="rect">
+            <a:avLst/>
+          </a:prstGeom>
+          <a:solidFill>
+            <a:schemeClr val="bg1"/>
+          </a:solidFill>
+        </p:spPr>
+        <p:style>
+          <a:lnRef idx="2">
+            <a:schemeClr val="accent1">
+              <a:shade val="15000"/>
+            </a:schemeClr>
+          </a:lnRef>
+          <a:fillRef idx="1">
+            <a:schemeClr val="accent1"/>
+          </a:fillRef>
+          <a:effectRef idx="0">
+            <a:schemeClr val="accent1"/>
+          </a:effectRef>
+          <a:fontRef idx="minor">
+            <a:schemeClr val="lt1"/>
+          </a:fontRef>
+        </p:style>
+        <p:txBody>
+          <a:bodyPr rtlCol="0" anchor="ctr"/>
+          <a:lstStyle/>
+          <a:p>
+            <a:pPr algn="ctr"/>
+            <a:endParaRPr lang="ko-KR" altLang="en-US" dirty="0"/>
+          </a:p>
+        </p:txBody>
+      </p:sp>
+      <p:cxnSp>
+        <p:nvCxnSpPr>
+          <p:cNvPr id="77" name="직선 화살표 연결선 76">
+            <a:extLst>
+              <a:ext uri="{FF2B5EF4-FFF2-40B4-BE49-F238E27FC236}">
+                <a16:creationId xmlns:a16="http://schemas.microsoft.com/office/drawing/2014/main" id="{01C2156B-671F-91A6-F906-201767B9DF5F}"/>
+              </a:ext>
+            </a:extLst>
+          </p:cNvPr>
+          <p:cNvCxnSpPr>
+            <a:cxnSpLocks/>
+          </p:cNvCxnSpPr>
+          <p:nvPr/>
+        </p:nvCxnSpPr>
+        <p:spPr>
+          <a:xfrm flipH="1">
+            <a:off x="9871529" y="1417320"/>
+            <a:ext cx="1281096" cy="0"/>
+          </a:xfrm>
+          <a:prstGeom prst="straightConnector1">
+            <a:avLst/>
+          </a:prstGeom>
+          <a:ln>
+            <a:tailEnd type="triangle"/>
+          </a:ln>
+        </p:spPr>
+        <p:style>
+          <a:lnRef idx="1">
+            <a:schemeClr val="dk1"/>
+          </a:lnRef>
+          <a:fillRef idx="0">
+            <a:schemeClr val="dk1"/>
+          </a:fillRef>
+          <a:effectRef idx="0">
+            <a:schemeClr val="dk1"/>
+          </a:effectRef>
+          <a:fontRef idx="minor">
+            <a:schemeClr val="tx1"/>
+          </a:fontRef>
+        </p:style>
+      </p:cxnSp>
+      <p:grpSp>
+        <p:nvGrpSpPr>
+          <p:cNvPr id="83" name="그룹 82">
+            <a:extLst>
+              <a:ext uri="{FF2B5EF4-FFF2-40B4-BE49-F238E27FC236}">
+                <a16:creationId xmlns:a16="http://schemas.microsoft.com/office/drawing/2014/main" id="{9DB98B21-181C-DDDF-9D5E-EAAB4A3346F7}"/>
+              </a:ext>
+            </a:extLst>
+          </p:cNvPr>
+          <p:cNvGrpSpPr/>
+          <p:nvPr/>
+        </p:nvGrpSpPr>
+        <p:grpSpPr>
+          <a:xfrm>
+            <a:off x="8090616" y="2100012"/>
+            <a:ext cx="2990052" cy="541744"/>
+            <a:chOff x="8289958" y="1823392"/>
+            <a:chExt cx="2606641" cy="512845"/>
+          </a:xfrm>
+        </p:grpSpPr>
+        <p:sp>
+          <p:nvSpPr>
+            <p:cNvPr id="78" name="직사각형 77">
+              <a:extLst>
+                <a:ext uri="{FF2B5EF4-FFF2-40B4-BE49-F238E27FC236}">
+                  <a16:creationId xmlns:a16="http://schemas.microsoft.com/office/drawing/2014/main" id="{E89CF637-BDF2-F07D-CAF4-9EBE05EF107F}"/>
+                </a:ext>
+              </a:extLst>
+            </p:cNvPr>
+            <p:cNvSpPr/>
+            <p:nvPr/>
+          </p:nvSpPr>
+          <p:spPr>
+            <a:xfrm>
+              <a:off x="8289958" y="1823392"/>
+              <a:ext cx="2606641" cy="512845"/>
+            </a:xfrm>
+            <a:prstGeom prst="rect">
               <a:avLst/>
             </a:prstGeom>
             <a:ln>
@@ -48234,668 +48254,148 @@
               <a:schemeClr val="tx1"/>
             </a:fontRef>
           </p:style>
-        </p:cxnSp>
-        <p:grpSp>
-          <p:nvGrpSpPr>
-            <p:cNvPr id="83" name="그룹 82">
-              <a:extLst>
-                <a:ext uri="{FF2B5EF4-FFF2-40B4-BE49-F238E27FC236}">
-                  <a16:creationId xmlns:a16="http://schemas.microsoft.com/office/drawing/2014/main" id="{9DB98B21-181C-DDDF-9D5E-EAAB4A3346F7}"/>
-                </a:ext>
-              </a:extLst>
-            </p:cNvPr>
-            <p:cNvGrpSpPr/>
-            <p:nvPr/>
-          </p:nvGrpSpPr>
-          <p:grpSpPr>
-            <a:xfrm>
-              <a:off x="8090616" y="2100012"/>
-              <a:ext cx="2990052" cy="541744"/>
-              <a:chOff x="8289958" y="1823392"/>
-              <a:chExt cx="2606641" cy="512845"/>
-            </a:xfrm>
-          </p:grpSpPr>
-          <p:sp>
-            <p:nvSpPr>
-              <p:cNvPr id="78" name="직사각형 77">
-                <a:extLst>
-                  <a:ext uri="{FF2B5EF4-FFF2-40B4-BE49-F238E27FC236}">
-                    <a16:creationId xmlns:a16="http://schemas.microsoft.com/office/drawing/2014/main" id="{E89CF637-BDF2-F07D-CAF4-9EBE05EF107F}"/>
-                  </a:ext>
-                </a:extLst>
-              </p:cNvPr>
-              <p:cNvSpPr/>
-              <p:nvPr/>
-            </p:nvSpPr>
-            <p:spPr>
-              <a:xfrm>
-                <a:off x="8289958" y="1823392"/>
-                <a:ext cx="2606641" cy="512845"/>
-              </a:xfrm>
-              <a:prstGeom prst="rect">
-                <a:avLst/>
-              </a:prstGeom>
-              <a:ln>
-                <a:tailEnd type="triangle"/>
-              </a:ln>
-            </p:spPr>
-            <p:style>
-              <a:lnRef idx="1">
-                <a:schemeClr val="dk1"/>
-              </a:lnRef>
-              <a:fillRef idx="0">
-                <a:schemeClr val="dk1"/>
-              </a:fillRef>
-              <a:effectRef idx="0">
-                <a:schemeClr val="dk1"/>
-              </a:effectRef>
-              <a:fontRef idx="minor">
-                <a:schemeClr val="tx1"/>
-              </a:fontRef>
-            </p:style>
-            <p:txBody>
-              <a:bodyPr rtlCol="0" anchor="ctr"/>
-              <a:lstStyle/>
-              <a:p>
-                <a:pPr algn="ctr"/>
-                <a:r>
-                  <a:rPr lang="en-US" altLang="ko-KR" dirty="0"/>
-                  <a:t>Chapter 2</a:t>
-                </a:r>
-                <a:endParaRPr lang="ko-KR" altLang="en-US" dirty="0"/>
-              </a:p>
-            </p:txBody>
-          </p:sp>
-          <p:sp>
-            <p:nvSpPr>
-              <p:cNvPr id="79" name="1/2 액자 78">
-                <a:extLst>
-                  <a:ext uri="{FF2B5EF4-FFF2-40B4-BE49-F238E27FC236}">
-                    <a16:creationId xmlns:a16="http://schemas.microsoft.com/office/drawing/2014/main" id="{9AA61B58-6F43-7090-8DFA-1B1D11E2E2E6}"/>
-                  </a:ext>
-                </a:extLst>
-              </p:cNvPr>
-              <p:cNvSpPr/>
-              <p:nvPr/>
-            </p:nvSpPr>
-            <p:spPr>
-              <a:xfrm rot="18900000">
-                <a:off x="8474987" y="2008057"/>
-                <a:ext cx="184540" cy="184540"/>
-              </a:xfrm>
-              <a:prstGeom prst="halfFrame">
-                <a:avLst/>
-              </a:prstGeom>
-              <a:ln>
-                <a:tailEnd type="triangle"/>
-              </a:ln>
-            </p:spPr>
-            <p:style>
-              <a:lnRef idx="1">
-                <a:schemeClr val="dk1"/>
-              </a:lnRef>
-              <a:fillRef idx="0">
-                <a:schemeClr val="dk1"/>
-              </a:fillRef>
-              <a:effectRef idx="0">
-                <a:schemeClr val="dk1"/>
-              </a:effectRef>
-              <a:fontRef idx="minor">
-                <a:schemeClr val="tx1"/>
-              </a:fontRef>
-            </p:style>
-            <p:txBody>
-              <a:bodyPr rtlCol="0" anchor="ctr"/>
-              <a:lstStyle/>
-              <a:p>
-                <a:pPr algn="ctr"/>
-                <a:endParaRPr lang="ko-KR" altLang="en-US">
-                  <a:solidFill>
-                    <a:schemeClr val="tx1"/>
-                  </a:solidFill>
-                </a:endParaRPr>
-              </a:p>
-            </p:txBody>
-          </p:sp>
-          <p:sp>
-            <p:nvSpPr>
-              <p:cNvPr id="80" name="1/2 액자 79">
-                <a:extLst>
-                  <a:ext uri="{FF2B5EF4-FFF2-40B4-BE49-F238E27FC236}">
-                    <a16:creationId xmlns:a16="http://schemas.microsoft.com/office/drawing/2014/main" id="{A866828A-0A7A-B609-9770-2B11C1836AE1}"/>
-                  </a:ext>
-                </a:extLst>
-              </p:cNvPr>
-              <p:cNvSpPr/>
-              <p:nvPr/>
-            </p:nvSpPr>
-            <p:spPr>
-              <a:xfrm rot="2700000" flipH="1">
-                <a:off x="10533644" y="2008057"/>
-                <a:ext cx="184540" cy="184540"/>
-              </a:xfrm>
-              <a:prstGeom prst="halfFrame">
-                <a:avLst/>
-              </a:prstGeom>
-              <a:ln>
-                <a:tailEnd type="triangle"/>
-              </a:ln>
-            </p:spPr>
-            <p:style>
-              <a:lnRef idx="1">
-                <a:schemeClr val="dk1"/>
-              </a:lnRef>
-              <a:fillRef idx="0">
-                <a:schemeClr val="dk1"/>
-              </a:fillRef>
-              <a:effectRef idx="0">
-                <a:schemeClr val="dk1"/>
-              </a:effectRef>
-              <a:fontRef idx="minor">
-                <a:schemeClr val="tx1"/>
-              </a:fontRef>
-            </p:style>
-            <p:txBody>
-              <a:bodyPr rtlCol="0" anchor="ctr"/>
-              <a:lstStyle/>
-              <a:p>
-                <a:pPr algn="ctr"/>
-                <a:endParaRPr lang="ko-KR" altLang="en-US">
-                  <a:solidFill>
-                    <a:schemeClr val="tx1"/>
-                  </a:solidFill>
-                </a:endParaRPr>
-              </a:p>
-            </p:txBody>
-          </p:sp>
-        </p:grpSp>
-        <p:grpSp>
-          <p:nvGrpSpPr>
-            <p:cNvPr id="104" name="그룹 103">
-              <a:extLst>
-                <a:ext uri="{FF2B5EF4-FFF2-40B4-BE49-F238E27FC236}">
-                  <a16:creationId xmlns:a16="http://schemas.microsoft.com/office/drawing/2014/main" id="{BC46D302-12E3-9D5E-4DE0-89A73715E0C3}"/>
-                </a:ext>
-              </a:extLst>
-            </p:cNvPr>
-            <p:cNvGrpSpPr/>
-            <p:nvPr/>
-          </p:nvGrpSpPr>
-          <p:grpSpPr>
-            <a:xfrm>
-              <a:off x="9487313" y="2741824"/>
-              <a:ext cx="1592165" cy="2198278"/>
-              <a:chOff x="9573506" y="2741824"/>
-              <a:chExt cx="1323092" cy="2198278"/>
-            </a:xfrm>
-          </p:grpSpPr>
-          <p:sp>
-            <p:nvSpPr>
-              <p:cNvPr id="81" name="직사각형 80">
-                <a:extLst>
-                  <a:ext uri="{FF2B5EF4-FFF2-40B4-BE49-F238E27FC236}">
-                    <a16:creationId xmlns:a16="http://schemas.microsoft.com/office/drawing/2014/main" id="{72A1CDAE-9808-FDB1-249C-BDE8DB9B09C4}"/>
-                  </a:ext>
-                </a:extLst>
-              </p:cNvPr>
-              <p:cNvSpPr/>
-              <p:nvPr/>
-            </p:nvSpPr>
-            <p:spPr>
-              <a:xfrm>
-                <a:off x="9573506" y="2741824"/>
-                <a:ext cx="1323092" cy="354681"/>
-              </a:xfrm>
-              <a:prstGeom prst="rect">
-                <a:avLst/>
-              </a:prstGeom>
-              <a:ln>
-                <a:tailEnd type="triangle"/>
-              </a:ln>
-            </p:spPr>
-            <p:style>
-              <a:lnRef idx="1">
-                <a:schemeClr val="dk1"/>
-              </a:lnRef>
-              <a:fillRef idx="0">
-                <a:schemeClr val="dk1"/>
-              </a:fillRef>
-              <a:effectRef idx="0">
-                <a:schemeClr val="dk1"/>
-              </a:effectRef>
-              <a:fontRef idx="minor">
-                <a:schemeClr val="tx1"/>
-              </a:fontRef>
-            </p:style>
-            <p:txBody>
-              <a:bodyPr rtlCol="0" anchor="ctr"/>
-              <a:lstStyle/>
-              <a:p>
-                <a:r>
-                  <a:rPr lang="en-US" altLang="ko-KR" sz="1000" dirty="0"/>
-                  <a:t>2-1 Stage</a:t>
-                </a:r>
-                <a:endParaRPr lang="ko-KR" altLang="en-US" sz="1000" dirty="0"/>
-              </a:p>
-            </p:txBody>
-          </p:sp>
-          <p:sp>
-            <p:nvSpPr>
-              <p:cNvPr id="84" name="직사각형 83">
-                <a:extLst>
-                  <a:ext uri="{FF2B5EF4-FFF2-40B4-BE49-F238E27FC236}">
-                    <a16:creationId xmlns:a16="http://schemas.microsoft.com/office/drawing/2014/main" id="{CE7F75D3-D1E6-9E71-7313-8CFF022A88E3}"/>
-                  </a:ext>
-                </a:extLst>
-              </p:cNvPr>
-              <p:cNvSpPr/>
-              <p:nvPr/>
-            </p:nvSpPr>
-            <p:spPr>
-              <a:xfrm>
-                <a:off x="9573506" y="3202723"/>
-                <a:ext cx="1323092" cy="354681"/>
-              </a:xfrm>
-              <a:prstGeom prst="rect">
-                <a:avLst/>
-              </a:prstGeom>
-              <a:ln>
-                <a:tailEnd type="triangle"/>
-              </a:ln>
-            </p:spPr>
-            <p:style>
-              <a:lnRef idx="1">
-                <a:schemeClr val="dk1"/>
-              </a:lnRef>
-              <a:fillRef idx="0">
-                <a:schemeClr val="dk1"/>
-              </a:fillRef>
-              <a:effectRef idx="0">
-                <a:schemeClr val="dk1"/>
-              </a:effectRef>
-              <a:fontRef idx="minor">
-                <a:schemeClr val="tx1"/>
-              </a:fontRef>
-            </p:style>
-            <p:txBody>
-              <a:bodyPr rtlCol="0" anchor="ctr"/>
-              <a:lstStyle/>
-              <a:p>
-                <a:r>
-                  <a:rPr lang="en-US" altLang="ko-KR" sz="1000" dirty="0"/>
-                  <a:t>2-2 Stage</a:t>
-                </a:r>
-                <a:endParaRPr lang="ko-KR" altLang="en-US" sz="1000" dirty="0"/>
-              </a:p>
-            </p:txBody>
-          </p:sp>
-          <p:sp>
-            <p:nvSpPr>
-              <p:cNvPr id="85" name="직사각형 84">
-                <a:extLst>
-                  <a:ext uri="{FF2B5EF4-FFF2-40B4-BE49-F238E27FC236}">
-                    <a16:creationId xmlns:a16="http://schemas.microsoft.com/office/drawing/2014/main" id="{4BCAEB79-EEB0-ED26-FB7E-4F85C01A14A2}"/>
-                  </a:ext>
-                </a:extLst>
-              </p:cNvPr>
-              <p:cNvSpPr/>
-              <p:nvPr/>
-            </p:nvSpPr>
-            <p:spPr>
-              <a:xfrm>
-                <a:off x="9573506" y="3663622"/>
-                <a:ext cx="1323092" cy="354681"/>
-              </a:xfrm>
-              <a:prstGeom prst="rect">
-                <a:avLst/>
-              </a:prstGeom>
-              <a:ln>
-                <a:tailEnd type="triangle"/>
-              </a:ln>
-            </p:spPr>
-            <p:style>
-              <a:lnRef idx="1">
-                <a:schemeClr val="dk1"/>
-              </a:lnRef>
-              <a:fillRef idx="0">
-                <a:schemeClr val="dk1"/>
-              </a:fillRef>
-              <a:effectRef idx="0">
-                <a:schemeClr val="dk1"/>
-              </a:effectRef>
-              <a:fontRef idx="minor">
-                <a:schemeClr val="tx1"/>
-              </a:fontRef>
-            </p:style>
-            <p:txBody>
-              <a:bodyPr rtlCol="0" anchor="ctr"/>
-              <a:lstStyle/>
-              <a:p>
-                <a:r>
-                  <a:rPr lang="en-US" altLang="ko-KR" sz="1000" dirty="0"/>
-                  <a:t>2-3 Stage</a:t>
-                </a:r>
-                <a:endParaRPr lang="ko-KR" altLang="en-US" sz="1000" dirty="0"/>
-              </a:p>
-            </p:txBody>
-          </p:sp>
-          <p:sp>
-            <p:nvSpPr>
-              <p:cNvPr id="86" name="직사각형 85">
-                <a:extLst>
-                  <a:ext uri="{FF2B5EF4-FFF2-40B4-BE49-F238E27FC236}">
-                    <a16:creationId xmlns:a16="http://schemas.microsoft.com/office/drawing/2014/main" id="{C4AD524E-CDAF-FD1F-2252-7B435F62F9BC}"/>
-                  </a:ext>
-                </a:extLst>
-              </p:cNvPr>
-              <p:cNvSpPr/>
-              <p:nvPr/>
-            </p:nvSpPr>
-            <p:spPr>
-              <a:xfrm>
-                <a:off x="9573506" y="4124521"/>
-                <a:ext cx="1323092" cy="354681"/>
-              </a:xfrm>
-              <a:prstGeom prst="rect">
-                <a:avLst/>
-              </a:prstGeom>
-              <a:ln>
-                <a:tailEnd type="triangle"/>
-              </a:ln>
-            </p:spPr>
-            <p:style>
-              <a:lnRef idx="1">
-                <a:schemeClr val="dk1"/>
-              </a:lnRef>
-              <a:fillRef idx="0">
-                <a:schemeClr val="dk1"/>
-              </a:fillRef>
-              <a:effectRef idx="0">
-                <a:schemeClr val="dk1"/>
-              </a:effectRef>
-              <a:fontRef idx="minor">
-                <a:schemeClr val="tx1"/>
-              </a:fontRef>
-            </p:style>
-            <p:txBody>
-              <a:bodyPr rtlCol="0" anchor="ctr"/>
-              <a:lstStyle/>
-              <a:p>
-                <a:r>
-                  <a:rPr lang="en-US" altLang="ko-KR" sz="1000" dirty="0"/>
-                  <a:t>2-4 Stage</a:t>
-                </a:r>
-                <a:endParaRPr lang="ko-KR" altLang="en-US" sz="1000" dirty="0"/>
-              </a:p>
-            </p:txBody>
-          </p:sp>
-          <p:sp>
-            <p:nvSpPr>
-              <p:cNvPr id="87" name="직사각형 86">
-                <a:extLst>
-                  <a:ext uri="{FF2B5EF4-FFF2-40B4-BE49-F238E27FC236}">
-                    <a16:creationId xmlns:a16="http://schemas.microsoft.com/office/drawing/2014/main" id="{54FAB834-868A-EBC5-183C-5831B26D0F75}"/>
-                  </a:ext>
-                </a:extLst>
-              </p:cNvPr>
-              <p:cNvSpPr/>
-              <p:nvPr/>
-            </p:nvSpPr>
-            <p:spPr>
-              <a:xfrm>
-                <a:off x="9573506" y="4585421"/>
-                <a:ext cx="1323092" cy="354681"/>
-              </a:xfrm>
-              <a:prstGeom prst="rect">
-                <a:avLst/>
-              </a:prstGeom>
-              <a:ln>
-                <a:tailEnd type="triangle"/>
-              </a:ln>
-            </p:spPr>
-            <p:style>
-              <a:lnRef idx="1">
-                <a:schemeClr val="dk1"/>
-              </a:lnRef>
-              <a:fillRef idx="0">
-                <a:schemeClr val="dk1"/>
-              </a:fillRef>
-              <a:effectRef idx="0">
-                <a:schemeClr val="dk1"/>
-              </a:effectRef>
-              <a:fontRef idx="minor">
-                <a:schemeClr val="tx1"/>
-              </a:fontRef>
-            </p:style>
-            <p:txBody>
-              <a:bodyPr rtlCol="0" anchor="ctr"/>
-              <a:lstStyle/>
-              <a:p>
-                <a:r>
-                  <a:rPr lang="en-US" altLang="ko-KR" sz="1000" b="1" dirty="0">
-                    <a:solidFill>
-                      <a:srgbClr val="FF0000"/>
-                    </a:solidFill>
-                  </a:rPr>
-                  <a:t>Boss Stage</a:t>
-                </a:r>
-                <a:endParaRPr lang="ko-KR" altLang="en-US" sz="1000" b="1" dirty="0">
-                  <a:solidFill>
-                    <a:srgbClr val="FF0000"/>
-                  </a:solidFill>
-                </a:endParaRPr>
-              </a:p>
-            </p:txBody>
-          </p:sp>
-        </p:grpSp>
-        <p:sp>
-          <p:nvSpPr>
-            <p:cNvPr id="89" name="TextBox 88">
-              <a:extLst>
-                <a:ext uri="{FF2B5EF4-FFF2-40B4-BE49-F238E27FC236}">
-                  <a16:creationId xmlns:a16="http://schemas.microsoft.com/office/drawing/2014/main" id="{3E83BD9B-9E83-884D-868B-D633E0DBBA59}"/>
-                </a:ext>
-              </a:extLst>
-            </p:cNvPr>
-            <p:cNvSpPr txBox="1"/>
-            <p:nvPr/>
-          </p:nvSpPr>
-          <p:spPr>
-            <a:xfrm>
-              <a:off x="8601647" y="4378687"/>
-              <a:ext cx="585417" cy="276999"/>
-            </a:xfrm>
-            <a:prstGeom prst="rect">
-              <a:avLst/>
-            </a:prstGeom>
-            <a:noFill/>
-          </p:spPr>
           <p:txBody>
-            <a:bodyPr wrap="square" rtlCol="0">
-              <a:spAutoFit/>
-            </a:bodyPr>
+            <a:bodyPr rtlCol="0" anchor="ctr"/>
             <a:lstStyle/>
             <a:p>
+              <a:pPr algn="ctr"/>
               <a:r>
-                <a:rPr lang="en-US" altLang="ko-KR" sz="1200" dirty="0"/>
-                <a:t>X 500</a:t>
+                <a:rPr lang="en-US" altLang="ko-KR" dirty="0"/>
+                <a:t>Chapter 2</a:t>
               </a:r>
-              <a:endParaRPr lang="ko-KR" altLang="en-US" sz="1200" dirty="0"/>
+              <a:endParaRPr lang="ko-KR" altLang="en-US" dirty="0"/>
             </a:p>
           </p:txBody>
         </p:sp>
         <p:sp>
           <p:nvSpPr>
-            <p:cNvPr id="90" name="TextBox 89">
+            <p:cNvPr id="79" name="1/2 액자 78">
               <a:extLst>
                 <a:ext uri="{FF2B5EF4-FFF2-40B4-BE49-F238E27FC236}">
-                  <a16:creationId xmlns:a16="http://schemas.microsoft.com/office/drawing/2014/main" id="{71D3013B-D577-F333-CC12-AC3EC4B5E95A}"/>
+                  <a16:creationId xmlns:a16="http://schemas.microsoft.com/office/drawing/2014/main" id="{9AA61B58-6F43-7090-8DFA-1B1D11E2E2E6}"/>
                 </a:ext>
               </a:extLst>
             </p:cNvPr>
-            <p:cNvSpPr txBox="1"/>
+            <p:cNvSpPr/>
             <p:nvPr/>
           </p:nvSpPr>
           <p:spPr>
-            <a:xfrm>
-              <a:off x="8209100" y="4021809"/>
-              <a:ext cx="1348446" cy="246221"/>
+            <a:xfrm rot="18900000">
+              <a:off x="8474987" y="2008057"/>
+              <a:ext cx="184540" cy="184540"/>
             </a:xfrm>
-            <a:prstGeom prst="rect">
+            <a:prstGeom prst="halfFrame">
               <a:avLst/>
             </a:prstGeom>
-            <a:noFill/>
+            <a:ln>
+              <a:tailEnd type="triangle"/>
+            </a:ln>
           </p:spPr>
+          <p:style>
+            <a:lnRef idx="1">
+              <a:schemeClr val="dk1"/>
+            </a:lnRef>
+            <a:fillRef idx="0">
+              <a:schemeClr val="dk1"/>
+            </a:fillRef>
+            <a:effectRef idx="0">
+              <a:schemeClr val="dk1"/>
+            </a:effectRef>
+            <a:fontRef idx="minor">
+              <a:schemeClr val="tx1"/>
+            </a:fontRef>
+          </p:style>
           <p:txBody>
-            <a:bodyPr wrap="square" rtlCol="0">
-              <a:spAutoFit/>
-            </a:bodyPr>
-            <a:lstStyle/>
-            <a:p>
-              <a:r>
-                <a:rPr lang="ko-KR" altLang="en-US" sz="1000" dirty="0"/>
-                <a:t>최초 클리어 보상</a:t>
-              </a:r>
-            </a:p>
-          </p:txBody>
-        </p:sp>
-        <p:pic>
-          <p:nvPicPr>
-            <p:cNvPr id="91" name="그림 90" descr="픽셀, 스크린샷, 다채로움, 그래픽이(가) 표시된 사진&#10;&#10;자동 생성된 설명">
-              <a:extLst>
-                <a:ext uri="{FF2B5EF4-FFF2-40B4-BE49-F238E27FC236}">
-                  <a16:creationId xmlns:a16="http://schemas.microsoft.com/office/drawing/2014/main" id="{4E356CD6-FF19-08A7-EE03-FBED3191B6A3}"/>
-                </a:ext>
-              </a:extLst>
-            </p:cNvPr>
-            <p:cNvPicPr>
-              <a:picLocks noChangeAspect="1"/>
-            </p:cNvPicPr>
-            <p:nvPr/>
-          </p:nvPicPr>
-          <p:blipFill>
-            <a:blip r:embed="rId5"/>
-            <a:stretch>
-              <a:fillRect/>
-            </a:stretch>
-          </p:blipFill>
-          <p:spPr>
-            <a:xfrm>
-              <a:off x="8283371" y="4325409"/>
-              <a:ext cx="374835" cy="353518"/>
-            </a:xfrm>
-            <a:prstGeom prst="rect">
-              <a:avLst/>
-            </a:prstGeom>
-          </p:spPr>
-        </p:pic>
-        <p:sp>
-          <p:nvSpPr>
-            <p:cNvPr id="94" name="TextBox 93">
-              <a:extLst>
-                <a:ext uri="{FF2B5EF4-FFF2-40B4-BE49-F238E27FC236}">
-                  <a16:creationId xmlns:a16="http://schemas.microsoft.com/office/drawing/2014/main" id="{3A005F5A-E95C-51EB-20D2-407397AC77AE}"/>
-                </a:ext>
-              </a:extLst>
-            </p:cNvPr>
-            <p:cNvSpPr txBox="1"/>
-            <p:nvPr/>
-          </p:nvSpPr>
-          <p:spPr>
-            <a:xfrm>
-              <a:off x="8209100" y="3030766"/>
-              <a:ext cx="997389" cy="246221"/>
-            </a:xfrm>
-            <a:prstGeom prst="rect">
-              <a:avLst/>
-            </a:prstGeom>
-            <a:noFill/>
-          </p:spPr>
-          <p:txBody>
-            <a:bodyPr wrap="square" rtlCol="0">
-              <a:spAutoFit/>
-            </a:bodyPr>
-            <a:lstStyle/>
-            <a:p>
-              <a:r>
-                <a:rPr lang="ko-KR" altLang="en-US" sz="1000" dirty="0"/>
-                <a:t>등장 몬스터</a:t>
-              </a:r>
-            </a:p>
-          </p:txBody>
-        </p:sp>
-        <p:pic>
-          <p:nvPicPr>
-            <p:cNvPr id="95" name="그림 94">
-              <a:extLst>
-                <a:ext uri="{FF2B5EF4-FFF2-40B4-BE49-F238E27FC236}">
-                  <a16:creationId xmlns:a16="http://schemas.microsoft.com/office/drawing/2014/main" id="{C692C807-DCBD-A45C-B59A-DF5C964ACEEB}"/>
-                </a:ext>
-              </a:extLst>
-            </p:cNvPr>
-            <p:cNvPicPr>
-              <a:picLocks noChangeAspect="1"/>
-            </p:cNvPicPr>
-            <p:nvPr/>
-          </p:nvPicPr>
-          <p:blipFill>
-            <a:blip r:embed="rId4"/>
-            <a:stretch>
-              <a:fillRect/>
-            </a:stretch>
-          </p:blipFill>
-          <p:spPr>
-            <a:xfrm flipH="1">
-              <a:off x="8412735" y="3420740"/>
-              <a:ext cx="165416" cy="461362"/>
-            </a:xfrm>
-            <a:prstGeom prst="rect">
-              <a:avLst/>
-            </a:prstGeom>
-          </p:spPr>
-        </p:pic>
-        <p:sp>
-          <p:nvSpPr>
-            <p:cNvPr id="97" name="TextBox 96">
-              <a:extLst>
-                <a:ext uri="{FF2B5EF4-FFF2-40B4-BE49-F238E27FC236}">
-                  <a16:creationId xmlns:a16="http://schemas.microsoft.com/office/drawing/2014/main" id="{5795BC99-DC36-07C5-9C44-2A073A33CC0C}"/>
-                </a:ext>
-              </a:extLst>
-            </p:cNvPr>
-            <p:cNvSpPr txBox="1"/>
-            <p:nvPr/>
-          </p:nvSpPr>
-          <p:spPr>
-            <a:xfrm>
-              <a:off x="8070295" y="1758273"/>
-              <a:ext cx="2990053" cy="317782"/>
-            </a:xfrm>
-            <a:prstGeom prst="rect">
-              <a:avLst/>
-            </a:prstGeom>
-            <a:noFill/>
-          </p:spPr>
-          <p:txBody>
-            <a:bodyPr wrap="square" rtlCol="0">
-              <a:spAutoFit/>
-            </a:bodyPr>
+            <a:bodyPr rtlCol="0" anchor="ctr"/>
             <a:lstStyle/>
             <a:p>
               <a:pPr algn="ctr"/>
-              <a:r>
-                <a:rPr lang="ko-KR" altLang="en-US" dirty="0"/>
-                <a:t>포탈</a:t>
-              </a:r>
+              <a:endParaRPr lang="ko-KR" altLang="en-US">
+                <a:solidFill>
+                  <a:schemeClr val="tx1"/>
+                </a:solidFill>
+              </a:endParaRPr>
             </a:p>
           </p:txBody>
         </p:sp>
         <p:sp>
           <p:nvSpPr>
-            <p:cNvPr id="98" name="곱하기 기호 97">
+            <p:cNvPr id="80" name="1/2 액자 79">
               <a:extLst>
                 <a:ext uri="{FF2B5EF4-FFF2-40B4-BE49-F238E27FC236}">
-                  <a16:creationId xmlns:a16="http://schemas.microsoft.com/office/drawing/2014/main" id="{DF61FDC8-D2E6-F9C7-DE30-529F0FAE3968}"/>
+                  <a16:creationId xmlns:a16="http://schemas.microsoft.com/office/drawing/2014/main" id="{A866828A-0A7A-B609-9770-2B11C1836AE1}"/>
+                </a:ext>
+              </a:extLst>
+            </p:cNvPr>
+            <p:cNvSpPr/>
+            <p:nvPr/>
+          </p:nvSpPr>
+          <p:spPr>
+            <a:xfrm rot="2700000" flipH="1">
+              <a:off x="10533644" y="2008057"/>
+              <a:ext cx="184540" cy="184540"/>
+            </a:xfrm>
+            <a:prstGeom prst="halfFrame">
+              <a:avLst/>
+            </a:prstGeom>
+            <a:ln>
+              <a:tailEnd type="triangle"/>
+            </a:ln>
+          </p:spPr>
+          <p:style>
+            <a:lnRef idx="1">
+              <a:schemeClr val="dk1"/>
+            </a:lnRef>
+            <a:fillRef idx="0">
+              <a:schemeClr val="dk1"/>
+            </a:fillRef>
+            <a:effectRef idx="0">
+              <a:schemeClr val="dk1"/>
+            </a:effectRef>
+            <a:fontRef idx="minor">
+              <a:schemeClr val="tx1"/>
+            </a:fontRef>
+          </p:style>
+          <p:txBody>
+            <a:bodyPr rtlCol="0" anchor="ctr"/>
+            <a:lstStyle/>
+            <a:p>
+              <a:pPr algn="ctr"/>
+              <a:endParaRPr lang="ko-KR" altLang="en-US">
+                <a:solidFill>
+                  <a:schemeClr val="tx1"/>
+                </a:solidFill>
+              </a:endParaRPr>
+            </a:p>
+          </p:txBody>
+        </p:sp>
+      </p:grpSp>
+      <p:grpSp>
+        <p:nvGrpSpPr>
+          <p:cNvPr id="104" name="그룹 103">
+            <a:extLst>
+              <a:ext uri="{FF2B5EF4-FFF2-40B4-BE49-F238E27FC236}">
+                <a16:creationId xmlns:a16="http://schemas.microsoft.com/office/drawing/2014/main" id="{BC46D302-12E3-9D5E-4DE0-89A73715E0C3}"/>
+              </a:ext>
+            </a:extLst>
+          </p:cNvPr>
+          <p:cNvGrpSpPr/>
+          <p:nvPr/>
+        </p:nvGrpSpPr>
+        <p:grpSpPr>
+          <a:xfrm>
+            <a:off x="9487313" y="2741824"/>
+            <a:ext cx="1592165" cy="2198278"/>
+            <a:chOff x="9573506" y="2741824"/>
+            <a:chExt cx="1323092" cy="2198278"/>
+          </a:xfrm>
+        </p:grpSpPr>
+        <p:sp>
+          <p:nvSpPr>
+            <p:cNvPr id="81" name="직사각형 80">
+              <a:extLst>
+                <a:ext uri="{FF2B5EF4-FFF2-40B4-BE49-F238E27FC236}">
+                  <a16:creationId xmlns:a16="http://schemas.microsoft.com/office/drawing/2014/main" id="{72A1CDAE-9808-FDB1-249C-BDE8DB9B09C4}"/>
                 </a:ext>
               </a:extLst>
             </p:cNvPr>
@@ -48904,39 +48404,403 @@
           </p:nvSpPr>
           <p:spPr>
             <a:xfrm>
-              <a:off x="10655508" y="1773493"/>
-              <a:ext cx="248277" cy="248277"/>
+              <a:off x="9573506" y="2741824"/>
+              <a:ext cx="1323092" cy="354681"/>
             </a:xfrm>
-            <a:prstGeom prst="mathMultiply">
-              <a:avLst>
-                <a:gd name="adj1" fmla="val 12882"/>
-              </a:avLst>
+            <a:prstGeom prst="rect">
+              <a:avLst/>
             </a:prstGeom>
+            <a:ln>
+              <a:tailEnd type="triangle"/>
+            </a:ln>
           </p:spPr>
           <p:style>
-            <a:lnRef idx="2">
+            <a:lnRef idx="1">
               <a:schemeClr val="dk1"/>
             </a:lnRef>
-            <a:fillRef idx="1">
-              <a:schemeClr val="lt1"/>
+            <a:fillRef idx="0">
+              <a:schemeClr val="dk1"/>
             </a:fillRef>
             <a:effectRef idx="0">
               <a:schemeClr val="dk1"/>
             </a:effectRef>
             <a:fontRef idx="minor">
-              <a:schemeClr val="dk1"/>
+              <a:schemeClr val="tx1"/>
             </a:fontRef>
           </p:style>
           <p:txBody>
             <a:bodyPr rtlCol="0" anchor="ctr"/>
             <a:lstStyle/>
             <a:p>
-              <a:pPr algn="ctr"/>
-              <a:endParaRPr lang="ko-KR" altLang="en-US"/>
+              <a:r>
+                <a:rPr lang="en-US" altLang="ko-KR" sz="1000" dirty="0"/>
+                <a:t>2-1 Stage</a:t>
+              </a:r>
+              <a:endParaRPr lang="ko-KR" altLang="en-US" sz="1000" dirty="0"/>
+            </a:p>
+          </p:txBody>
+        </p:sp>
+        <p:sp>
+          <p:nvSpPr>
+            <p:cNvPr id="84" name="직사각형 83">
+              <a:extLst>
+                <a:ext uri="{FF2B5EF4-FFF2-40B4-BE49-F238E27FC236}">
+                  <a16:creationId xmlns:a16="http://schemas.microsoft.com/office/drawing/2014/main" id="{CE7F75D3-D1E6-9E71-7313-8CFF022A88E3}"/>
+                </a:ext>
+              </a:extLst>
+            </p:cNvPr>
+            <p:cNvSpPr/>
+            <p:nvPr/>
+          </p:nvSpPr>
+          <p:spPr>
+            <a:xfrm>
+              <a:off x="9573506" y="3202723"/>
+              <a:ext cx="1323092" cy="354681"/>
+            </a:xfrm>
+            <a:prstGeom prst="rect">
+              <a:avLst/>
+            </a:prstGeom>
+            <a:ln>
+              <a:tailEnd type="triangle"/>
+            </a:ln>
+          </p:spPr>
+          <p:style>
+            <a:lnRef idx="1">
+              <a:schemeClr val="dk1"/>
+            </a:lnRef>
+            <a:fillRef idx="0">
+              <a:schemeClr val="dk1"/>
+            </a:fillRef>
+            <a:effectRef idx="0">
+              <a:schemeClr val="dk1"/>
+            </a:effectRef>
+            <a:fontRef idx="minor">
+              <a:schemeClr val="tx1"/>
+            </a:fontRef>
+          </p:style>
+          <p:txBody>
+            <a:bodyPr rtlCol="0" anchor="ctr"/>
+            <a:lstStyle/>
+            <a:p>
+              <a:r>
+                <a:rPr lang="en-US" altLang="ko-KR" sz="1000" dirty="0"/>
+                <a:t>2-2 Stage</a:t>
+              </a:r>
+              <a:endParaRPr lang="ko-KR" altLang="en-US" sz="1000" dirty="0"/>
+            </a:p>
+          </p:txBody>
+        </p:sp>
+        <p:sp>
+          <p:nvSpPr>
+            <p:cNvPr id="85" name="직사각형 84">
+              <a:extLst>
+                <a:ext uri="{FF2B5EF4-FFF2-40B4-BE49-F238E27FC236}">
+                  <a16:creationId xmlns:a16="http://schemas.microsoft.com/office/drawing/2014/main" id="{4BCAEB79-EEB0-ED26-FB7E-4F85C01A14A2}"/>
+                </a:ext>
+              </a:extLst>
+            </p:cNvPr>
+            <p:cNvSpPr/>
+            <p:nvPr/>
+          </p:nvSpPr>
+          <p:spPr>
+            <a:xfrm>
+              <a:off x="9573506" y="3663622"/>
+              <a:ext cx="1323092" cy="354681"/>
+            </a:xfrm>
+            <a:prstGeom prst="rect">
+              <a:avLst/>
+            </a:prstGeom>
+            <a:ln>
+              <a:tailEnd type="triangle"/>
+            </a:ln>
+          </p:spPr>
+          <p:style>
+            <a:lnRef idx="1">
+              <a:schemeClr val="dk1"/>
+            </a:lnRef>
+            <a:fillRef idx="0">
+              <a:schemeClr val="dk1"/>
+            </a:fillRef>
+            <a:effectRef idx="0">
+              <a:schemeClr val="dk1"/>
+            </a:effectRef>
+            <a:fontRef idx="minor">
+              <a:schemeClr val="tx1"/>
+            </a:fontRef>
+          </p:style>
+          <p:txBody>
+            <a:bodyPr rtlCol="0" anchor="ctr"/>
+            <a:lstStyle/>
+            <a:p>
+              <a:r>
+                <a:rPr lang="en-US" altLang="ko-KR" sz="1000" dirty="0"/>
+                <a:t>2-3 Stage</a:t>
+              </a:r>
+              <a:endParaRPr lang="ko-KR" altLang="en-US" sz="1000" dirty="0"/>
+            </a:p>
+          </p:txBody>
+        </p:sp>
+        <p:sp>
+          <p:nvSpPr>
+            <p:cNvPr id="86" name="직사각형 85">
+              <a:extLst>
+                <a:ext uri="{FF2B5EF4-FFF2-40B4-BE49-F238E27FC236}">
+                  <a16:creationId xmlns:a16="http://schemas.microsoft.com/office/drawing/2014/main" id="{C4AD524E-CDAF-FD1F-2252-7B435F62F9BC}"/>
+                </a:ext>
+              </a:extLst>
+            </p:cNvPr>
+            <p:cNvSpPr/>
+            <p:nvPr/>
+          </p:nvSpPr>
+          <p:spPr>
+            <a:xfrm>
+              <a:off x="9573506" y="4124521"/>
+              <a:ext cx="1323092" cy="354681"/>
+            </a:xfrm>
+            <a:prstGeom prst="rect">
+              <a:avLst/>
+            </a:prstGeom>
+            <a:ln>
+              <a:tailEnd type="triangle"/>
+            </a:ln>
+          </p:spPr>
+          <p:style>
+            <a:lnRef idx="1">
+              <a:schemeClr val="dk1"/>
+            </a:lnRef>
+            <a:fillRef idx="0">
+              <a:schemeClr val="dk1"/>
+            </a:fillRef>
+            <a:effectRef idx="0">
+              <a:schemeClr val="dk1"/>
+            </a:effectRef>
+            <a:fontRef idx="minor">
+              <a:schemeClr val="tx1"/>
+            </a:fontRef>
+          </p:style>
+          <p:txBody>
+            <a:bodyPr rtlCol="0" anchor="ctr"/>
+            <a:lstStyle/>
+            <a:p>
+              <a:r>
+                <a:rPr lang="en-US" altLang="ko-KR" sz="1000" dirty="0"/>
+                <a:t>2-4 Stage</a:t>
+              </a:r>
+              <a:endParaRPr lang="ko-KR" altLang="en-US" sz="1000" dirty="0"/>
+            </a:p>
+          </p:txBody>
+        </p:sp>
+        <p:sp>
+          <p:nvSpPr>
+            <p:cNvPr id="87" name="직사각형 86">
+              <a:extLst>
+                <a:ext uri="{FF2B5EF4-FFF2-40B4-BE49-F238E27FC236}">
+                  <a16:creationId xmlns:a16="http://schemas.microsoft.com/office/drawing/2014/main" id="{54FAB834-868A-EBC5-183C-5831B26D0F75}"/>
+                </a:ext>
+              </a:extLst>
+            </p:cNvPr>
+            <p:cNvSpPr/>
+            <p:nvPr/>
+          </p:nvSpPr>
+          <p:spPr>
+            <a:xfrm>
+              <a:off x="9573506" y="4585421"/>
+              <a:ext cx="1323092" cy="354681"/>
+            </a:xfrm>
+            <a:prstGeom prst="rect">
+              <a:avLst/>
+            </a:prstGeom>
+            <a:ln>
+              <a:tailEnd type="triangle"/>
+            </a:ln>
+          </p:spPr>
+          <p:style>
+            <a:lnRef idx="1">
+              <a:schemeClr val="dk1"/>
+            </a:lnRef>
+            <a:fillRef idx="0">
+              <a:schemeClr val="dk1"/>
+            </a:fillRef>
+            <a:effectRef idx="0">
+              <a:schemeClr val="dk1"/>
+            </a:effectRef>
+            <a:fontRef idx="minor">
+              <a:schemeClr val="tx1"/>
+            </a:fontRef>
+          </p:style>
+          <p:txBody>
+            <a:bodyPr rtlCol="0" anchor="ctr"/>
+            <a:lstStyle/>
+            <a:p>
+              <a:r>
+                <a:rPr lang="en-US" altLang="ko-KR" sz="1000" b="1" dirty="0">
+                  <a:solidFill>
+                    <a:srgbClr val="FF0000"/>
+                  </a:solidFill>
+                </a:rPr>
+                <a:t>Boss Stage</a:t>
+              </a:r>
+              <a:endParaRPr lang="ko-KR" altLang="en-US" sz="1000" b="1" dirty="0">
+                <a:solidFill>
+                  <a:srgbClr val="FF0000"/>
+                </a:solidFill>
+              </a:endParaRPr>
             </a:p>
           </p:txBody>
         </p:sp>
       </p:grpSp>
+      <p:sp>
+        <p:nvSpPr>
+          <p:cNvPr id="90" name="TextBox 89">
+            <a:extLst>
+              <a:ext uri="{FF2B5EF4-FFF2-40B4-BE49-F238E27FC236}">
+                <a16:creationId xmlns:a16="http://schemas.microsoft.com/office/drawing/2014/main" id="{71D3013B-D577-F333-CC12-AC3EC4B5E95A}"/>
+              </a:ext>
+            </a:extLst>
+          </p:cNvPr>
+          <p:cNvSpPr txBox="1"/>
+          <p:nvPr/>
+        </p:nvSpPr>
+        <p:spPr>
+          <a:xfrm>
+            <a:off x="8209100" y="4021809"/>
+            <a:ext cx="1348446" cy="246221"/>
+          </a:xfrm>
+          <a:prstGeom prst="rect">
+            <a:avLst/>
+          </a:prstGeom>
+          <a:noFill/>
+        </p:spPr>
+        <p:txBody>
+          <a:bodyPr wrap="square" rtlCol="0">
+            <a:spAutoFit/>
+          </a:bodyPr>
+          <a:lstStyle/>
+          <a:p>
+            <a:r>
+              <a:rPr lang="ko-KR" altLang="en-US" sz="1000" dirty="0"/>
+              <a:t>최초 클리어 보상</a:t>
+            </a:r>
+          </a:p>
+        </p:txBody>
+      </p:sp>
+      <p:sp>
+        <p:nvSpPr>
+          <p:cNvPr id="94" name="TextBox 93">
+            <a:extLst>
+              <a:ext uri="{FF2B5EF4-FFF2-40B4-BE49-F238E27FC236}">
+                <a16:creationId xmlns:a16="http://schemas.microsoft.com/office/drawing/2014/main" id="{3A005F5A-E95C-51EB-20D2-407397AC77AE}"/>
+              </a:ext>
+            </a:extLst>
+          </p:cNvPr>
+          <p:cNvSpPr txBox="1"/>
+          <p:nvPr/>
+        </p:nvSpPr>
+        <p:spPr>
+          <a:xfrm>
+            <a:off x="8209100" y="3030766"/>
+            <a:ext cx="997389" cy="246221"/>
+          </a:xfrm>
+          <a:prstGeom prst="rect">
+            <a:avLst/>
+          </a:prstGeom>
+          <a:noFill/>
+        </p:spPr>
+        <p:txBody>
+          <a:bodyPr wrap="square" rtlCol="0">
+            <a:spAutoFit/>
+          </a:bodyPr>
+          <a:lstStyle/>
+          <a:p>
+            <a:r>
+              <a:rPr lang="ko-KR" altLang="en-US" sz="1000" dirty="0"/>
+              <a:t>등장 몬스터</a:t>
+            </a:r>
+          </a:p>
+        </p:txBody>
+      </p:sp>
+      <p:sp>
+        <p:nvSpPr>
+          <p:cNvPr id="97" name="TextBox 96">
+            <a:extLst>
+              <a:ext uri="{FF2B5EF4-FFF2-40B4-BE49-F238E27FC236}">
+                <a16:creationId xmlns:a16="http://schemas.microsoft.com/office/drawing/2014/main" id="{5795BC99-DC36-07C5-9C44-2A073A33CC0C}"/>
+              </a:ext>
+            </a:extLst>
+          </p:cNvPr>
+          <p:cNvSpPr txBox="1"/>
+          <p:nvPr/>
+        </p:nvSpPr>
+        <p:spPr>
+          <a:xfrm>
+            <a:off x="8070295" y="1758273"/>
+            <a:ext cx="2990053" cy="317782"/>
+          </a:xfrm>
+          <a:prstGeom prst="rect">
+            <a:avLst/>
+          </a:prstGeom>
+          <a:noFill/>
+        </p:spPr>
+        <p:txBody>
+          <a:bodyPr wrap="square" rtlCol="0">
+            <a:spAutoFit/>
+          </a:bodyPr>
+          <a:lstStyle/>
+          <a:p>
+            <a:pPr algn="ctr"/>
+            <a:r>
+              <a:rPr lang="ko-KR" altLang="en-US" dirty="0"/>
+              <a:t>포탈</a:t>
+            </a:r>
+          </a:p>
+        </p:txBody>
+      </p:sp>
+      <p:sp>
+        <p:nvSpPr>
+          <p:cNvPr id="98" name="곱하기 기호 97">
+            <a:extLst>
+              <a:ext uri="{FF2B5EF4-FFF2-40B4-BE49-F238E27FC236}">
+                <a16:creationId xmlns:a16="http://schemas.microsoft.com/office/drawing/2014/main" id="{DF61FDC8-D2E6-F9C7-DE30-529F0FAE3968}"/>
+              </a:ext>
+            </a:extLst>
+          </p:cNvPr>
+          <p:cNvSpPr/>
+          <p:nvPr/>
+        </p:nvSpPr>
+        <p:spPr>
+          <a:xfrm>
+            <a:off x="10655508" y="1773493"/>
+            <a:ext cx="248277" cy="248277"/>
+          </a:xfrm>
+          <a:prstGeom prst="mathMultiply">
+            <a:avLst>
+              <a:gd name="adj1" fmla="val 12882"/>
+            </a:avLst>
+          </a:prstGeom>
+        </p:spPr>
+        <p:style>
+          <a:lnRef idx="2">
+            <a:schemeClr val="dk1"/>
+          </a:lnRef>
+          <a:fillRef idx="1">
+            <a:schemeClr val="lt1"/>
+          </a:fillRef>
+          <a:effectRef idx="0">
+            <a:schemeClr val="dk1"/>
+          </a:effectRef>
+          <a:fontRef idx="minor">
+            <a:schemeClr val="dk1"/>
+          </a:fontRef>
+        </p:style>
+        <p:txBody>
+          <a:bodyPr rtlCol="0" anchor="ctr"/>
+          <a:lstStyle/>
+          <a:p>
+            <a:pPr algn="ctr"/>
+            <a:endParaRPr lang="ko-KR" altLang="en-US"/>
+          </a:p>
+        </p:txBody>
+      </p:sp>
       <p:cxnSp>
         <p:nvCxnSpPr>
           <p:cNvPr id="4" name="연결선: 꺾임 3">
@@ -48979,6 +48843,252 @@
           </a:fontRef>
         </p:style>
       </p:cxnSp>
+      <p:grpSp>
+        <p:nvGrpSpPr>
+          <p:cNvPr id="3" name="그룹 2">
+            <a:extLst>
+              <a:ext uri="{FF2B5EF4-FFF2-40B4-BE49-F238E27FC236}">
+                <a16:creationId xmlns:a16="http://schemas.microsoft.com/office/drawing/2014/main" id="{FA0D6682-7739-19E7-8FCF-4D55A055ADD5}"/>
+              </a:ext>
+            </a:extLst>
+          </p:cNvPr>
+          <p:cNvGrpSpPr/>
+          <p:nvPr/>
+        </p:nvGrpSpPr>
+        <p:grpSpPr>
+          <a:xfrm>
+            <a:off x="8311812" y="3328057"/>
+            <a:ext cx="346394" cy="346394"/>
+            <a:chOff x="8148502" y="6245171"/>
+            <a:chExt cx="223940" cy="223940"/>
+          </a:xfrm>
+        </p:grpSpPr>
+        <p:pic>
+          <p:nvPicPr>
+            <p:cNvPr id="5" name="그림 4">
+              <a:extLst>
+                <a:ext uri="{FF2B5EF4-FFF2-40B4-BE49-F238E27FC236}">
+                  <a16:creationId xmlns:a16="http://schemas.microsoft.com/office/drawing/2014/main" id="{92AFF579-CA08-F9CB-4382-860B1B12F591}"/>
+                </a:ext>
+              </a:extLst>
+            </p:cNvPr>
+            <p:cNvPicPr>
+              <a:picLocks noChangeAspect="1"/>
+            </p:cNvPicPr>
+            <p:nvPr/>
+          </p:nvPicPr>
+          <p:blipFill rotWithShape="1">
+            <a:blip r:embed="rId4"/>
+            <a:srcRect b="55467"/>
+            <a:stretch/>
+          </p:blipFill>
+          <p:spPr>
+            <a:xfrm flipH="1">
+              <a:off x="8182548" y="6275538"/>
+              <a:ext cx="155848" cy="193573"/>
+            </a:xfrm>
+            <a:prstGeom prst="rect">
+              <a:avLst/>
+            </a:prstGeom>
+          </p:spPr>
+        </p:pic>
+        <p:sp>
+          <p:nvSpPr>
+            <p:cNvPr id="6" name="직사각형 5">
+              <a:extLst>
+                <a:ext uri="{FF2B5EF4-FFF2-40B4-BE49-F238E27FC236}">
+                  <a16:creationId xmlns:a16="http://schemas.microsoft.com/office/drawing/2014/main" id="{0D306CBC-ABB7-A4E2-5226-2418E0254763}"/>
+                </a:ext>
+              </a:extLst>
+            </p:cNvPr>
+            <p:cNvSpPr/>
+            <p:nvPr/>
+          </p:nvSpPr>
+          <p:spPr>
+            <a:xfrm>
+              <a:off x="8148502" y="6245171"/>
+              <a:ext cx="223940" cy="223940"/>
+            </a:xfrm>
+            <a:prstGeom prst="rect">
+              <a:avLst/>
+            </a:prstGeom>
+            <a:noFill/>
+            <a:ln>
+              <a:solidFill>
+                <a:schemeClr val="bg1">
+                  <a:lumMod val="85000"/>
+                </a:schemeClr>
+              </a:solidFill>
+            </a:ln>
+          </p:spPr>
+          <p:style>
+            <a:lnRef idx="2">
+              <a:schemeClr val="accent1">
+                <a:shade val="15000"/>
+              </a:schemeClr>
+            </a:lnRef>
+            <a:fillRef idx="1">
+              <a:schemeClr val="accent1"/>
+            </a:fillRef>
+            <a:effectRef idx="0">
+              <a:schemeClr val="accent1"/>
+            </a:effectRef>
+            <a:fontRef idx="minor">
+              <a:schemeClr val="lt1"/>
+            </a:fontRef>
+          </p:style>
+          <p:txBody>
+            <a:bodyPr rtlCol="0" anchor="ctr"/>
+            <a:lstStyle/>
+            <a:p>
+              <a:pPr algn="ctr"/>
+              <a:endParaRPr lang="ko-KR" altLang="en-US"/>
+            </a:p>
+          </p:txBody>
+        </p:sp>
+      </p:grpSp>
+      <p:grpSp>
+        <p:nvGrpSpPr>
+          <p:cNvPr id="10" name="그룹 9">
+            <a:extLst>
+              <a:ext uri="{FF2B5EF4-FFF2-40B4-BE49-F238E27FC236}">
+                <a16:creationId xmlns:a16="http://schemas.microsoft.com/office/drawing/2014/main" id="{A3124430-CBF8-4813-F87D-84E189DB4955}"/>
+              </a:ext>
+            </a:extLst>
+          </p:cNvPr>
+          <p:cNvGrpSpPr/>
+          <p:nvPr/>
+        </p:nvGrpSpPr>
+        <p:grpSpPr>
+          <a:xfrm>
+            <a:off x="8317756" y="4301861"/>
+            <a:ext cx="425533" cy="378259"/>
+            <a:chOff x="9933649" y="5749531"/>
+            <a:chExt cx="425533" cy="378259"/>
+          </a:xfrm>
+        </p:grpSpPr>
+        <p:sp>
+          <p:nvSpPr>
+            <p:cNvPr id="89" name="TextBox 88">
+              <a:extLst>
+                <a:ext uri="{FF2B5EF4-FFF2-40B4-BE49-F238E27FC236}">
+                  <a16:creationId xmlns:a16="http://schemas.microsoft.com/office/drawing/2014/main" id="{3E83BD9B-9E83-884D-868B-D633E0DBBA59}"/>
+                </a:ext>
+              </a:extLst>
+            </p:cNvPr>
+            <p:cNvSpPr txBox="1"/>
+            <p:nvPr/>
+          </p:nvSpPr>
+          <p:spPr>
+            <a:xfrm>
+              <a:off x="10054101" y="5958513"/>
+              <a:ext cx="305081" cy="169277"/>
+            </a:xfrm>
+            <a:prstGeom prst="rect">
+              <a:avLst/>
+            </a:prstGeom>
+            <a:noFill/>
+          </p:spPr>
+          <p:txBody>
+            <a:bodyPr wrap="square" rtlCol="0">
+              <a:spAutoFit/>
+            </a:bodyPr>
+            <a:lstStyle/>
+            <a:p>
+              <a:pPr algn="ctr"/>
+              <a:r>
+                <a:rPr lang="en-US" altLang="ko-KR" sz="500" dirty="0"/>
+                <a:t>500</a:t>
+              </a:r>
+              <a:endParaRPr lang="ko-KR" altLang="en-US" sz="1000" dirty="0"/>
+            </a:p>
+          </p:txBody>
+        </p:sp>
+        <p:pic>
+          <p:nvPicPr>
+            <p:cNvPr id="91" name="그림 90" descr="픽셀, 스크린샷, 다채로움, 그래픽이(가) 표시된 사진&#10;&#10;자동 생성된 설명">
+              <a:extLst>
+                <a:ext uri="{FF2B5EF4-FFF2-40B4-BE49-F238E27FC236}">
+                  <a16:creationId xmlns:a16="http://schemas.microsoft.com/office/drawing/2014/main" id="{4E356CD6-FF19-08A7-EE03-FBED3191B6A3}"/>
+                </a:ext>
+              </a:extLst>
+            </p:cNvPr>
+            <p:cNvPicPr>
+              <a:picLocks noChangeAspect="1"/>
+            </p:cNvPicPr>
+            <p:nvPr/>
+          </p:nvPicPr>
+          <p:blipFill>
+            <a:blip r:embed="rId5"/>
+            <a:stretch>
+              <a:fillRect/>
+            </a:stretch>
+          </p:blipFill>
+          <p:spPr>
+            <a:xfrm>
+              <a:off x="9984210" y="5807066"/>
+              <a:ext cx="245272" cy="231323"/>
+            </a:xfrm>
+            <a:prstGeom prst="rect">
+              <a:avLst/>
+            </a:prstGeom>
+          </p:spPr>
+        </p:pic>
+        <p:sp>
+          <p:nvSpPr>
+            <p:cNvPr id="9" name="직사각형 8">
+              <a:extLst>
+                <a:ext uri="{FF2B5EF4-FFF2-40B4-BE49-F238E27FC236}">
+                  <a16:creationId xmlns:a16="http://schemas.microsoft.com/office/drawing/2014/main" id="{3436B0AA-70EE-C155-13DC-E8FFCD21F3D4}"/>
+                </a:ext>
+              </a:extLst>
+            </p:cNvPr>
+            <p:cNvSpPr/>
+            <p:nvPr/>
+          </p:nvSpPr>
+          <p:spPr>
+            <a:xfrm>
+              <a:off x="9933649" y="5749531"/>
+              <a:ext cx="346394" cy="346394"/>
+            </a:xfrm>
+            <a:prstGeom prst="rect">
+              <a:avLst/>
+            </a:prstGeom>
+            <a:noFill/>
+            <a:ln>
+              <a:solidFill>
+                <a:schemeClr val="bg1">
+                  <a:lumMod val="85000"/>
+                </a:schemeClr>
+              </a:solidFill>
+            </a:ln>
+          </p:spPr>
+          <p:style>
+            <a:lnRef idx="2">
+              <a:schemeClr val="accent1">
+                <a:shade val="15000"/>
+              </a:schemeClr>
+            </a:lnRef>
+            <a:fillRef idx="1">
+              <a:schemeClr val="accent1"/>
+            </a:fillRef>
+            <a:effectRef idx="0">
+              <a:schemeClr val="accent1"/>
+            </a:effectRef>
+            <a:fontRef idx="minor">
+              <a:schemeClr val="lt1"/>
+            </a:fontRef>
+          </p:style>
+          <p:txBody>
+            <a:bodyPr rtlCol="0" anchor="ctr"/>
+            <a:lstStyle/>
+            <a:p>
+              <a:pPr algn="ctr"/>
+              <a:endParaRPr lang="ko-KR" altLang="en-US"/>
+            </a:p>
+          </p:txBody>
+        </p:sp>
+      </p:grpSp>
     </p:spTree>
     <p:extLst>
       <p:ext uri="{BB962C8B-B14F-4D97-AF65-F5344CB8AC3E}">

--- a/GameDesign/팀펄_UI기획.pptx
+++ b/GameDesign/팀펄_UI기획.pptx
@@ -275,7 +275,7 @@
       </p15:sldGuideLst>
     </p:ext>
     <p:ext uri="http://customooxmlschemas.google.com/">
-      <go:slidesCustomData xmlns:go="http://customooxmlschemas.google.com/" xmlns:ahyp="http://schemas.microsoft.com/office/drawing/2018/hyperlinkcolor" xmlns:p15="http://schemas.microsoft.com/office/powerpoint/2012/main" xmlns:p14="http://schemas.microsoft.com/office/powerpoint/2010/main" xmlns:com="http://schemas.openxmlformats.org/drawingml/2006/compatibility" xmlns:pvml="urn:schemas-microsoft-com:office:powerpoint" xmlns:v="urn:schemas-microsoft-com:vml" xmlns:o="urn:schemas-microsoft-com:office:office" xmlns:dgm="http://schemas.openxmlformats.org/drawingml/2006/diagram" xmlns:c="http://schemas.openxmlformats.org/drawingml/2006/chart" xmlns:mv="urn:schemas-microsoft-com:mac:vml" xmlns:mc="http://schemas.openxmlformats.org/markup-compatibility/2006" xmlns="" r:id="rId30" roundtripDataSignature="AMtx7miiSHJ3XJ4MW2M590OQDNRXdaDwBQ=="/>
+      <go:slidesCustomData xmlns="" xmlns:mc="http://schemas.openxmlformats.org/markup-compatibility/2006" xmlns:mv="urn:schemas-microsoft-com:mac:vml" xmlns:c="http://schemas.openxmlformats.org/drawingml/2006/chart" xmlns:dgm="http://schemas.openxmlformats.org/drawingml/2006/diagram" xmlns:o="urn:schemas-microsoft-com:office:office" xmlns:v="urn:schemas-microsoft-com:vml" xmlns:pvml="urn:schemas-microsoft-com:office:powerpoint" xmlns:com="http://schemas.openxmlformats.org/drawingml/2006/compatibility" xmlns:p14="http://schemas.microsoft.com/office/powerpoint/2010/main" xmlns:p15="http://schemas.microsoft.com/office/powerpoint/2012/main" xmlns:ahyp="http://schemas.microsoft.com/office/drawing/2018/hyperlinkcolor" xmlns:go="http://customooxmlschemas.google.com/" r:id="rId30" roundtripDataSignature="AMtx7miiSHJ3XJ4MW2M590OQDNRXdaDwBQ=="/>
     </p:ext>
   </p:extLst>
 </p:presentation>
@@ -10944,6 +10944,123 @@
     <p:extLst>
       <p:ext uri="{BB962C8B-B14F-4D97-AF65-F5344CB8AC3E}">
         <p14:creationId xmlns:p14="http://schemas.microsoft.com/office/powerpoint/2010/main" val="3055541542"/>
+      </p:ext>
+    </p:extLst>
+  </p:cSld>
+  <p:clrMapOvr>
+    <a:masterClrMapping/>
+  </p:clrMapOvr>
+</p:notes>
+</file>
+
+<file path=ppt/notesSlides/notesSlide5.xml><?xml version="1.0" encoding="utf-8"?>
+<p:notes xmlns:a="http://schemas.openxmlformats.org/drawingml/2006/main" xmlns:r="http://schemas.openxmlformats.org/officeDocument/2006/relationships" xmlns:p="http://schemas.openxmlformats.org/presentationml/2006/main">
+  <p:cSld>
+    <p:spTree>
+      <p:nvGrpSpPr>
+        <p:cNvPr id="1" name=""/>
+        <p:cNvGrpSpPr/>
+        <p:nvPr/>
+      </p:nvGrpSpPr>
+      <p:grpSpPr>
+        <a:xfrm>
+          <a:off x="0" y="0"/>
+          <a:ext cx="0" cy="0"/>
+          <a:chOff x="0" y="0"/>
+          <a:chExt cx="0" cy="0"/>
+        </a:xfrm>
+      </p:grpSpPr>
+      <p:sp>
+        <p:nvSpPr>
+          <p:cNvPr id="2" name="슬라이드 이미지 개체 틀 1"/>
+          <p:cNvSpPr>
+            <a:spLocks noGrp="1" noRot="1" noChangeAspect="1"/>
+          </p:cNvSpPr>
+          <p:nvPr>
+            <p:ph type="sldImg"/>
+          </p:nvPr>
+        </p:nvSpPr>
+        <p:spPr/>
+      </p:sp>
+      <p:sp>
+        <p:nvSpPr>
+          <p:cNvPr id="3" name="슬라이드 노트 개체 틀 2"/>
+          <p:cNvSpPr>
+            <a:spLocks noGrp="1"/>
+          </p:cNvSpPr>
+          <p:nvPr>
+            <p:ph type="body" idx="1"/>
+          </p:nvPr>
+        </p:nvSpPr>
+        <p:spPr/>
+        <p:txBody>
+          <a:bodyPr/>
+          <a:lstStyle/>
+          <a:p>
+            <a:endParaRPr lang="ko-KR" altLang="en-US" dirty="0"/>
+          </a:p>
+        </p:txBody>
+      </p:sp>
+      <p:sp>
+        <p:nvSpPr>
+          <p:cNvPr id="4" name="슬라이드 번호 개체 틀 3"/>
+          <p:cNvSpPr>
+            <a:spLocks noGrp="1"/>
+          </p:cNvSpPr>
+          <p:nvPr>
+            <p:ph type="sldNum" idx="12"/>
+          </p:nvPr>
+        </p:nvSpPr>
+        <p:spPr/>
+        <p:txBody>
+          <a:bodyPr/>
+          <a:lstStyle/>
+          <a:p>
+            <a:pPr marL="0" marR="0" lvl="0" indent="0" algn="r" rtl="0">
+              <a:lnSpc>
+                <a:spcPct val="100000"/>
+              </a:lnSpc>
+              <a:spcBef>
+                <a:spcPts val="0"/>
+              </a:spcBef>
+              <a:spcAft>
+                <a:spcPts val="0"/>
+              </a:spcAft>
+              <a:buClr>
+                <a:srgbClr val="000000"/>
+              </a:buClr>
+              <a:buSzPts val="1200"/>
+              <a:buFont typeface="Arial"/>
+              <a:buNone/>
+            </a:pPr>
+            <a:fld id="{00000000-1234-1234-1234-123412341234}" type="slidenum">
+              <a:rPr lang="en-US" sz="1200" b="0" i="0" u="none" strike="noStrike" cap="none" smtClean="0">
+                <a:solidFill>
+                  <a:schemeClr val="dk1"/>
+                </a:solidFill>
+                <a:latin typeface="Malgun Gothic"/>
+                <a:ea typeface="Malgun Gothic"/>
+                <a:cs typeface="Malgun Gothic"/>
+                <a:sym typeface="Malgun Gothic"/>
+              </a:rPr>
+              <a:t>15</a:t>
+            </a:fld>
+            <a:endParaRPr lang="en-US" sz="1200" b="0" i="0" u="none" strike="noStrike" cap="none">
+              <a:solidFill>
+                <a:schemeClr val="dk1"/>
+              </a:solidFill>
+              <a:latin typeface="Malgun Gothic"/>
+              <a:ea typeface="Malgun Gothic"/>
+              <a:cs typeface="Malgun Gothic"/>
+              <a:sym typeface="Malgun Gothic"/>
+            </a:endParaRPr>
+          </a:p>
+        </p:txBody>
+      </p:sp>
+    </p:spTree>
+    <p:extLst>
+      <p:ext uri="{BB962C8B-B14F-4D97-AF65-F5344CB8AC3E}">
+        <p14:creationId xmlns:p14="http://schemas.microsoft.com/office/powerpoint/2010/main" val="858674945"/>
       </p:ext>
     </p:extLst>
   </p:cSld>
@@ -18700,7 +18817,7 @@
               <p:nvPr/>
             </p:nvPicPr>
             <p:blipFill>
-              <a:blip r:embed="rId2"/>
+              <a:blip r:embed="rId3"/>
               <a:stretch>
                 <a:fillRect/>
               </a:stretch>
@@ -18730,7 +18847,7 @@
               <p:nvPr/>
             </p:nvPicPr>
             <p:blipFill>
-              <a:blip r:embed="rId3"/>
+              <a:blip r:embed="rId4"/>
               <a:stretch>
                 <a:fillRect/>
               </a:stretch>
@@ -19195,7 +19312,7 @@
             <p:nvPr/>
           </p:nvPicPr>
           <p:blipFill>
-            <a:blip r:embed="rId4"/>
+            <a:blip r:embed="rId5"/>
             <a:stretch>
               <a:fillRect/>
             </a:stretch>
@@ -19225,7 +19342,7 @@
             <p:nvPr/>
           </p:nvPicPr>
           <p:blipFill>
-            <a:blip r:embed="rId5"/>
+            <a:blip r:embed="rId6"/>
             <a:stretch>
               <a:fillRect/>
             </a:stretch>
@@ -48120,8 +48237,8 @@
         </p:nvSpPr>
         <p:spPr>
           <a:xfrm>
-            <a:off x="7982667" y="1650874"/>
-            <a:ext cx="3170077" cy="3402957"/>
+            <a:off x="8451009" y="1645595"/>
+            <a:ext cx="2701735" cy="3402957"/>
           </a:xfrm>
           <a:prstGeom prst="rect">
             <a:avLst/>
@@ -48210,8 +48327,8 @@
         </p:nvGrpSpPr>
         <p:grpSpPr>
           <a:xfrm>
-            <a:off x="8090616" y="2100012"/>
-            <a:ext cx="2990052" cy="541744"/>
+            <a:off x="8578230" y="2100012"/>
+            <a:ext cx="2432433" cy="541744"/>
             <a:chOff x="8289958" y="1823392"/>
             <a:chExt cx="2606641" cy="512845"/>
           </a:xfrm>
@@ -48384,8 +48501,8 @@
         </p:nvGrpSpPr>
         <p:grpSpPr>
           <a:xfrm>
-            <a:off x="9487313" y="2741824"/>
-            <a:ext cx="1592165" cy="2198278"/>
+            <a:off x="9734231" y="2741824"/>
+            <a:ext cx="1234641" cy="2198278"/>
             <a:chOff x="9573506" y="2741824"/>
             <a:chExt cx="1323092" cy="2198278"/>
           </a:xfrm>
@@ -48663,7 +48780,7 @@
         </p:nvSpPr>
         <p:spPr>
           <a:xfrm>
-            <a:off x="8209100" y="4021809"/>
+            <a:off x="8509733" y="4021809"/>
             <a:ext cx="1348446" cy="246221"/>
           </a:xfrm>
           <a:prstGeom prst="rect">
@@ -48698,7 +48815,7 @@
         </p:nvSpPr>
         <p:spPr>
           <a:xfrm>
-            <a:off x="8209100" y="3030766"/>
+            <a:off x="8512830" y="3038568"/>
             <a:ext cx="997389" cy="246221"/>
           </a:xfrm>
           <a:prstGeom prst="rect">
@@ -48733,8 +48850,8 @@
         </p:nvSpPr>
         <p:spPr>
           <a:xfrm>
-            <a:off x="8070295" y="1758273"/>
-            <a:ext cx="2990053" cy="317782"/>
+            <a:off x="8509733" y="1758273"/>
+            <a:ext cx="2534993" cy="317782"/>
           </a:xfrm>
           <a:prstGeom prst="rect">
             <a:avLst/>
@@ -48857,7 +48974,7 @@
         </p:nvGrpSpPr>
         <p:grpSpPr>
           <a:xfrm>
-            <a:off x="8311812" y="3328057"/>
+            <a:off x="8612445" y="3328057"/>
             <a:ext cx="346394" cy="346394"/>
             <a:chOff x="8148502" y="6245171"/>
             <a:chExt cx="223940" cy="223940"/>
@@ -48961,7 +49078,7 @@
         </p:nvGrpSpPr>
         <p:grpSpPr>
           <a:xfrm>
-            <a:off x="8317756" y="4301861"/>
+            <a:off x="8618389" y="4301861"/>
             <a:ext cx="425533" cy="378259"/>
             <a:chOff x="9933649" y="5749531"/>
             <a:chExt cx="425533" cy="378259"/>
@@ -49085,6 +49202,443 @@
             <a:p>
               <a:pPr algn="ctr"/>
               <a:endParaRPr lang="ko-KR" altLang="en-US"/>
+            </a:p>
+          </p:txBody>
+        </p:sp>
+      </p:grpSp>
+      <p:grpSp>
+        <p:nvGrpSpPr>
+          <p:cNvPr id="7" name="그룹 6">
+            <a:extLst>
+              <a:ext uri="{FF2B5EF4-FFF2-40B4-BE49-F238E27FC236}">
+                <a16:creationId xmlns:a16="http://schemas.microsoft.com/office/drawing/2014/main" id="{039AD35A-A0A1-379D-8A6F-F533BA7E5DFB}"/>
+              </a:ext>
+            </a:extLst>
+          </p:cNvPr>
+          <p:cNvGrpSpPr/>
+          <p:nvPr/>
+        </p:nvGrpSpPr>
+        <p:grpSpPr>
+          <a:xfrm>
+            <a:off x="5143517" y="1943684"/>
+            <a:ext cx="2600661" cy="2748809"/>
+            <a:chOff x="5216259" y="2294084"/>
+            <a:chExt cx="2210159" cy="2153928"/>
+          </a:xfrm>
+        </p:grpSpPr>
+        <p:sp>
+          <p:nvSpPr>
+            <p:cNvPr id="8" name="직사각형 7">
+              <a:extLst>
+                <a:ext uri="{FF2B5EF4-FFF2-40B4-BE49-F238E27FC236}">
+                  <a16:creationId xmlns:a16="http://schemas.microsoft.com/office/drawing/2014/main" id="{0F12383C-2911-8E8B-7FBD-ADAF8C2EED1D}"/>
+                </a:ext>
+              </a:extLst>
+            </p:cNvPr>
+            <p:cNvSpPr/>
+            <p:nvPr/>
+          </p:nvSpPr>
+          <p:spPr>
+            <a:xfrm>
+              <a:off x="5227543" y="2294084"/>
+              <a:ext cx="2198875" cy="2153928"/>
+            </a:xfrm>
+            <a:prstGeom prst="rect">
+              <a:avLst/>
+            </a:prstGeom>
+            <a:solidFill>
+              <a:schemeClr val="bg1"/>
+            </a:solidFill>
+          </p:spPr>
+          <p:style>
+            <a:lnRef idx="2">
+              <a:schemeClr val="accent1">
+                <a:shade val="15000"/>
+              </a:schemeClr>
+            </a:lnRef>
+            <a:fillRef idx="1">
+              <a:schemeClr val="accent1"/>
+            </a:fillRef>
+            <a:effectRef idx="0">
+              <a:schemeClr val="accent1"/>
+            </a:effectRef>
+            <a:fontRef idx="minor">
+              <a:schemeClr val="lt1"/>
+            </a:fontRef>
+          </p:style>
+          <p:txBody>
+            <a:bodyPr rtlCol="0" anchor="ctr"/>
+            <a:lstStyle/>
+            <a:p>
+              <a:pPr algn="ctr"/>
+              <a:endParaRPr lang="ko-KR" altLang="en-US" dirty="0"/>
+            </a:p>
+          </p:txBody>
+        </p:sp>
+        <p:sp>
+          <p:nvSpPr>
+            <p:cNvPr id="11" name="TextBox 10">
+              <a:extLst>
+                <a:ext uri="{FF2B5EF4-FFF2-40B4-BE49-F238E27FC236}">
+                  <a16:creationId xmlns:a16="http://schemas.microsoft.com/office/drawing/2014/main" id="{8B44A096-5E33-1068-4CF5-CA594561A069}"/>
+                </a:ext>
+              </a:extLst>
+            </p:cNvPr>
+            <p:cNvSpPr txBox="1"/>
+            <p:nvPr/>
+          </p:nvSpPr>
+          <p:spPr>
+            <a:xfrm>
+              <a:off x="5216259" y="2407867"/>
+              <a:ext cx="2210159" cy="276999"/>
+            </a:xfrm>
+            <a:prstGeom prst="rect">
+              <a:avLst/>
+            </a:prstGeom>
+            <a:noFill/>
+          </p:spPr>
+          <p:txBody>
+            <a:bodyPr wrap="square" rtlCol="0">
+              <a:spAutoFit/>
+            </a:bodyPr>
+            <a:lstStyle/>
+            <a:p>
+              <a:pPr algn="ctr"/>
+              <a:r>
+                <a:rPr lang="ko-KR" altLang="en-US" sz="1200" dirty="0"/>
+                <a:t>장착 중인 장비</a:t>
+              </a:r>
+            </a:p>
+          </p:txBody>
+        </p:sp>
+        <p:pic>
+          <p:nvPicPr>
+            <p:cNvPr id="12" name="그림 11">
+              <a:extLst>
+                <a:ext uri="{FF2B5EF4-FFF2-40B4-BE49-F238E27FC236}">
+                  <a16:creationId xmlns:a16="http://schemas.microsoft.com/office/drawing/2014/main" id="{48C8E2A0-322D-E65D-C41C-CDA4D5C62F87}"/>
+                </a:ext>
+              </a:extLst>
+            </p:cNvPr>
+            <p:cNvPicPr>
+              <a:picLocks noChangeAspect="1"/>
+            </p:cNvPicPr>
+            <p:nvPr/>
+          </p:nvPicPr>
+          <p:blipFill>
+            <a:blip r:embed="rId6"/>
+            <a:stretch>
+              <a:fillRect/>
+            </a:stretch>
+          </p:blipFill>
+          <p:spPr>
+            <a:xfrm>
+              <a:off x="5381134" y="2767775"/>
+              <a:ext cx="1860296" cy="768453"/>
+            </a:xfrm>
+            <a:prstGeom prst="rect">
+              <a:avLst/>
+            </a:prstGeom>
+          </p:spPr>
+        </p:pic>
+        <p:sp>
+          <p:nvSpPr>
+            <p:cNvPr id="13" name="TextBox 12">
+              <a:extLst>
+                <a:ext uri="{FF2B5EF4-FFF2-40B4-BE49-F238E27FC236}">
+                  <a16:creationId xmlns:a16="http://schemas.microsoft.com/office/drawing/2014/main" id="{AC2E665A-BAE5-A214-AB67-D9FB6A8E0532}"/>
+                </a:ext>
+              </a:extLst>
+            </p:cNvPr>
+            <p:cNvSpPr txBox="1"/>
+            <p:nvPr/>
+          </p:nvSpPr>
+          <p:spPr>
+            <a:xfrm>
+              <a:off x="5701407" y="3691277"/>
+              <a:ext cx="1239862" cy="215444"/>
+            </a:xfrm>
+            <a:prstGeom prst="rect">
+              <a:avLst/>
+            </a:prstGeom>
+            <a:noFill/>
+          </p:spPr>
+          <p:txBody>
+            <a:bodyPr wrap="square" rtlCol="0">
+              <a:spAutoFit/>
+            </a:bodyPr>
+            <a:lstStyle/>
+            <a:p>
+              <a:pPr algn="ctr"/>
+              <a:r>
+                <a:rPr lang="ko-KR" altLang="en-US" sz="800" dirty="0" err="1"/>
+                <a:t>프리셋</a:t>
+              </a:r>
+              <a:endParaRPr lang="ko-KR" altLang="en-US" sz="800" dirty="0"/>
+            </a:p>
+          </p:txBody>
+        </p:sp>
+        <p:sp>
+          <p:nvSpPr>
+            <p:cNvPr id="14" name="직사각형 13">
+              <a:extLst>
+                <a:ext uri="{FF2B5EF4-FFF2-40B4-BE49-F238E27FC236}">
+                  <a16:creationId xmlns:a16="http://schemas.microsoft.com/office/drawing/2014/main" id="{594EA100-CAB1-5FD1-9C7F-4805676C378A}"/>
+                </a:ext>
+              </a:extLst>
+            </p:cNvPr>
+            <p:cNvSpPr/>
+            <p:nvPr/>
+          </p:nvSpPr>
+          <p:spPr>
+            <a:xfrm>
+              <a:off x="5397939" y="3991923"/>
+              <a:ext cx="314784" cy="314784"/>
+            </a:xfrm>
+            <a:prstGeom prst="rect">
+              <a:avLst/>
+            </a:prstGeom>
+            <a:noFill/>
+            <a:ln>
+              <a:solidFill>
+                <a:schemeClr val="bg1">
+                  <a:lumMod val="85000"/>
+                </a:schemeClr>
+              </a:solidFill>
+            </a:ln>
+          </p:spPr>
+          <p:style>
+            <a:lnRef idx="2">
+              <a:schemeClr val="accent1">
+                <a:shade val="15000"/>
+              </a:schemeClr>
+            </a:lnRef>
+            <a:fillRef idx="1">
+              <a:schemeClr val="accent1"/>
+            </a:fillRef>
+            <a:effectRef idx="0">
+              <a:schemeClr val="accent1"/>
+            </a:effectRef>
+            <a:fontRef idx="minor">
+              <a:schemeClr val="lt1"/>
+            </a:fontRef>
+          </p:style>
+          <p:txBody>
+            <a:bodyPr rtlCol="0" anchor="ctr"/>
+            <a:lstStyle/>
+            <a:p>
+              <a:pPr algn="ctr"/>
+              <a:r>
+                <a:rPr lang="en-US" altLang="ko-KR" dirty="0">
+                  <a:solidFill>
+                    <a:schemeClr val="tx1"/>
+                  </a:solidFill>
+                </a:rPr>
+                <a:t>1</a:t>
+              </a:r>
+              <a:endParaRPr lang="ko-KR" altLang="en-US" dirty="0">
+                <a:solidFill>
+                  <a:schemeClr val="tx1"/>
+                </a:solidFill>
+              </a:endParaRPr>
+            </a:p>
+          </p:txBody>
+        </p:sp>
+        <p:sp>
+          <p:nvSpPr>
+            <p:cNvPr id="15" name="직사각형 14">
+              <a:extLst>
+                <a:ext uri="{FF2B5EF4-FFF2-40B4-BE49-F238E27FC236}">
+                  <a16:creationId xmlns:a16="http://schemas.microsoft.com/office/drawing/2014/main" id="{39E29AAB-148A-8BD4-30E2-44B47CF47605}"/>
+                </a:ext>
+              </a:extLst>
+            </p:cNvPr>
+            <p:cNvSpPr/>
+            <p:nvPr/>
+          </p:nvSpPr>
+          <p:spPr>
+            <a:xfrm>
+              <a:off x="5897157" y="3991923"/>
+              <a:ext cx="314784" cy="314784"/>
+            </a:xfrm>
+            <a:prstGeom prst="rect">
+              <a:avLst/>
+            </a:prstGeom>
+            <a:noFill/>
+            <a:ln>
+              <a:solidFill>
+                <a:schemeClr val="bg1">
+                  <a:lumMod val="85000"/>
+                </a:schemeClr>
+              </a:solidFill>
+            </a:ln>
+          </p:spPr>
+          <p:style>
+            <a:lnRef idx="2">
+              <a:schemeClr val="accent1">
+                <a:shade val="15000"/>
+              </a:schemeClr>
+            </a:lnRef>
+            <a:fillRef idx="1">
+              <a:schemeClr val="accent1"/>
+            </a:fillRef>
+            <a:effectRef idx="0">
+              <a:schemeClr val="accent1"/>
+            </a:effectRef>
+            <a:fontRef idx="minor">
+              <a:schemeClr val="lt1"/>
+            </a:fontRef>
+          </p:style>
+          <p:txBody>
+            <a:bodyPr rtlCol="0" anchor="ctr"/>
+            <a:lstStyle/>
+            <a:p>
+              <a:pPr algn="ctr"/>
+              <a:r>
+                <a:rPr lang="en-US" altLang="ko-KR" dirty="0">
+                  <a:solidFill>
+                    <a:schemeClr val="tx1"/>
+                  </a:solidFill>
+                </a:rPr>
+                <a:t>2</a:t>
+              </a:r>
+              <a:endParaRPr lang="ko-KR" altLang="en-US" dirty="0">
+                <a:solidFill>
+                  <a:schemeClr val="tx1"/>
+                </a:solidFill>
+              </a:endParaRPr>
+            </a:p>
+          </p:txBody>
+        </p:sp>
+        <p:sp>
+          <p:nvSpPr>
+            <p:cNvPr id="16" name="직사각형 15">
+              <a:extLst>
+                <a:ext uri="{FF2B5EF4-FFF2-40B4-BE49-F238E27FC236}">
+                  <a16:creationId xmlns:a16="http://schemas.microsoft.com/office/drawing/2014/main" id="{70B3D34E-F7FD-F4C2-01F8-B027790BA569}"/>
+                </a:ext>
+              </a:extLst>
+            </p:cNvPr>
+            <p:cNvSpPr/>
+            <p:nvPr/>
+          </p:nvSpPr>
+          <p:spPr>
+            <a:xfrm>
+              <a:off x="6941269" y="3991923"/>
+              <a:ext cx="314784" cy="314784"/>
+            </a:xfrm>
+            <a:prstGeom prst="rect">
+              <a:avLst/>
+            </a:prstGeom>
+            <a:noFill/>
+            <a:ln>
+              <a:solidFill>
+                <a:schemeClr val="bg1">
+                  <a:lumMod val="85000"/>
+                </a:schemeClr>
+              </a:solidFill>
+            </a:ln>
+          </p:spPr>
+          <p:style>
+            <a:lnRef idx="2">
+              <a:schemeClr val="accent1">
+                <a:shade val="15000"/>
+              </a:schemeClr>
+            </a:lnRef>
+            <a:fillRef idx="1">
+              <a:schemeClr val="accent1"/>
+            </a:fillRef>
+            <a:effectRef idx="0">
+              <a:schemeClr val="accent1"/>
+            </a:effectRef>
+            <a:fontRef idx="minor">
+              <a:schemeClr val="lt1"/>
+            </a:fontRef>
+          </p:style>
+          <p:txBody>
+            <a:bodyPr rtlCol="0" anchor="ctr"/>
+            <a:lstStyle/>
+            <a:p>
+              <a:pPr algn="ctr"/>
+              <a:r>
+                <a:rPr lang="en-US" altLang="ko-KR" dirty="0">
+                  <a:solidFill>
+                    <a:schemeClr val="tx1"/>
+                  </a:solidFill>
+                </a:rPr>
+                <a:t>4</a:t>
+              </a:r>
+              <a:endParaRPr lang="ko-KR" altLang="en-US" dirty="0">
+                <a:solidFill>
+                  <a:schemeClr val="tx1"/>
+                </a:solidFill>
+              </a:endParaRPr>
+            </a:p>
+          </p:txBody>
+        </p:sp>
+        <p:sp>
+          <p:nvSpPr>
+            <p:cNvPr id="17" name="직사각형 16">
+              <a:extLst>
+                <a:ext uri="{FF2B5EF4-FFF2-40B4-BE49-F238E27FC236}">
+                  <a16:creationId xmlns:a16="http://schemas.microsoft.com/office/drawing/2014/main" id="{A44897EB-6BF3-34FF-1081-C56AC4356421}"/>
+                </a:ext>
+              </a:extLst>
+            </p:cNvPr>
+            <p:cNvSpPr/>
+            <p:nvPr/>
+          </p:nvSpPr>
+          <p:spPr>
+            <a:xfrm>
+              <a:off x="6411207" y="3991923"/>
+              <a:ext cx="314784" cy="314784"/>
+            </a:xfrm>
+            <a:prstGeom prst="rect">
+              <a:avLst/>
+            </a:prstGeom>
+            <a:noFill/>
+            <a:ln>
+              <a:solidFill>
+                <a:schemeClr val="bg1">
+                  <a:lumMod val="85000"/>
+                </a:schemeClr>
+              </a:solidFill>
+            </a:ln>
+          </p:spPr>
+          <p:style>
+            <a:lnRef idx="2">
+              <a:schemeClr val="accent1">
+                <a:shade val="15000"/>
+              </a:schemeClr>
+            </a:lnRef>
+            <a:fillRef idx="1">
+              <a:schemeClr val="accent1"/>
+            </a:fillRef>
+            <a:effectRef idx="0">
+              <a:schemeClr val="accent1"/>
+            </a:effectRef>
+            <a:fontRef idx="minor">
+              <a:schemeClr val="lt1"/>
+            </a:fontRef>
+          </p:style>
+          <p:txBody>
+            <a:bodyPr rtlCol="0" anchor="ctr"/>
+            <a:lstStyle/>
+            <a:p>
+              <a:pPr algn="ctr"/>
+              <a:r>
+                <a:rPr lang="en-US" altLang="ko-KR" dirty="0">
+                  <a:solidFill>
+                    <a:schemeClr val="tx1"/>
+                  </a:solidFill>
+                </a:rPr>
+                <a:t>3</a:t>
+              </a:r>
+              <a:endParaRPr lang="ko-KR" altLang="en-US" dirty="0">
+                <a:solidFill>
+                  <a:schemeClr val="tx1"/>
+                </a:solidFill>
+              </a:endParaRPr>
             </a:p>
           </p:txBody>
         </p:sp>
